--- a/project_presentation.pptx
+++ b/project_presentation.pptx
@@ -8,9 +8,9 @@
     <p:sldId id="256" r:id="rId2"/>
     <p:sldId id="257" r:id="rId3"/>
     <p:sldId id="258" r:id="rId4"/>
-    <p:sldId id="259" r:id="rId5"/>
+    <p:sldId id="261" r:id="rId5"/>
     <p:sldId id="260" r:id="rId6"/>
-    <p:sldId id="261" r:id="rId7"/>
+    <p:sldId id="259" r:id="rId7"/>
     <p:sldId id="262" r:id="rId8"/>
   </p:sldIdLst>
   <p:sldSz cx="9144000" cy="6858000" type="screen4x3"/>
@@ -305,7 +305,7 @@
           <a:p>
             <a:fld id="{F2A1539E-B072-4B60-860F-D977A86DAC6E}" type="datetimeFigureOut">
               <a:rPr lang="en-US" smtClean="0"/>
-              <a:t>4/9/2016</a:t>
+              <a:t>5/10/2016</a:t>
             </a:fld>
             <a:endParaRPr lang="en-US"/>
           </a:p>
@@ -470,7 +470,7 @@
           <a:p>
             <a:fld id="{F2A1539E-B072-4B60-860F-D977A86DAC6E}" type="datetimeFigureOut">
               <a:rPr lang="en-US" smtClean="0"/>
-              <a:t>4/9/2016</a:t>
+              <a:t>5/10/2016</a:t>
             </a:fld>
             <a:endParaRPr lang="en-US"/>
           </a:p>
@@ -645,7 +645,7 @@
           <a:p>
             <a:fld id="{F2A1539E-B072-4B60-860F-D977A86DAC6E}" type="datetimeFigureOut">
               <a:rPr lang="en-US" smtClean="0"/>
-              <a:t>4/9/2016</a:t>
+              <a:t>5/10/2016</a:t>
             </a:fld>
             <a:endParaRPr lang="en-US"/>
           </a:p>
@@ -828,7 +828,7 @@
           <a:p>
             <a:fld id="{F2A1539E-B072-4B60-860F-D977A86DAC6E}" type="datetimeFigureOut">
               <a:rPr lang="en-US" smtClean="0"/>
-              <a:t>4/9/2016</a:t>
+              <a:t>5/10/2016</a:t>
             </a:fld>
             <a:endParaRPr lang="en-US"/>
           </a:p>
@@ -1090,7 +1090,7 @@
           <a:p>
             <a:fld id="{F2A1539E-B072-4B60-860F-D977A86DAC6E}" type="datetimeFigureOut">
               <a:rPr lang="en-US" smtClean="0"/>
-              <a:t>4/9/2016</a:t>
+              <a:t>5/10/2016</a:t>
             </a:fld>
             <a:endParaRPr lang="en-US"/>
           </a:p>
@@ -1438,7 +1438,7 @@
           <a:p>
             <a:fld id="{F2A1539E-B072-4B60-860F-D977A86DAC6E}" type="datetimeFigureOut">
               <a:rPr lang="en-US" smtClean="0"/>
-              <a:t>4/9/2016</a:t>
+              <a:t>5/10/2016</a:t>
             </a:fld>
             <a:endParaRPr lang="en-US"/>
           </a:p>
@@ -1746,7 +1746,7 @@
           <a:p>
             <a:fld id="{F2A1539E-B072-4B60-860F-D977A86DAC6E}" type="datetimeFigureOut">
               <a:rPr lang="en-US" smtClean="0"/>
-              <a:t>4/9/2016</a:t>
+              <a:t>5/10/2016</a:t>
             </a:fld>
             <a:endParaRPr lang="en-US"/>
           </a:p>
@@ -1973,7 +1973,7 @@
           <a:p>
             <a:fld id="{F2A1539E-B072-4B60-860F-D977A86DAC6E}" type="datetimeFigureOut">
               <a:rPr lang="en-US" smtClean="0"/>
-              <a:t>4/9/2016</a:t>
+              <a:t>5/10/2016</a:t>
             </a:fld>
             <a:endParaRPr lang="en-US"/>
           </a:p>
@@ -2063,7 +2063,7 @@
           <a:p>
             <a:fld id="{F2A1539E-B072-4B60-860F-D977A86DAC6E}" type="datetimeFigureOut">
               <a:rPr lang="en-US" smtClean="0"/>
-              <a:t>4/9/2016</a:t>
+              <a:t>5/10/2016</a:t>
             </a:fld>
             <a:endParaRPr lang="en-US"/>
           </a:p>
@@ -2351,7 +2351,7 @@
           <a:p>
             <a:fld id="{F2A1539E-B072-4B60-860F-D977A86DAC6E}" type="datetimeFigureOut">
               <a:rPr lang="en-US" smtClean="0"/>
-              <a:t>4/9/2016</a:t>
+              <a:t>5/10/2016</a:t>
             </a:fld>
             <a:endParaRPr lang="en-US"/>
           </a:p>
@@ -2620,7 +2620,7 @@
           <a:p>
             <a:fld id="{F2A1539E-B072-4B60-860F-D977A86DAC6E}" type="datetimeFigureOut">
               <a:rPr lang="en-US" smtClean="0"/>
-              <a:t>4/9/2016</a:t>
+              <a:t>5/10/2016</a:t>
             </a:fld>
             <a:endParaRPr lang="en-US"/>
           </a:p>
@@ -2830,7 +2830,7 @@
           <a:p>
             <a:fld id="{F2A1539E-B072-4B60-860F-D977A86DAC6E}" type="datetimeFigureOut">
               <a:rPr lang="en-US" smtClean="0"/>
-              <a:t>4/9/2016</a:t>
+              <a:t>5/10/2016</a:t>
             </a:fld>
             <a:endParaRPr lang="en-US"/>
           </a:p>
@@ -3923,7 +3923,7 @@
                 <a:latin typeface="+mj-lt"/>
                 <a:cs typeface="Arial" panose="020B0604020202020204" pitchFamily="34" charset="0"/>
               </a:rPr>
-              <a:t>User Login</a:t>
+              <a:t>SP Server Registration</a:t>
             </a:r>
             <a:endParaRPr lang="en-US" dirty="0">
               <a:latin typeface="+mj-lt"/>
@@ -3933,13 +3933,13 @@
       </p:sp>
       <p:sp>
         <p:nvSpPr>
-          <p:cNvPr id="5" name="Flowchart: Magnetic Disk 4"/>
+          <p:cNvPr id="4" name="Flowchart: Magnetic Disk 3"/>
           <p:cNvSpPr/>
           <p:nvPr/>
         </p:nvSpPr>
         <p:spPr>
           <a:xfrm>
-            <a:off x="6248400" y="2895600"/>
+            <a:off x="2057400" y="4066487"/>
             <a:ext cx="685800" cy="381000"/>
           </a:xfrm>
           <a:prstGeom prst="flowChartMagneticDisk">
@@ -3971,13 +3971,13 @@
       </p:sp>
       <p:sp>
         <p:nvSpPr>
-          <p:cNvPr id="6" name="Flowchart: Alternate Process 5"/>
+          <p:cNvPr id="5" name="Flowchart: Alternate Process 4"/>
           <p:cNvSpPr/>
           <p:nvPr/>
         </p:nvSpPr>
         <p:spPr>
           <a:xfrm>
-            <a:off x="5715000" y="1752600"/>
+            <a:off x="1524000" y="2875864"/>
             <a:ext cx="1752600" cy="990600"/>
           </a:xfrm>
           <a:prstGeom prst="flowChartAlternateProcess">
@@ -4009,13 +4009,13 @@
       </p:sp>
       <p:sp>
         <p:nvSpPr>
-          <p:cNvPr id="7" name="Flowchart: Alternate Process 6"/>
+          <p:cNvPr id="6" name="Flowchart: Alternate Process 5"/>
           <p:cNvSpPr/>
           <p:nvPr/>
         </p:nvSpPr>
         <p:spPr>
           <a:xfrm>
-            <a:off x="5715000" y="4572000"/>
+            <a:off x="6381750" y="2875864"/>
             <a:ext cx="1752600" cy="990600"/>
           </a:xfrm>
           <a:prstGeom prst="flowChartAlternateProcess">
@@ -4047,13 +4047,13 @@
       </p:sp>
       <p:sp>
         <p:nvSpPr>
-          <p:cNvPr id="8" name="Flowchart: Magnetic Disk 7"/>
+          <p:cNvPr id="7" name="Flowchart: Magnetic Disk 6"/>
           <p:cNvSpPr/>
           <p:nvPr/>
         </p:nvSpPr>
         <p:spPr>
           <a:xfrm>
-            <a:off x="6248400" y="5715000"/>
+            <a:off x="6915150" y="4066489"/>
             <a:ext cx="685800" cy="381000"/>
           </a:xfrm>
           <a:prstGeom prst="flowChartMagneticDisk">
@@ -4085,17 +4085,17 @@
       </p:sp>
       <p:cxnSp>
         <p:nvCxnSpPr>
-          <p:cNvPr id="10" name="Straight Connector 9"/>
+          <p:cNvPr id="8" name="Straight Connector 7"/>
           <p:cNvCxnSpPr>
-            <a:stCxn id="6" idx="2"/>
-            <a:endCxn id="5" idx="1"/>
+            <a:stCxn id="5" idx="2"/>
+            <a:endCxn id="4" idx="1"/>
           </p:cNvCxnSpPr>
           <p:nvPr/>
         </p:nvCxnSpPr>
         <p:spPr>
           <a:xfrm>
-            <a:off x="6591300" y="2743200"/>
-            <a:ext cx="0" cy="152400"/>
+            <a:off x="2400300" y="3866464"/>
+            <a:ext cx="0" cy="200023"/>
           </a:xfrm>
           <a:prstGeom prst="line">
             <a:avLst/>
@@ -4118,17 +4118,17 @@
       </p:cxnSp>
       <p:cxnSp>
         <p:nvCxnSpPr>
-          <p:cNvPr id="11" name="Straight Connector 10"/>
+          <p:cNvPr id="9" name="Straight Connector 8"/>
           <p:cNvCxnSpPr>
-            <a:stCxn id="7" idx="2"/>
-            <a:endCxn id="8" idx="1"/>
+            <a:stCxn id="6" idx="2"/>
+            <a:endCxn id="7" idx="1"/>
           </p:cNvCxnSpPr>
           <p:nvPr/>
         </p:nvCxnSpPr>
         <p:spPr>
           <a:xfrm>
-            <a:off x="6591300" y="5562600"/>
-            <a:ext cx="0" cy="152400"/>
+            <a:off x="7258050" y="3866464"/>
+            <a:ext cx="0" cy="200025"/>
           </a:xfrm>
           <a:prstGeom prst="line">
             <a:avLst/>
@@ -4149,71 +4149,15 @@
           </a:fontRef>
         </p:style>
       </p:cxnSp>
-      <p:pic>
-        <p:nvPicPr>
-          <p:cNvPr id="1026" name="Picture 2"/>
-          <p:cNvPicPr>
-            <a:picLocks noGrp="1" noChangeAspect="1" noChangeArrowheads="1"/>
-          </p:cNvPicPr>
-          <p:nvPr>
-            <p:ph idx="1"/>
-          </p:nvPr>
-        </p:nvPicPr>
-        <p:blipFill>
-          <a:blip r:embed="rId2">
-            <a:extLst>
-              <a:ext uri="{28A0092B-C50C-407E-A947-70E740481C1C}">
-                <a14:useLocalDpi xmlns:a14="http://schemas.microsoft.com/office/drawing/2010/main" val="0"/>
-              </a:ext>
-            </a:extLst>
-          </a:blip>
-          <a:srcRect/>
-          <a:stretch>
-            <a:fillRect/>
-          </a:stretch>
-        </p:blipFill>
-        <p:spPr bwMode="auto">
-          <a:xfrm>
-            <a:off x="1828800" y="2790825"/>
-            <a:ext cx="1459675" cy="1724025"/>
-          </a:xfrm>
-          <a:prstGeom prst="rect">
-            <a:avLst/>
-          </a:prstGeom>
-          <a:noFill/>
-          <a:ln>
-            <a:noFill/>
-          </a:ln>
-          <a:extLst>
-            <a:ext uri="{909E8E84-426E-40DD-AFC4-6F175D3DCCD1}">
-              <a14:hiddenFill xmlns:a14="http://schemas.microsoft.com/office/drawing/2010/main">
-                <a:solidFill>
-                  <a:schemeClr val="accent1"/>
-                </a:solidFill>
-              </a14:hiddenFill>
-            </a:ext>
-            <a:ext uri="{91240B29-F687-4F45-9708-019B960494DF}">
-              <a14:hiddenLine xmlns:a14="http://schemas.microsoft.com/office/drawing/2010/main" w="9525">
-                <a:solidFill>
-                  <a:schemeClr val="tx1"/>
-                </a:solidFill>
-                <a:miter lim="800000"/>
-                <a:headEnd/>
-                <a:tailEnd/>
-              </a14:hiddenLine>
-            </a:ext>
-          </a:extLst>
-        </p:spPr>
-      </p:pic>
       <p:sp>
         <p:nvSpPr>
-          <p:cNvPr id="18" name="TextBox 17"/>
+          <p:cNvPr id="11" name="TextBox 10"/>
           <p:cNvSpPr txBox="1"/>
           <p:nvPr/>
         </p:nvSpPr>
         <p:spPr>
           <a:xfrm>
-            <a:off x="5715000" y="1924735"/>
+            <a:off x="1524000" y="3047999"/>
             <a:ext cx="1752600" cy="646330"/>
           </a:xfrm>
           <a:prstGeom prst="rect">
@@ -4298,13 +4242,13 @@
       </p:sp>
       <p:sp>
         <p:nvSpPr>
-          <p:cNvPr id="23" name="TextBox 22"/>
+          <p:cNvPr id="12" name="TextBox 11"/>
           <p:cNvSpPr txBox="1"/>
           <p:nvPr/>
         </p:nvSpPr>
         <p:spPr>
           <a:xfrm>
-            <a:off x="5562600" y="4744135"/>
+            <a:off x="6229350" y="3048000"/>
             <a:ext cx="2057400" cy="646331"/>
           </a:xfrm>
           <a:prstGeom prst="rect">
@@ -4389,17 +4333,14 @@
       </p:sp>
       <p:cxnSp>
         <p:nvCxnSpPr>
-          <p:cNvPr id="28" name="Straight Arrow Connector 27"/>
-          <p:cNvCxnSpPr>
-            <a:stCxn id="1026" idx="3"/>
-            <a:endCxn id="23" idx="1"/>
-          </p:cNvCxnSpPr>
+          <p:cNvPr id="48" name="Straight Arrow Connector 47"/>
+          <p:cNvCxnSpPr/>
           <p:nvPr/>
         </p:nvCxnSpPr>
         <p:spPr>
           <a:xfrm>
-            <a:off x="3288475" y="3652838"/>
-            <a:ext cx="2274125" cy="1414463"/>
+            <a:off x="3286125" y="3058210"/>
+            <a:ext cx="3105150" cy="0"/>
           </a:xfrm>
           <a:prstGeom prst="straightConnector1">
             <a:avLst/>
@@ -4425,17 +4366,14 @@
       </p:cxnSp>
       <p:cxnSp>
         <p:nvCxnSpPr>
-          <p:cNvPr id="35" name="Straight Arrow Connector 34"/>
-          <p:cNvCxnSpPr>
-            <a:stCxn id="1026" idx="3"/>
-            <a:endCxn id="6" idx="1"/>
-          </p:cNvCxnSpPr>
+          <p:cNvPr id="49" name="Straight Arrow Connector 48"/>
+          <p:cNvCxnSpPr/>
           <p:nvPr/>
         </p:nvCxnSpPr>
         <p:spPr>
-          <a:xfrm flipV="1">
-            <a:off x="3288475" y="2247900"/>
-            <a:ext cx="2426525" cy="1404938"/>
+          <a:xfrm flipH="1" flipV="1">
+            <a:off x="3257550" y="3218767"/>
+            <a:ext cx="3105150" cy="2"/>
           </a:xfrm>
           <a:prstGeom prst="straightConnector1">
             <a:avLst/>
@@ -4461,14 +4399,14 @@
       </p:cxnSp>
       <p:cxnSp>
         <p:nvCxnSpPr>
-          <p:cNvPr id="44" name="Straight Arrow Connector 43"/>
+          <p:cNvPr id="56" name="Straight Arrow Connector 55"/>
           <p:cNvCxnSpPr/>
           <p:nvPr/>
         </p:nvCxnSpPr>
         <p:spPr>
-          <a:xfrm flipH="1" flipV="1">
-            <a:off x="3121850" y="3733800"/>
-            <a:ext cx="2440751" cy="1524000"/>
+          <a:xfrm>
+            <a:off x="3286125" y="3371165"/>
+            <a:ext cx="3105150" cy="0"/>
           </a:xfrm>
           <a:prstGeom prst="straightConnector1">
             <a:avLst/>
@@ -4494,14 +4432,14 @@
       </p:cxnSp>
       <p:cxnSp>
         <p:nvCxnSpPr>
-          <p:cNvPr id="62" name="Straight Arrow Connector 61"/>
+          <p:cNvPr id="57" name="Straight Arrow Connector 56"/>
           <p:cNvCxnSpPr/>
           <p:nvPr/>
         </p:nvCxnSpPr>
         <p:spPr>
-          <a:xfrm>
-            <a:off x="3048000" y="3864768"/>
-            <a:ext cx="2440751" cy="1525698"/>
+          <a:xfrm flipH="1" flipV="1">
+            <a:off x="3286125" y="3523565"/>
+            <a:ext cx="3105150" cy="2"/>
           </a:xfrm>
           <a:prstGeom prst="straightConnector1">
             <a:avLst/>
@@ -4527,14 +4465,14 @@
       </p:cxnSp>
       <p:cxnSp>
         <p:nvCxnSpPr>
-          <p:cNvPr id="65" name="Straight Arrow Connector 64"/>
+          <p:cNvPr id="58" name="Straight Arrow Connector 57"/>
           <p:cNvCxnSpPr/>
           <p:nvPr/>
         </p:nvCxnSpPr>
         <p:spPr>
-          <a:xfrm flipH="1" flipV="1">
-            <a:off x="3121849" y="4105275"/>
-            <a:ext cx="2440751" cy="1524000"/>
+          <a:xfrm>
+            <a:off x="3286125" y="3694329"/>
+            <a:ext cx="3105150" cy="0"/>
           </a:xfrm>
           <a:prstGeom prst="straightConnector1">
             <a:avLst/>
@@ -4558,109 +4496,88 @@
           </a:fontRef>
         </p:style>
       </p:cxnSp>
-      <p:cxnSp>
-        <p:nvCxnSpPr>
-          <p:cNvPr id="66" name="Straight Arrow Connector 65"/>
-          <p:cNvCxnSpPr/>
+      <p:sp>
+        <p:nvSpPr>
+          <p:cNvPr id="59" name="TextBox 58"/>
+          <p:cNvSpPr txBox="1"/>
           <p:nvPr/>
-        </p:nvCxnSpPr>
+        </p:nvSpPr>
         <p:spPr>
-          <a:xfrm flipV="1">
-            <a:off x="3031917" y="1924735"/>
-            <a:ext cx="2620613" cy="1538974"/>
+          <a:xfrm>
+            <a:off x="1885950" y="2352674"/>
+            <a:ext cx="1028700" cy="338554"/>
           </a:xfrm>
-          <a:prstGeom prst="straightConnector1">
+          <a:prstGeom prst="rect">
             <a:avLst/>
           </a:prstGeom>
-          <a:ln>
-            <a:tailEnd type="arrow"/>
-          </a:ln>
+          <a:noFill/>
         </p:spPr>
-        <p:style>
-          <a:lnRef idx="1">
-            <a:schemeClr val="accent1"/>
-          </a:lnRef>
-          <a:fillRef idx="0">
-            <a:schemeClr val="accent1"/>
-          </a:fillRef>
-          <a:effectRef idx="0">
-            <a:schemeClr val="accent1"/>
-          </a:effectRef>
-          <a:fontRef idx="minor">
-            <a:schemeClr val="tx1"/>
-          </a:fontRef>
-        </p:style>
-      </p:cxnSp>
-      <p:cxnSp>
-        <p:nvCxnSpPr>
-          <p:cNvPr id="68" name="Straight Arrow Connector 67"/>
-          <p:cNvCxnSpPr/>
+        <p:txBody>
+          <a:bodyPr wrap="square" rtlCol="0">
+            <a:spAutoFit/>
+          </a:bodyPr>
+          <a:lstStyle/>
+          <a:p>
+            <a:r>
+              <a:rPr lang="en-US" sz="1600" dirty="0" smtClean="0">
+                <a:latin typeface="+mj-lt"/>
+              </a:rPr>
+              <a:t>“Client”</a:t>
+            </a:r>
+            <a:endParaRPr lang="en-US" sz="1600" dirty="0">
+              <a:latin typeface="+mj-lt"/>
+            </a:endParaRPr>
+          </a:p>
+        </p:txBody>
+      </p:sp>
+      <p:sp>
+        <p:nvSpPr>
+          <p:cNvPr id="60" name="TextBox 59"/>
+          <p:cNvSpPr txBox="1"/>
           <p:nvPr/>
-        </p:nvCxnSpPr>
+        </p:nvSpPr>
         <p:spPr>
-          <a:xfrm flipH="1">
-            <a:off x="3124198" y="2047875"/>
-            <a:ext cx="2602677" cy="1543049"/>
+          <a:xfrm>
+            <a:off x="6615112" y="2106453"/>
+            <a:ext cx="1285876" cy="584775"/>
           </a:xfrm>
-          <a:prstGeom prst="straightConnector1">
+          <a:prstGeom prst="rect">
             <a:avLst/>
           </a:prstGeom>
-          <a:ln>
-            <a:tailEnd type="arrow"/>
-          </a:ln>
+          <a:noFill/>
         </p:spPr>
-        <p:style>
-          <a:lnRef idx="1">
-            <a:schemeClr val="accent1"/>
-          </a:lnRef>
-          <a:fillRef idx="0">
-            <a:schemeClr val="accent1"/>
-          </a:fillRef>
-          <a:effectRef idx="0">
-            <a:schemeClr val="accent1"/>
-          </a:effectRef>
-          <a:fontRef idx="minor">
-            <a:schemeClr val="tx1"/>
-          </a:fontRef>
-        </p:style>
-      </p:cxnSp>
-      <p:cxnSp>
-        <p:nvCxnSpPr>
-          <p:cNvPr id="73" name="Straight Arrow Connector 72"/>
-          <p:cNvCxnSpPr/>
-          <p:nvPr/>
-        </p:nvCxnSpPr>
-        <p:spPr>
-          <a:xfrm flipH="1">
-            <a:off x="2914651" y="1832535"/>
-            <a:ext cx="2593150" cy="1477060"/>
-          </a:xfrm>
-          <a:prstGeom prst="straightConnector1">
-            <a:avLst/>
-          </a:prstGeom>
-          <a:ln>
-            <a:tailEnd type="arrow"/>
-          </a:ln>
-        </p:spPr>
-        <p:style>
-          <a:lnRef idx="1">
-            <a:schemeClr val="accent1"/>
-          </a:lnRef>
-          <a:fillRef idx="0">
-            <a:schemeClr val="accent1"/>
-          </a:fillRef>
-          <a:effectRef idx="0">
-            <a:schemeClr val="accent1"/>
-          </a:effectRef>
-          <a:fontRef idx="minor">
-            <a:schemeClr val="tx1"/>
-          </a:fontRef>
-        </p:style>
-      </p:cxnSp>
+        <p:txBody>
+          <a:bodyPr wrap="square" rtlCol="0">
+            <a:spAutoFit/>
+          </a:bodyPr>
+          <a:lstStyle/>
+          <a:p>
+            <a:pPr algn="ctr"/>
+            <a:r>
+              <a:rPr lang="en-US" sz="1600" dirty="0" smtClean="0">
+                <a:latin typeface="+mj-lt"/>
+              </a:rPr>
+              <a:t>Multi-client</a:t>
+            </a:r>
+          </a:p>
+          <a:p>
+            <a:pPr algn="ctr"/>
+            <a:r>
+              <a:rPr lang="en-US" sz="1600" dirty="0" smtClean="0">
+                <a:latin typeface="+mj-lt"/>
+              </a:rPr>
+              <a:t>Server</a:t>
+            </a:r>
+            <a:endParaRPr lang="en-US" sz="1600" dirty="0">
+              <a:latin typeface="+mj-lt"/>
+            </a:endParaRPr>
+          </a:p>
+        </p:txBody>
+      </p:sp>
     </p:spTree>
     <p:extLst>
       <p:ext uri="{BB962C8B-B14F-4D97-AF65-F5344CB8AC3E}">
-        <p14:creationId xmlns:p14="http://schemas.microsoft.com/office/powerpoint/2010/main" val="2172970971"/>
+        <p14:creationId xmlns:p14="http://schemas.microsoft.com/office/powerpoint/2010/main" val="3831895758"/>
       </p:ext>
     </p:extLst>
   </p:cSld>
@@ -4679,6 +4596,9 @@
                     <p:cTn id="3" fill="hold">
                       <p:stCondLst>
                         <p:cond delay="indefinite"/>
+                        <p:cond evt="onBegin" delay="0">
+                          <p:tn val="2"/>
+                        </p:cond>
                       </p:stCondLst>
                       <p:childTnLst>
                         <p:par>
@@ -4688,7 +4608,7 @@
                             </p:stCondLst>
                             <p:childTnLst>
                               <p:par>
-                                <p:cTn id="5" presetID="22" presetClass="entr" presetSubtype="4" fill="hold" grpId="0" nodeType="clickEffect">
+                                <p:cTn id="5" presetID="22" presetClass="entr" presetSubtype="4" fill="hold" grpId="0" nodeType="withEffect">
                                   <p:stCondLst>
                                     <p:cond delay="0"/>
                                   </p:stCondLst>
@@ -4701,7 +4621,7 @@
                                           </p:stCondLst>
                                         </p:cTn>
                                         <p:tgtEl>
-                                          <p:spTgt spid="2"/>
+                                          <p:spTgt spid="4"/>
                                         </p:tgtEl>
                                         <p:attrNameLst>
                                           <p:attrName>style.visibility</p:attrName>
@@ -4715,7 +4635,7 @@
                                       <p:cBhvr>
                                         <p:cTn id="7" dur="500"/>
                                         <p:tgtEl>
-                                          <p:spTgt spid="2"/>
+                                          <p:spTgt spid="4"/>
                                         </p:tgtEl>
                                       </p:cBhvr>
                                     </p:animEffect>
@@ -4828,7 +4748,7 @@
                                 </p:cTn>
                               </p:par>
                               <p:par>
-                                <p:cTn id="17" presetID="22" presetClass="entr" presetSubtype="4" fill="hold" grpId="0" nodeType="withEffect">
+                                <p:cTn id="17" presetID="22" presetClass="entr" presetSubtype="4" fill="hold" nodeType="withEffect">
                                   <p:stCondLst>
                                     <p:cond delay="0"/>
                                   </p:stCondLst>
@@ -4876,7 +4796,7 @@
                                           </p:stCondLst>
                                         </p:cTn>
                                         <p:tgtEl>
-                                          <p:spTgt spid="10"/>
+                                          <p:spTgt spid="9"/>
                                         </p:tgtEl>
                                         <p:attrNameLst>
                                           <p:attrName>style.visibility</p:attrName>
@@ -4890,7 +4810,7 @@
                                       <p:cBhvr>
                                         <p:cTn id="22" dur="500"/>
                                         <p:tgtEl>
-                                          <p:spTgt spid="10"/>
+                                          <p:spTgt spid="9"/>
                                         </p:tgtEl>
                                       </p:cBhvr>
                                     </p:animEffect>
@@ -4898,7 +4818,7 @@
                                 </p:cTn>
                               </p:par>
                               <p:par>
-                                <p:cTn id="23" presetID="22" presetClass="entr" presetSubtype="4" fill="hold" nodeType="withEffect">
+                                <p:cTn id="23" presetID="22" presetClass="entr" presetSubtype="4" fill="hold" grpId="0" nodeType="withEffect">
                                   <p:stCondLst>
                                     <p:cond delay="0"/>
                                   </p:stCondLst>
@@ -4911,7 +4831,7 @@
                                           </p:stCondLst>
                                         </p:cTn>
                                         <p:tgtEl>
-                                          <p:spTgt spid="11"/>
+                                          <p:spTgt spid="12"/>
                                         </p:tgtEl>
                                         <p:attrNameLst>
                                           <p:attrName>style.visibility</p:attrName>
@@ -4925,7 +4845,7 @@
                                       <p:cBhvr>
                                         <p:cTn id="25" dur="500"/>
                                         <p:tgtEl>
-                                          <p:spTgt spid="11"/>
+                                          <p:spTgt spid="12"/>
                                         </p:tgtEl>
                                       </p:cBhvr>
                                     </p:animEffect>
@@ -4933,7 +4853,7 @@
                                 </p:cTn>
                               </p:par>
                               <p:par>
-                                <p:cTn id="26" presetID="22" presetClass="entr" presetSubtype="4" fill="hold" nodeType="withEffect">
+                                <p:cTn id="26" presetID="22" presetClass="entr" presetSubtype="4" fill="hold" grpId="0" nodeType="withEffect">
                                   <p:stCondLst>
                                     <p:cond delay="0"/>
                                   </p:stCondLst>
@@ -4946,7 +4866,7 @@
                                           </p:stCondLst>
                                         </p:cTn>
                                         <p:tgtEl>
-                                          <p:spTgt spid="1026"/>
+                                          <p:spTgt spid="11"/>
                                         </p:tgtEl>
                                         <p:attrNameLst>
                                           <p:attrName>style.visibility</p:attrName>
@@ -4960,42 +4880,7 @@
                                       <p:cBhvr>
                                         <p:cTn id="28" dur="500"/>
                                         <p:tgtEl>
-                                          <p:spTgt spid="1026"/>
-                                        </p:tgtEl>
-                                      </p:cBhvr>
-                                    </p:animEffect>
-                                  </p:childTnLst>
-                                </p:cTn>
-                              </p:par>
-                              <p:par>
-                                <p:cTn id="29" presetID="22" presetClass="entr" presetSubtype="4" fill="hold" grpId="0" nodeType="withEffect">
-                                  <p:stCondLst>
-                                    <p:cond delay="0"/>
-                                  </p:stCondLst>
-                                  <p:childTnLst>
-                                    <p:set>
-                                      <p:cBhvr>
-                                        <p:cTn id="30" dur="1" fill="hold">
-                                          <p:stCondLst>
-                                            <p:cond delay="0"/>
-                                          </p:stCondLst>
-                                        </p:cTn>
-                                        <p:tgtEl>
-                                          <p:spTgt spid="23"/>
-                                        </p:tgtEl>
-                                        <p:attrNameLst>
-                                          <p:attrName>style.visibility</p:attrName>
-                                        </p:attrNameLst>
-                                      </p:cBhvr>
-                                      <p:to>
-                                        <p:strVal val="visible"/>
-                                      </p:to>
-                                    </p:set>
-                                    <p:animEffect transition="in" filter="wipe(down)">
-                                      <p:cBhvr>
-                                        <p:cTn id="31" dur="500"/>
-                                        <p:tgtEl>
-                                          <p:spTgt spid="23"/>
+                                          <p:spTgt spid="11"/>
                                         </p:tgtEl>
                                       </p:cBhvr>
                                     </p:animEffect>
@@ -5009,32 +4894,32 @@
                     </p:cTn>
                   </p:par>
                   <p:par>
-                    <p:cTn id="32" fill="hold">
+                    <p:cTn id="29" fill="hold">
                       <p:stCondLst>
                         <p:cond delay="indefinite"/>
                       </p:stCondLst>
                       <p:childTnLst>
                         <p:par>
-                          <p:cTn id="33" fill="hold">
+                          <p:cTn id="30" fill="hold">
                             <p:stCondLst>
                               <p:cond delay="0"/>
                             </p:stCondLst>
                             <p:childTnLst>
                               <p:par>
-                                <p:cTn id="34" presetID="22" presetClass="entr" presetSubtype="4" fill="hold" nodeType="clickEffect">
+                                <p:cTn id="31" presetID="22" presetClass="entr" presetSubtype="8" fill="hold" nodeType="clickEffect">
                                   <p:stCondLst>
                                     <p:cond delay="0"/>
                                   </p:stCondLst>
                                   <p:childTnLst>
                                     <p:set>
                                       <p:cBhvr>
-                                        <p:cTn id="35" dur="1" fill="hold">
+                                        <p:cTn id="32" dur="1" fill="hold">
                                           <p:stCondLst>
                                             <p:cond delay="0"/>
                                           </p:stCondLst>
                                         </p:cTn>
                                         <p:tgtEl>
-                                          <p:spTgt spid="35"/>
+                                          <p:spTgt spid="48"/>
                                         </p:tgtEl>
                                         <p:attrNameLst>
                                           <p:attrName>style.visibility</p:attrName>
@@ -5044,46 +4929,11 @@
                                         <p:strVal val="visible"/>
                                       </p:to>
                                     </p:set>
-                                    <p:animEffect transition="in" filter="wipe(down)">
-                                      <p:cBhvr>
-                                        <p:cTn id="36" dur="500"/>
-                                        <p:tgtEl>
-                                          <p:spTgt spid="35"/>
-                                        </p:tgtEl>
-                                      </p:cBhvr>
-                                    </p:animEffect>
-                                  </p:childTnLst>
-                                </p:cTn>
-                              </p:par>
-                              <p:par>
-                                <p:cTn id="37" presetID="22" presetClass="entr" presetSubtype="4" fill="hold" grpId="0" nodeType="withEffect">
-                                  <p:stCondLst>
-                                    <p:cond delay="0"/>
-                                  </p:stCondLst>
-                                  <p:childTnLst>
-                                    <p:set>
-                                      <p:cBhvr>
-                                        <p:cTn id="38" dur="1" fill="hold">
-                                          <p:stCondLst>
-                                            <p:cond delay="0"/>
-                                          </p:stCondLst>
-                                        </p:cTn>
-                                        <p:tgtEl>
-                                          <p:spTgt spid="18"/>
-                                        </p:tgtEl>
-                                        <p:attrNameLst>
-                                          <p:attrName>style.visibility</p:attrName>
-                                        </p:attrNameLst>
-                                      </p:cBhvr>
-                                      <p:to>
-                                        <p:strVal val="visible"/>
-                                      </p:to>
-                                    </p:set>
-                                    <p:animEffect transition="in" filter="wipe(down)">
-                                      <p:cBhvr>
-                                        <p:cTn id="39" dur="500"/>
-                                        <p:tgtEl>
-                                          <p:spTgt spid="18"/>
+                                    <p:animEffect transition="in" filter="wipe(left)">
+                                      <p:cBhvr>
+                                        <p:cTn id="33" dur="500"/>
+                                        <p:tgtEl>
+                                          <p:spTgt spid="48"/>
                                         </p:tgtEl>
                                       </p:cBhvr>
                                     </p:animEffect>
@@ -5097,32 +4947,32 @@
                     </p:cTn>
                   </p:par>
                   <p:par>
-                    <p:cTn id="40" fill="hold">
+                    <p:cTn id="34" fill="hold">
                       <p:stCondLst>
                         <p:cond delay="indefinite"/>
                       </p:stCondLst>
                       <p:childTnLst>
                         <p:par>
-                          <p:cTn id="41" fill="hold">
+                          <p:cTn id="35" fill="hold">
                             <p:stCondLst>
                               <p:cond delay="0"/>
                             </p:stCondLst>
                             <p:childTnLst>
                               <p:par>
-                                <p:cTn id="42" presetID="22" presetClass="entr" presetSubtype="1" fill="hold" nodeType="clickEffect">
+                                <p:cTn id="36" presetID="22" presetClass="entr" presetSubtype="2" fill="hold" nodeType="clickEffect">
                                   <p:stCondLst>
                                     <p:cond delay="0"/>
                                   </p:stCondLst>
                                   <p:childTnLst>
                                     <p:set>
                                       <p:cBhvr>
-                                        <p:cTn id="43" dur="1" fill="hold">
+                                        <p:cTn id="37" dur="1" fill="hold">
                                           <p:stCondLst>
                                             <p:cond delay="0"/>
                                           </p:stCondLst>
                                         </p:cTn>
                                         <p:tgtEl>
-                                          <p:spTgt spid="68"/>
+                                          <p:spTgt spid="49"/>
                                         </p:tgtEl>
                                         <p:attrNameLst>
                                           <p:attrName>style.visibility</p:attrName>
@@ -5132,11 +4982,11 @@
                                         <p:strVal val="visible"/>
                                       </p:to>
                                     </p:set>
-                                    <p:animEffect transition="in" filter="wipe(up)">
-                                      <p:cBhvr>
-                                        <p:cTn id="44" dur="500"/>
-                                        <p:tgtEl>
-                                          <p:spTgt spid="68"/>
+                                    <p:animEffect transition="in" filter="wipe(right)">
+                                      <p:cBhvr>
+                                        <p:cTn id="38" dur="500"/>
+                                        <p:tgtEl>
+                                          <p:spTgt spid="49"/>
                                         </p:tgtEl>
                                       </p:cBhvr>
                                     </p:animEffect>
@@ -5150,32 +5000,32 @@
                     </p:cTn>
                   </p:par>
                   <p:par>
-                    <p:cTn id="45" fill="hold">
+                    <p:cTn id="39" fill="hold">
                       <p:stCondLst>
                         <p:cond delay="indefinite"/>
                       </p:stCondLst>
                       <p:childTnLst>
                         <p:par>
-                          <p:cTn id="46" fill="hold">
+                          <p:cTn id="40" fill="hold">
                             <p:stCondLst>
                               <p:cond delay="0"/>
                             </p:stCondLst>
                             <p:childTnLst>
                               <p:par>
-                                <p:cTn id="47" presetID="22" presetClass="entr" presetSubtype="1" fill="hold" nodeType="clickEffect">
+                                <p:cTn id="41" presetID="22" presetClass="entr" presetSubtype="8" fill="hold" nodeType="clickEffect">
                                   <p:stCondLst>
                                     <p:cond delay="0"/>
                                   </p:stCondLst>
                                   <p:childTnLst>
                                     <p:set>
                                       <p:cBhvr>
-                                        <p:cTn id="48" dur="1" fill="hold">
+                                        <p:cTn id="42" dur="1" fill="hold">
                                           <p:stCondLst>
                                             <p:cond delay="0"/>
                                           </p:stCondLst>
                                         </p:cTn>
                                         <p:tgtEl>
-                                          <p:spTgt spid="28"/>
+                                          <p:spTgt spid="56"/>
                                         </p:tgtEl>
                                         <p:attrNameLst>
                                           <p:attrName>style.visibility</p:attrName>
@@ -5185,11 +5035,11 @@
                                         <p:strVal val="visible"/>
                                       </p:to>
                                     </p:set>
-                                    <p:animEffect transition="in" filter="wipe(up)">
-                                      <p:cBhvr>
-                                        <p:cTn id="49" dur="500"/>
-                                        <p:tgtEl>
-                                          <p:spTgt spid="28"/>
+                                    <p:animEffect transition="in" filter="wipe(left)">
+                                      <p:cBhvr>
+                                        <p:cTn id="43" dur="500"/>
+                                        <p:tgtEl>
+                                          <p:spTgt spid="56"/>
                                         </p:tgtEl>
                                       </p:cBhvr>
                                     </p:animEffect>
@@ -5203,32 +5053,32 @@
                     </p:cTn>
                   </p:par>
                   <p:par>
-                    <p:cTn id="50" fill="hold">
+                    <p:cTn id="44" fill="hold">
                       <p:stCondLst>
                         <p:cond delay="indefinite"/>
                       </p:stCondLst>
                       <p:childTnLst>
                         <p:par>
-                          <p:cTn id="51" fill="hold">
+                          <p:cTn id="45" fill="hold">
                             <p:stCondLst>
                               <p:cond delay="0"/>
                             </p:stCondLst>
                             <p:childTnLst>
                               <p:par>
-                                <p:cTn id="52" presetID="22" presetClass="entr" presetSubtype="4" fill="hold" nodeType="clickEffect">
+                                <p:cTn id="46" presetID="22" presetClass="entr" presetSubtype="2" fill="hold" nodeType="clickEffect">
                                   <p:stCondLst>
                                     <p:cond delay="0"/>
                                   </p:stCondLst>
                                   <p:childTnLst>
                                     <p:set>
                                       <p:cBhvr>
-                                        <p:cTn id="53" dur="1" fill="hold">
+                                        <p:cTn id="47" dur="1" fill="hold">
                                           <p:stCondLst>
                                             <p:cond delay="0"/>
                                           </p:stCondLst>
                                         </p:cTn>
                                         <p:tgtEl>
-                                          <p:spTgt spid="44"/>
+                                          <p:spTgt spid="57"/>
                                         </p:tgtEl>
                                         <p:attrNameLst>
                                           <p:attrName>style.visibility</p:attrName>
@@ -5238,11 +5088,11 @@
                                         <p:strVal val="visible"/>
                                       </p:to>
                                     </p:set>
-                                    <p:animEffect transition="in" filter="wipe(down)">
-                                      <p:cBhvr>
-                                        <p:cTn id="54" dur="500"/>
-                                        <p:tgtEl>
-                                          <p:spTgt spid="44"/>
+                                    <p:animEffect transition="in" filter="wipe(right)">
+                                      <p:cBhvr>
+                                        <p:cTn id="48" dur="500"/>
+                                        <p:tgtEl>
+                                          <p:spTgt spid="57"/>
                                         </p:tgtEl>
                                       </p:cBhvr>
                                     </p:animEffect>
@@ -5256,32 +5106,32 @@
                     </p:cTn>
                   </p:par>
                   <p:par>
-                    <p:cTn id="55" fill="hold">
+                    <p:cTn id="49" fill="hold">
                       <p:stCondLst>
                         <p:cond delay="indefinite"/>
                       </p:stCondLst>
                       <p:childTnLst>
                         <p:par>
-                          <p:cTn id="56" fill="hold">
+                          <p:cTn id="50" fill="hold">
                             <p:stCondLst>
                               <p:cond delay="0"/>
                             </p:stCondLst>
                             <p:childTnLst>
                               <p:par>
-                                <p:cTn id="57" presetID="22" presetClass="entr" presetSubtype="1" fill="hold" nodeType="clickEffect">
+                                <p:cTn id="51" presetID="22" presetClass="entr" presetSubtype="8" fill="hold" nodeType="clickEffect">
                                   <p:stCondLst>
                                     <p:cond delay="0"/>
                                   </p:stCondLst>
                                   <p:childTnLst>
                                     <p:set>
                                       <p:cBhvr>
-                                        <p:cTn id="58" dur="1" fill="hold">
+                                        <p:cTn id="52" dur="1" fill="hold">
                                           <p:stCondLst>
                                             <p:cond delay="0"/>
                                           </p:stCondLst>
                                         </p:cTn>
                                         <p:tgtEl>
-                                          <p:spTgt spid="62"/>
+                                          <p:spTgt spid="58"/>
                                         </p:tgtEl>
                                         <p:attrNameLst>
                                           <p:attrName>style.visibility</p:attrName>
@@ -5291,170 +5141,11 @@
                                         <p:strVal val="visible"/>
                                       </p:to>
                                     </p:set>
-                                    <p:animEffect transition="in" filter="wipe(up)">
-                                      <p:cBhvr>
-                                        <p:cTn id="59" dur="500"/>
-                                        <p:tgtEl>
-                                          <p:spTgt spid="62"/>
-                                        </p:tgtEl>
-                                      </p:cBhvr>
-                                    </p:animEffect>
-                                  </p:childTnLst>
-                                </p:cTn>
-                              </p:par>
-                            </p:childTnLst>
-                          </p:cTn>
-                        </p:par>
-                      </p:childTnLst>
-                    </p:cTn>
-                  </p:par>
-                  <p:par>
-                    <p:cTn id="60" fill="hold">
-                      <p:stCondLst>
-                        <p:cond delay="indefinite"/>
-                      </p:stCondLst>
-                      <p:childTnLst>
-                        <p:par>
-                          <p:cTn id="61" fill="hold">
-                            <p:stCondLst>
-                              <p:cond delay="0"/>
-                            </p:stCondLst>
-                            <p:childTnLst>
-                              <p:par>
-                                <p:cTn id="62" presetID="22" presetClass="entr" presetSubtype="4" fill="hold" nodeType="clickEffect">
-                                  <p:stCondLst>
-                                    <p:cond delay="0"/>
-                                  </p:stCondLst>
-                                  <p:childTnLst>
-                                    <p:set>
-                                      <p:cBhvr>
-                                        <p:cTn id="63" dur="1" fill="hold">
-                                          <p:stCondLst>
-                                            <p:cond delay="0"/>
-                                          </p:stCondLst>
-                                        </p:cTn>
-                                        <p:tgtEl>
-                                          <p:spTgt spid="65"/>
-                                        </p:tgtEl>
-                                        <p:attrNameLst>
-                                          <p:attrName>style.visibility</p:attrName>
-                                        </p:attrNameLst>
-                                      </p:cBhvr>
-                                      <p:to>
-                                        <p:strVal val="visible"/>
-                                      </p:to>
-                                    </p:set>
-                                    <p:animEffect transition="in" filter="wipe(down)">
-                                      <p:cBhvr>
-                                        <p:cTn id="64" dur="500"/>
-                                        <p:tgtEl>
-                                          <p:spTgt spid="65"/>
-                                        </p:tgtEl>
-                                      </p:cBhvr>
-                                    </p:animEffect>
-                                  </p:childTnLst>
-                                </p:cTn>
-                              </p:par>
-                            </p:childTnLst>
-                          </p:cTn>
-                        </p:par>
-                      </p:childTnLst>
-                    </p:cTn>
-                  </p:par>
-                  <p:par>
-                    <p:cTn id="65" fill="hold">
-                      <p:stCondLst>
-                        <p:cond delay="indefinite"/>
-                      </p:stCondLst>
-                      <p:childTnLst>
-                        <p:par>
-                          <p:cTn id="66" fill="hold">
-                            <p:stCondLst>
-                              <p:cond delay="0"/>
-                            </p:stCondLst>
-                            <p:childTnLst>
-                              <p:par>
-                                <p:cTn id="67" presetID="22" presetClass="entr" presetSubtype="4" fill="hold" nodeType="clickEffect">
-                                  <p:stCondLst>
-                                    <p:cond delay="0"/>
-                                  </p:stCondLst>
-                                  <p:childTnLst>
-                                    <p:set>
-                                      <p:cBhvr>
-                                        <p:cTn id="68" dur="1" fill="hold">
-                                          <p:stCondLst>
-                                            <p:cond delay="0"/>
-                                          </p:stCondLst>
-                                        </p:cTn>
-                                        <p:tgtEl>
-                                          <p:spTgt spid="66"/>
-                                        </p:tgtEl>
-                                        <p:attrNameLst>
-                                          <p:attrName>style.visibility</p:attrName>
-                                        </p:attrNameLst>
-                                      </p:cBhvr>
-                                      <p:to>
-                                        <p:strVal val="visible"/>
-                                      </p:to>
-                                    </p:set>
-                                    <p:animEffect transition="in" filter="wipe(down)">
-                                      <p:cBhvr>
-                                        <p:cTn id="69" dur="500"/>
-                                        <p:tgtEl>
-                                          <p:spTgt spid="66"/>
-                                        </p:tgtEl>
-                                      </p:cBhvr>
-                                    </p:animEffect>
-                                  </p:childTnLst>
-                                </p:cTn>
-                              </p:par>
-                            </p:childTnLst>
-                          </p:cTn>
-                        </p:par>
-                      </p:childTnLst>
-                    </p:cTn>
-                  </p:par>
-                  <p:par>
-                    <p:cTn id="70" fill="hold">
-                      <p:stCondLst>
-                        <p:cond delay="indefinite"/>
-                      </p:stCondLst>
-                      <p:childTnLst>
-                        <p:par>
-                          <p:cTn id="71" fill="hold">
-                            <p:stCondLst>
-                              <p:cond delay="0"/>
-                            </p:stCondLst>
-                            <p:childTnLst>
-                              <p:par>
-                                <p:cTn id="72" presetID="22" presetClass="entr" presetSubtype="1" fill="hold" nodeType="clickEffect">
-                                  <p:stCondLst>
-                                    <p:cond delay="0"/>
-                                  </p:stCondLst>
-                                  <p:childTnLst>
-                                    <p:set>
-                                      <p:cBhvr>
-                                        <p:cTn id="73" dur="1" fill="hold">
-                                          <p:stCondLst>
-                                            <p:cond delay="0"/>
-                                          </p:stCondLst>
-                                        </p:cTn>
-                                        <p:tgtEl>
-                                          <p:spTgt spid="73"/>
-                                        </p:tgtEl>
-                                        <p:attrNameLst>
-                                          <p:attrName>style.visibility</p:attrName>
-                                        </p:attrNameLst>
-                                      </p:cBhvr>
-                                      <p:to>
-                                        <p:strVal val="visible"/>
-                                      </p:to>
-                                    </p:set>
-                                    <p:animEffect transition="in" filter="wipe(up)">
-                                      <p:cBhvr>
-                                        <p:cTn id="74" dur="500"/>
-                                        <p:tgtEl>
-                                          <p:spTgt spid="73"/>
+                                    <p:animEffect transition="in" filter="wipe(left)">
+                                      <p:cBhvr>
+                                        <p:cTn id="53" dur="500"/>
+                                        <p:tgtEl>
+                                          <p:spTgt spid="58"/>
                                         </p:tgtEl>
                                       </p:cBhvr>
                                     </p:animEffect>
@@ -5489,13 +5180,12 @@
       </p:par>
     </p:tnLst>
     <p:bldLst>
-      <p:bldP spid="2" grpId="0"/>
+      <p:bldP spid="4" grpId="0" animBg="1"/>
       <p:bldP spid="5" grpId="0" animBg="1"/>
       <p:bldP spid="6" grpId="0" animBg="1"/>
       <p:bldP spid="7" grpId="0" animBg="1"/>
-      <p:bldP spid="8" grpId="0" animBg="1"/>
-      <p:bldP spid="18" grpId="0"/>
-      <p:bldP spid="23" grpId="0"/>
+      <p:bldP spid="11" grpId="0"/>
+      <p:bldP spid="12" grpId="0"/>
     </p:bldLst>
   </p:timing>
 </p:sld>
@@ -7304,7 +6994,7 @@
                 <a:latin typeface="+mj-lt"/>
                 <a:cs typeface="Arial" panose="020B0604020202020204" pitchFamily="34" charset="0"/>
               </a:rPr>
-              <a:t>SP Server Registration</a:t>
+              <a:t>User Login</a:t>
             </a:r>
             <a:endParaRPr lang="en-US" dirty="0">
               <a:latin typeface="+mj-lt"/>
@@ -7314,13 +7004,13 @@
       </p:sp>
       <p:sp>
         <p:nvSpPr>
-          <p:cNvPr id="4" name="Flowchart: Magnetic Disk 3"/>
+          <p:cNvPr id="5" name="Flowchart: Magnetic Disk 4"/>
           <p:cNvSpPr/>
           <p:nvPr/>
         </p:nvSpPr>
         <p:spPr>
           <a:xfrm>
-            <a:off x="2057400" y="4066487"/>
+            <a:off x="6248400" y="2895600"/>
             <a:ext cx="685800" cy="381000"/>
           </a:xfrm>
           <a:prstGeom prst="flowChartMagneticDisk">
@@ -7352,13 +7042,13 @@
       </p:sp>
       <p:sp>
         <p:nvSpPr>
-          <p:cNvPr id="5" name="Flowchart: Alternate Process 4"/>
+          <p:cNvPr id="6" name="Flowchart: Alternate Process 5"/>
           <p:cNvSpPr/>
           <p:nvPr/>
         </p:nvSpPr>
         <p:spPr>
           <a:xfrm>
-            <a:off x="1524000" y="2875864"/>
+            <a:off x="5715000" y="1752600"/>
             <a:ext cx="1752600" cy="990600"/>
           </a:xfrm>
           <a:prstGeom prst="flowChartAlternateProcess">
@@ -7390,13 +7080,13 @@
       </p:sp>
       <p:sp>
         <p:nvSpPr>
-          <p:cNvPr id="6" name="Flowchart: Alternate Process 5"/>
+          <p:cNvPr id="7" name="Flowchart: Alternate Process 6"/>
           <p:cNvSpPr/>
           <p:nvPr/>
         </p:nvSpPr>
         <p:spPr>
           <a:xfrm>
-            <a:off x="6381750" y="2875864"/>
+            <a:off x="5715000" y="4572000"/>
             <a:ext cx="1752600" cy="990600"/>
           </a:xfrm>
           <a:prstGeom prst="flowChartAlternateProcess">
@@ -7428,13 +7118,13 @@
       </p:sp>
       <p:sp>
         <p:nvSpPr>
-          <p:cNvPr id="7" name="Flowchart: Magnetic Disk 6"/>
+          <p:cNvPr id="8" name="Flowchart: Magnetic Disk 7"/>
           <p:cNvSpPr/>
           <p:nvPr/>
         </p:nvSpPr>
         <p:spPr>
           <a:xfrm>
-            <a:off x="6915150" y="4066489"/>
+            <a:off x="6248400" y="5715000"/>
             <a:ext cx="685800" cy="381000"/>
           </a:xfrm>
           <a:prstGeom prst="flowChartMagneticDisk">
@@ -7466,17 +7156,17 @@
       </p:sp>
       <p:cxnSp>
         <p:nvCxnSpPr>
-          <p:cNvPr id="8" name="Straight Connector 7"/>
+          <p:cNvPr id="10" name="Straight Connector 9"/>
           <p:cNvCxnSpPr>
-            <a:stCxn id="5" idx="2"/>
-            <a:endCxn id="4" idx="1"/>
+            <a:stCxn id="6" idx="2"/>
+            <a:endCxn id="5" idx="1"/>
           </p:cNvCxnSpPr>
           <p:nvPr/>
         </p:nvCxnSpPr>
         <p:spPr>
           <a:xfrm>
-            <a:off x="2400300" y="3866464"/>
-            <a:ext cx="0" cy="200023"/>
+            <a:off x="6591300" y="2743200"/>
+            <a:ext cx="0" cy="152400"/>
           </a:xfrm>
           <a:prstGeom prst="line">
             <a:avLst/>
@@ -7499,17 +7189,17 @@
       </p:cxnSp>
       <p:cxnSp>
         <p:nvCxnSpPr>
-          <p:cNvPr id="9" name="Straight Connector 8"/>
+          <p:cNvPr id="11" name="Straight Connector 10"/>
           <p:cNvCxnSpPr>
-            <a:stCxn id="6" idx="2"/>
-            <a:endCxn id="7" idx="1"/>
+            <a:stCxn id="7" idx="2"/>
+            <a:endCxn id="8" idx="1"/>
           </p:cNvCxnSpPr>
           <p:nvPr/>
         </p:nvCxnSpPr>
         <p:spPr>
           <a:xfrm>
-            <a:off x="7258050" y="3866464"/>
-            <a:ext cx="0" cy="200025"/>
+            <a:off x="6591300" y="5562600"/>
+            <a:ext cx="0" cy="152400"/>
           </a:xfrm>
           <a:prstGeom prst="line">
             <a:avLst/>
@@ -7530,15 +7220,71 @@
           </a:fontRef>
         </p:style>
       </p:cxnSp>
+      <p:pic>
+        <p:nvPicPr>
+          <p:cNvPr id="1026" name="Picture 2"/>
+          <p:cNvPicPr>
+            <a:picLocks noGrp="1" noChangeAspect="1" noChangeArrowheads="1"/>
+          </p:cNvPicPr>
+          <p:nvPr>
+            <p:ph idx="1"/>
+          </p:nvPr>
+        </p:nvPicPr>
+        <p:blipFill>
+          <a:blip r:embed="rId2">
+            <a:extLst>
+              <a:ext uri="{28A0092B-C50C-407E-A947-70E740481C1C}">
+                <a14:useLocalDpi xmlns:a14="http://schemas.microsoft.com/office/drawing/2010/main" val="0"/>
+              </a:ext>
+            </a:extLst>
+          </a:blip>
+          <a:srcRect/>
+          <a:stretch>
+            <a:fillRect/>
+          </a:stretch>
+        </p:blipFill>
+        <p:spPr bwMode="auto">
+          <a:xfrm>
+            <a:off x="1828800" y="2790825"/>
+            <a:ext cx="1459675" cy="1724025"/>
+          </a:xfrm>
+          <a:prstGeom prst="rect">
+            <a:avLst/>
+          </a:prstGeom>
+          <a:noFill/>
+          <a:ln>
+            <a:noFill/>
+          </a:ln>
+          <a:extLst>
+            <a:ext uri="{909E8E84-426E-40DD-AFC4-6F175D3DCCD1}">
+              <a14:hiddenFill xmlns:a14="http://schemas.microsoft.com/office/drawing/2010/main">
+                <a:solidFill>
+                  <a:schemeClr val="accent1"/>
+                </a:solidFill>
+              </a14:hiddenFill>
+            </a:ext>
+            <a:ext uri="{91240B29-F687-4F45-9708-019B960494DF}">
+              <a14:hiddenLine xmlns:a14="http://schemas.microsoft.com/office/drawing/2010/main" w="9525">
+                <a:solidFill>
+                  <a:schemeClr val="tx1"/>
+                </a:solidFill>
+                <a:miter lim="800000"/>
+                <a:headEnd/>
+                <a:tailEnd/>
+              </a14:hiddenLine>
+            </a:ext>
+          </a:extLst>
+        </p:spPr>
+      </p:pic>
       <p:sp>
         <p:nvSpPr>
-          <p:cNvPr id="11" name="TextBox 10"/>
+          <p:cNvPr id="18" name="TextBox 17"/>
           <p:cNvSpPr txBox="1"/>
           <p:nvPr/>
         </p:nvSpPr>
         <p:spPr>
           <a:xfrm>
-            <a:off x="1524000" y="3047999"/>
+            <a:off x="5715000" y="1924735"/>
             <a:ext cx="1752600" cy="646330"/>
           </a:xfrm>
           <a:prstGeom prst="rect">
@@ -7623,13 +7369,13 @@
       </p:sp>
       <p:sp>
         <p:nvSpPr>
-          <p:cNvPr id="12" name="TextBox 11"/>
+          <p:cNvPr id="23" name="TextBox 22"/>
           <p:cNvSpPr txBox="1"/>
           <p:nvPr/>
         </p:nvSpPr>
         <p:spPr>
           <a:xfrm>
-            <a:off x="6229350" y="3048000"/>
+            <a:off x="5562600" y="4744135"/>
             <a:ext cx="2057400" cy="646331"/>
           </a:xfrm>
           <a:prstGeom prst="rect">
@@ -7714,14 +7460,17 @@
       </p:sp>
       <p:cxnSp>
         <p:nvCxnSpPr>
-          <p:cNvPr id="48" name="Straight Arrow Connector 47"/>
-          <p:cNvCxnSpPr/>
+          <p:cNvPr id="28" name="Straight Arrow Connector 27"/>
+          <p:cNvCxnSpPr>
+            <a:stCxn id="1026" idx="3"/>
+            <a:endCxn id="23" idx="1"/>
+          </p:cNvCxnSpPr>
           <p:nvPr/>
         </p:nvCxnSpPr>
         <p:spPr>
           <a:xfrm>
-            <a:off x="3286125" y="3058210"/>
-            <a:ext cx="3105150" cy="0"/>
+            <a:off x="3288475" y="3652838"/>
+            <a:ext cx="2274125" cy="1414463"/>
           </a:xfrm>
           <a:prstGeom prst="straightConnector1">
             <a:avLst/>
@@ -7747,14 +7496,17 @@
       </p:cxnSp>
       <p:cxnSp>
         <p:nvCxnSpPr>
-          <p:cNvPr id="49" name="Straight Arrow Connector 48"/>
-          <p:cNvCxnSpPr/>
+          <p:cNvPr id="35" name="Straight Arrow Connector 34"/>
+          <p:cNvCxnSpPr>
+            <a:stCxn id="1026" idx="3"/>
+            <a:endCxn id="6" idx="1"/>
+          </p:cNvCxnSpPr>
           <p:nvPr/>
         </p:nvCxnSpPr>
         <p:spPr>
-          <a:xfrm flipH="1" flipV="1">
-            <a:off x="3257550" y="3218767"/>
-            <a:ext cx="3105150" cy="2"/>
+          <a:xfrm flipV="1">
+            <a:off x="3288475" y="2247900"/>
+            <a:ext cx="2426525" cy="1404938"/>
           </a:xfrm>
           <a:prstGeom prst="straightConnector1">
             <a:avLst/>
@@ -7780,14 +7532,14 @@
       </p:cxnSp>
       <p:cxnSp>
         <p:nvCxnSpPr>
-          <p:cNvPr id="56" name="Straight Arrow Connector 55"/>
+          <p:cNvPr id="44" name="Straight Arrow Connector 43"/>
           <p:cNvCxnSpPr/>
           <p:nvPr/>
         </p:nvCxnSpPr>
         <p:spPr>
-          <a:xfrm>
-            <a:off x="3286125" y="3371165"/>
-            <a:ext cx="3105150" cy="0"/>
+          <a:xfrm flipH="1" flipV="1">
+            <a:off x="3121850" y="3733800"/>
+            <a:ext cx="2440751" cy="1524000"/>
           </a:xfrm>
           <a:prstGeom prst="straightConnector1">
             <a:avLst/>
@@ -7813,14 +7565,14 @@
       </p:cxnSp>
       <p:cxnSp>
         <p:nvCxnSpPr>
-          <p:cNvPr id="57" name="Straight Arrow Connector 56"/>
+          <p:cNvPr id="62" name="Straight Arrow Connector 61"/>
           <p:cNvCxnSpPr/>
           <p:nvPr/>
         </p:nvCxnSpPr>
         <p:spPr>
-          <a:xfrm flipH="1" flipV="1">
-            <a:off x="3286125" y="3523565"/>
-            <a:ext cx="3105150" cy="2"/>
+          <a:xfrm>
+            <a:off x="3048000" y="3864768"/>
+            <a:ext cx="2440751" cy="1525698"/>
           </a:xfrm>
           <a:prstGeom prst="straightConnector1">
             <a:avLst/>
@@ -7846,14 +7598,14 @@
       </p:cxnSp>
       <p:cxnSp>
         <p:nvCxnSpPr>
-          <p:cNvPr id="58" name="Straight Arrow Connector 57"/>
+          <p:cNvPr id="65" name="Straight Arrow Connector 64"/>
           <p:cNvCxnSpPr/>
           <p:nvPr/>
         </p:nvCxnSpPr>
         <p:spPr>
-          <a:xfrm>
-            <a:off x="3286125" y="3694329"/>
-            <a:ext cx="3105150" cy="0"/>
+          <a:xfrm flipH="1" flipV="1">
+            <a:off x="3121849" y="4105275"/>
+            <a:ext cx="2440751" cy="1524000"/>
           </a:xfrm>
           <a:prstGeom prst="straightConnector1">
             <a:avLst/>
@@ -7877,88 +7629,109 @@
           </a:fontRef>
         </p:style>
       </p:cxnSp>
-      <p:sp>
-        <p:nvSpPr>
-          <p:cNvPr id="59" name="TextBox 58"/>
-          <p:cNvSpPr txBox="1"/>
+      <p:cxnSp>
+        <p:nvCxnSpPr>
+          <p:cNvPr id="66" name="Straight Arrow Connector 65"/>
+          <p:cNvCxnSpPr/>
           <p:nvPr/>
-        </p:nvSpPr>
+        </p:nvCxnSpPr>
         <p:spPr>
-          <a:xfrm>
-            <a:off x="1885950" y="2352674"/>
-            <a:ext cx="1028700" cy="338554"/>
+          <a:xfrm flipV="1">
+            <a:off x="3031917" y="1924735"/>
+            <a:ext cx="2620613" cy="1538974"/>
           </a:xfrm>
-          <a:prstGeom prst="rect">
+          <a:prstGeom prst="straightConnector1">
             <a:avLst/>
           </a:prstGeom>
-          <a:noFill/>
+          <a:ln>
+            <a:tailEnd type="arrow"/>
+          </a:ln>
         </p:spPr>
-        <p:txBody>
-          <a:bodyPr wrap="square" rtlCol="0">
-            <a:spAutoFit/>
-          </a:bodyPr>
-          <a:lstStyle/>
-          <a:p>
-            <a:r>
-              <a:rPr lang="en-US" sz="1600" dirty="0" smtClean="0">
-                <a:latin typeface="+mj-lt"/>
-              </a:rPr>
-              <a:t>“Client”</a:t>
-            </a:r>
-            <a:endParaRPr lang="en-US" sz="1600" dirty="0">
-              <a:latin typeface="+mj-lt"/>
-            </a:endParaRPr>
-          </a:p>
-        </p:txBody>
-      </p:sp>
-      <p:sp>
-        <p:nvSpPr>
-          <p:cNvPr id="60" name="TextBox 59"/>
-          <p:cNvSpPr txBox="1"/>
+        <p:style>
+          <a:lnRef idx="1">
+            <a:schemeClr val="accent1"/>
+          </a:lnRef>
+          <a:fillRef idx="0">
+            <a:schemeClr val="accent1"/>
+          </a:fillRef>
+          <a:effectRef idx="0">
+            <a:schemeClr val="accent1"/>
+          </a:effectRef>
+          <a:fontRef idx="minor">
+            <a:schemeClr val="tx1"/>
+          </a:fontRef>
+        </p:style>
+      </p:cxnSp>
+      <p:cxnSp>
+        <p:nvCxnSpPr>
+          <p:cNvPr id="68" name="Straight Arrow Connector 67"/>
+          <p:cNvCxnSpPr/>
           <p:nvPr/>
-        </p:nvSpPr>
+        </p:nvCxnSpPr>
         <p:spPr>
-          <a:xfrm>
-            <a:off x="6615112" y="2106453"/>
-            <a:ext cx="1285876" cy="584775"/>
+          <a:xfrm flipH="1">
+            <a:off x="3124198" y="2047875"/>
+            <a:ext cx="2602677" cy="1543049"/>
           </a:xfrm>
-          <a:prstGeom prst="rect">
+          <a:prstGeom prst="straightConnector1">
             <a:avLst/>
           </a:prstGeom>
-          <a:noFill/>
+          <a:ln>
+            <a:tailEnd type="arrow"/>
+          </a:ln>
         </p:spPr>
-        <p:txBody>
-          <a:bodyPr wrap="square" rtlCol="0">
-            <a:spAutoFit/>
-          </a:bodyPr>
-          <a:lstStyle/>
-          <a:p>
-            <a:pPr algn="ctr"/>
-            <a:r>
-              <a:rPr lang="en-US" sz="1600" dirty="0" smtClean="0">
-                <a:latin typeface="+mj-lt"/>
-              </a:rPr>
-              <a:t>Multi-client</a:t>
-            </a:r>
-          </a:p>
-          <a:p>
-            <a:pPr algn="ctr"/>
-            <a:r>
-              <a:rPr lang="en-US" sz="1600" dirty="0" smtClean="0">
-                <a:latin typeface="+mj-lt"/>
-              </a:rPr>
-              <a:t>Server</a:t>
-            </a:r>
-            <a:endParaRPr lang="en-US" sz="1600" dirty="0">
-              <a:latin typeface="+mj-lt"/>
-            </a:endParaRPr>
-          </a:p>
-        </p:txBody>
-      </p:sp>
+        <p:style>
+          <a:lnRef idx="1">
+            <a:schemeClr val="accent1"/>
+          </a:lnRef>
+          <a:fillRef idx="0">
+            <a:schemeClr val="accent1"/>
+          </a:fillRef>
+          <a:effectRef idx="0">
+            <a:schemeClr val="accent1"/>
+          </a:effectRef>
+          <a:fontRef idx="minor">
+            <a:schemeClr val="tx1"/>
+          </a:fontRef>
+        </p:style>
+      </p:cxnSp>
+      <p:cxnSp>
+        <p:nvCxnSpPr>
+          <p:cNvPr id="73" name="Straight Arrow Connector 72"/>
+          <p:cNvCxnSpPr/>
+          <p:nvPr/>
+        </p:nvCxnSpPr>
+        <p:spPr>
+          <a:xfrm flipH="1">
+            <a:off x="2914651" y="1832535"/>
+            <a:ext cx="2593150" cy="1477060"/>
+          </a:xfrm>
+          <a:prstGeom prst="straightConnector1">
+            <a:avLst/>
+          </a:prstGeom>
+          <a:ln>
+            <a:tailEnd type="arrow"/>
+          </a:ln>
+        </p:spPr>
+        <p:style>
+          <a:lnRef idx="1">
+            <a:schemeClr val="accent1"/>
+          </a:lnRef>
+          <a:fillRef idx="0">
+            <a:schemeClr val="accent1"/>
+          </a:fillRef>
+          <a:effectRef idx="0">
+            <a:schemeClr val="accent1"/>
+          </a:effectRef>
+          <a:fontRef idx="minor">
+            <a:schemeClr val="tx1"/>
+          </a:fontRef>
+        </p:style>
+      </p:cxnSp>
     </p:spTree>
     <p:extLst>
       <p:ext uri="{BB962C8B-B14F-4D97-AF65-F5344CB8AC3E}">
-        <p14:creationId xmlns:p14="http://schemas.microsoft.com/office/powerpoint/2010/main" val="3831895758"/>
+        <p14:creationId xmlns:p14="http://schemas.microsoft.com/office/powerpoint/2010/main" val="2172970971"/>
       </p:ext>
     </p:extLst>
   </p:cSld>
@@ -7977,9 +7750,6 @@
                     <p:cTn id="3" fill="hold">
                       <p:stCondLst>
                         <p:cond delay="indefinite"/>
-                        <p:cond evt="onBegin" delay="0">
-                          <p:tn val="2"/>
-                        </p:cond>
                       </p:stCondLst>
                       <p:childTnLst>
                         <p:par>
@@ -7989,7 +7759,7 @@
                             </p:stCondLst>
                             <p:childTnLst>
                               <p:par>
-                                <p:cTn id="5" presetID="22" presetClass="entr" presetSubtype="4" fill="hold" grpId="0" nodeType="withEffect">
+                                <p:cTn id="5" presetID="22" presetClass="entr" presetSubtype="4" fill="hold" grpId="0" nodeType="clickEffect">
                                   <p:stCondLst>
                                     <p:cond delay="0"/>
                                   </p:stCondLst>
@@ -8002,7 +7772,7 @@
                                           </p:stCondLst>
                                         </p:cTn>
                                         <p:tgtEl>
-                                          <p:spTgt spid="4"/>
+                                          <p:spTgt spid="2"/>
                                         </p:tgtEl>
                                         <p:attrNameLst>
                                           <p:attrName>style.visibility</p:attrName>
@@ -8016,7 +7786,7 @@
                                       <p:cBhvr>
                                         <p:cTn id="7" dur="500"/>
                                         <p:tgtEl>
-                                          <p:spTgt spid="4"/>
+                                          <p:spTgt spid="2"/>
                                         </p:tgtEl>
                                       </p:cBhvr>
                                     </p:animEffect>
@@ -8129,7 +7899,7 @@
                                 </p:cTn>
                               </p:par>
                               <p:par>
-                                <p:cTn id="17" presetID="22" presetClass="entr" presetSubtype="4" fill="hold" nodeType="withEffect">
+                                <p:cTn id="17" presetID="22" presetClass="entr" presetSubtype="4" fill="hold" grpId="0" nodeType="withEffect">
                                   <p:stCondLst>
                                     <p:cond delay="0"/>
                                   </p:stCondLst>
@@ -8177,7 +7947,7 @@
                                           </p:stCondLst>
                                         </p:cTn>
                                         <p:tgtEl>
-                                          <p:spTgt spid="9"/>
+                                          <p:spTgt spid="10"/>
                                         </p:tgtEl>
                                         <p:attrNameLst>
                                           <p:attrName>style.visibility</p:attrName>
@@ -8191,7 +7961,7 @@
                                       <p:cBhvr>
                                         <p:cTn id="22" dur="500"/>
                                         <p:tgtEl>
-                                          <p:spTgt spid="9"/>
+                                          <p:spTgt spid="10"/>
                                         </p:tgtEl>
                                       </p:cBhvr>
                                     </p:animEffect>
@@ -8199,7 +7969,7 @@
                                 </p:cTn>
                               </p:par>
                               <p:par>
-                                <p:cTn id="23" presetID="22" presetClass="entr" presetSubtype="4" fill="hold" grpId="0" nodeType="withEffect">
+                                <p:cTn id="23" presetID="22" presetClass="entr" presetSubtype="4" fill="hold" nodeType="withEffect">
                                   <p:stCondLst>
                                     <p:cond delay="0"/>
                                   </p:stCondLst>
@@ -8212,7 +7982,7 @@
                                           </p:stCondLst>
                                         </p:cTn>
                                         <p:tgtEl>
-                                          <p:spTgt spid="12"/>
+                                          <p:spTgt spid="11"/>
                                         </p:tgtEl>
                                         <p:attrNameLst>
                                           <p:attrName>style.visibility</p:attrName>
@@ -8226,7 +7996,7 @@
                                       <p:cBhvr>
                                         <p:cTn id="25" dur="500"/>
                                         <p:tgtEl>
-                                          <p:spTgt spid="12"/>
+                                          <p:spTgt spid="11"/>
                                         </p:tgtEl>
                                       </p:cBhvr>
                                     </p:animEffect>
@@ -8234,7 +8004,7 @@
                                 </p:cTn>
                               </p:par>
                               <p:par>
-                                <p:cTn id="26" presetID="22" presetClass="entr" presetSubtype="4" fill="hold" grpId="0" nodeType="withEffect">
+                                <p:cTn id="26" presetID="22" presetClass="entr" presetSubtype="4" fill="hold" nodeType="withEffect">
                                   <p:stCondLst>
                                     <p:cond delay="0"/>
                                   </p:stCondLst>
@@ -8247,7 +8017,7 @@
                                           </p:stCondLst>
                                         </p:cTn>
                                         <p:tgtEl>
-                                          <p:spTgt spid="11"/>
+                                          <p:spTgt spid="1026"/>
                                         </p:tgtEl>
                                         <p:attrNameLst>
                                           <p:attrName>style.visibility</p:attrName>
@@ -8261,7 +8031,42 @@
                                       <p:cBhvr>
                                         <p:cTn id="28" dur="500"/>
                                         <p:tgtEl>
-                                          <p:spTgt spid="11"/>
+                                          <p:spTgt spid="1026"/>
+                                        </p:tgtEl>
+                                      </p:cBhvr>
+                                    </p:animEffect>
+                                  </p:childTnLst>
+                                </p:cTn>
+                              </p:par>
+                              <p:par>
+                                <p:cTn id="29" presetID="22" presetClass="entr" presetSubtype="4" fill="hold" grpId="0" nodeType="withEffect">
+                                  <p:stCondLst>
+                                    <p:cond delay="0"/>
+                                  </p:stCondLst>
+                                  <p:childTnLst>
+                                    <p:set>
+                                      <p:cBhvr>
+                                        <p:cTn id="30" dur="1" fill="hold">
+                                          <p:stCondLst>
+                                            <p:cond delay="0"/>
+                                          </p:stCondLst>
+                                        </p:cTn>
+                                        <p:tgtEl>
+                                          <p:spTgt spid="23"/>
+                                        </p:tgtEl>
+                                        <p:attrNameLst>
+                                          <p:attrName>style.visibility</p:attrName>
+                                        </p:attrNameLst>
+                                      </p:cBhvr>
+                                      <p:to>
+                                        <p:strVal val="visible"/>
+                                      </p:to>
+                                    </p:set>
+                                    <p:animEffect transition="in" filter="wipe(down)">
+                                      <p:cBhvr>
+                                        <p:cTn id="31" dur="500"/>
+                                        <p:tgtEl>
+                                          <p:spTgt spid="23"/>
                                         </p:tgtEl>
                                       </p:cBhvr>
                                     </p:animEffect>
@@ -8275,32 +8080,32 @@
                     </p:cTn>
                   </p:par>
                   <p:par>
-                    <p:cTn id="29" fill="hold">
+                    <p:cTn id="32" fill="hold">
                       <p:stCondLst>
                         <p:cond delay="indefinite"/>
                       </p:stCondLst>
                       <p:childTnLst>
                         <p:par>
-                          <p:cTn id="30" fill="hold">
+                          <p:cTn id="33" fill="hold">
                             <p:stCondLst>
                               <p:cond delay="0"/>
                             </p:stCondLst>
                             <p:childTnLst>
                               <p:par>
-                                <p:cTn id="31" presetID="22" presetClass="entr" presetSubtype="8" fill="hold" nodeType="clickEffect">
+                                <p:cTn id="34" presetID="22" presetClass="entr" presetSubtype="4" fill="hold" nodeType="clickEffect">
                                   <p:stCondLst>
                                     <p:cond delay="0"/>
                                   </p:stCondLst>
                                   <p:childTnLst>
                                     <p:set>
                                       <p:cBhvr>
-                                        <p:cTn id="32" dur="1" fill="hold">
+                                        <p:cTn id="35" dur="1" fill="hold">
                                           <p:stCondLst>
                                             <p:cond delay="0"/>
                                           </p:stCondLst>
                                         </p:cTn>
                                         <p:tgtEl>
-                                          <p:spTgt spid="48"/>
+                                          <p:spTgt spid="35"/>
                                         </p:tgtEl>
                                         <p:attrNameLst>
                                           <p:attrName>style.visibility</p:attrName>
@@ -8310,11 +8115,46 @@
                                         <p:strVal val="visible"/>
                                       </p:to>
                                     </p:set>
-                                    <p:animEffect transition="in" filter="wipe(left)">
-                                      <p:cBhvr>
-                                        <p:cTn id="33" dur="500"/>
-                                        <p:tgtEl>
-                                          <p:spTgt spid="48"/>
+                                    <p:animEffect transition="in" filter="wipe(down)">
+                                      <p:cBhvr>
+                                        <p:cTn id="36" dur="500"/>
+                                        <p:tgtEl>
+                                          <p:spTgt spid="35"/>
+                                        </p:tgtEl>
+                                      </p:cBhvr>
+                                    </p:animEffect>
+                                  </p:childTnLst>
+                                </p:cTn>
+                              </p:par>
+                              <p:par>
+                                <p:cTn id="37" presetID="22" presetClass="entr" presetSubtype="4" fill="hold" grpId="0" nodeType="withEffect">
+                                  <p:stCondLst>
+                                    <p:cond delay="0"/>
+                                  </p:stCondLst>
+                                  <p:childTnLst>
+                                    <p:set>
+                                      <p:cBhvr>
+                                        <p:cTn id="38" dur="1" fill="hold">
+                                          <p:stCondLst>
+                                            <p:cond delay="0"/>
+                                          </p:stCondLst>
+                                        </p:cTn>
+                                        <p:tgtEl>
+                                          <p:spTgt spid="18"/>
+                                        </p:tgtEl>
+                                        <p:attrNameLst>
+                                          <p:attrName>style.visibility</p:attrName>
+                                        </p:attrNameLst>
+                                      </p:cBhvr>
+                                      <p:to>
+                                        <p:strVal val="visible"/>
+                                      </p:to>
+                                    </p:set>
+                                    <p:animEffect transition="in" filter="wipe(down)">
+                                      <p:cBhvr>
+                                        <p:cTn id="39" dur="500"/>
+                                        <p:tgtEl>
+                                          <p:spTgt spid="18"/>
                                         </p:tgtEl>
                                       </p:cBhvr>
                                     </p:animEffect>
@@ -8328,32 +8168,32 @@
                     </p:cTn>
                   </p:par>
                   <p:par>
-                    <p:cTn id="34" fill="hold">
+                    <p:cTn id="40" fill="hold">
                       <p:stCondLst>
                         <p:cond delay="indefinite"/>
                       </p:stCondLst>
                       <p:childTnLst>
                         <p:par>
-                          <p:cTn id="35" fill="hold">
+                          <p:cTn id="41" fill="hold">
                             <p:stCondLst>
                               <p:cond delay="0"/>
                             </p:stCondLst>
                             <p:childTnLst>
                               <p:par>
-                                <p:cTn id="36" presetID="22" presetClass="entr" presetSubtype="2" fill="hold" nodeType="clickEffect">
+                                <p:cTn id="42" presetID="22" presetClass="entr" presetSubtype="1" fill="hold" nodeType="clickEffect">
                                   <p:stCondLst>
                                     <p:cond delay="0"/>
                                   </p:stCondLst>
                                   <p:childTnLst>
                                     <p:set>
                                       <p:cBhvr>
-                                        <p:cTn id="37" dur="1" fill="hold">
+                                        <p:cTn id="43" dur="1" fill="hold">
                                           <p:stCondLst>
                                             <p:cond delay="0"/>
                                           </p:stCondLst>
                                         </p:cTn>
                                         <p:tgtEl>
-                                          <p:spTgt spid="49"/>
+                                          <p:spTgt spid="68"/>
                                         </p:tgtEl>
                                         <p:attrNameLst>
                                           <p:attrName>style.visibility</p:attrName>
@@ -8363,11 +8203,11 @@
                                         <p:strVal val="visible"/>
                                       </p:to>
                                     </p:set>
-                                    <p:animEffect transition="in" filter="wipe(right)">
-                                      <p:cBhvr>
-                                        <p:cTn id="38" dur="500"/>
-                                        <p:tgtEl>
-                                          <p:spTgt spid="49"/>
+                                    <p:animEffect transition="in" filter="wipe(up)">
+                                      <p:cBhvr>
+                                        <p:cTn id="44" dur="500"/>
+                                        <p:tgtEl>
+                                          <p:spTgt spid="68"/>
                                         </p:tgtEl>
                                       </p:cBhvr>
                                     </p:animEffect>
@@ -8381,32 +8221,32 @@
                     </p:cTn>
                   </p:par>
                   <p:par>
-                    <p:cTn id="39" fill="hold">
+                    <p:cTn id="45" fill="hold">
                       <p:stCondLst>
                         <p:cond delay="indefinite"/>
                       </p:stCondLst>
                       <p:childTnLst>
                         <p:par>
-                          <p:cTn id="40" fill="hold">
+                          <p:cTn id="46" fill="hold">
                             <p:stCondLst>
                               <p:cond delay="0"/>
                             </p:stCondLst>
                             <p:childTnLst>
                               <p:par>
-                                <p:cTn id="41" presetID="22" presetClass="entr" presetSubtype="8" fill="hold" nodeType="clickEffect">
+                                <p:cTn id="47" presetID="22" presetClass="entr" presetSubtype="1" fill="hold" nodeType="clickEffect">
                                   <p:stCondLst>
                                     <p:cond delay="0"/>
                                   </p:stCondLst>
                                   <p:childTnLst>
                                     <p:set>
                                       <p:cBhvr>
-                                        <p:cTn id="42" dur="1" fill="hold">
+                                        <p:cTn id="48" dur="1" fill="hold">
                                           <p:stCondLst>
                                             <p:cond delay="0"/>
                                           </p:stCondLst>
                                         </p:cTn>
                                         <p:tgtEl>
-                                          <p:spTgt spid="56"/>
+                                          <p:spTgt spid="28"/>
                                         </p:tgtEl>
                                         <p:attrNameLst>
                                           <p:attrName>style.visibility</p:attrName>
@@ -8416,11 +8256,11 @@
                                         <p:strVal val="visible"/>
                                       </p:to>
                                     </p:set>
-                                    <p:animEffect transition="in" filter="wipe(left)">
-                                      <p:cBhvr>
-                                        <p:cTn id="43" dur="500"/>
-                                        <p:tgtEl>
-                                          <p:spTgt spid="56"/>
+                                    <p:animEffect transition="in" filter="wipe(up)">
+                                      <p:cBhvr>
+                                        <p:cTn id="49" dur="500"/>
+                                        <p:tgtEl>
+                                          <p:spTgt spid="28"/>
                                         </p:tgtEl>
                                       </p:cBhvr>
                                     </p:animEffect>
@@ -8434,32 +8274,32 @@
                     </p:cTn>
                   </p:par>
                   <p:par>
-                    <p:cTn id="44" fill="hold">
+                    <p:cTn id="50" fill="hold">
                       <p:stCondLst>
                         <p:cond delay="indefinite"/>
                       </p:stCondLst>
                       <p:childTnLst>
                         <p:par>
-                          <p:cTn id="45" fill="hold">
+                          <p:cTn id="51" fill="hold">
                             <p:stCondLst>
                               <p:cond delay="0"/>
                             </p:stCondLst>
                             <p:childTnLst>
                               <p:par>
-                                <p:cTn id="46" presetID="22" presetClass="entr" presetSubtype="2" fill="hold" nodeType="clickEffect">
+                                <p:cTn id="52" presetID="22" presetClass="entr" presetSubtype="4" fill="hold" nodeType="clickEffect">
                                   <p:stCondLst>
                                     <p:cond delay="0"/>
                                   </p:stCondLst>
                                   <p:childTnLst>
                                     <p:set>
                                       <p:cBhvr>
-                                        <p:cTn id="47" dur="1" fill="hold">
+                                        <p:cTn id="53" dur="1" fill="hold">
                                           <p:stCondLst>
                                             <p:cond delay="0"/>
                                           </p:stCondLst>
                                         </p:cTn>
                                         <p:tgtEl>
-                                          <p:spTgt spid="57"/>
+                                          <p:spTgt spid="44"/>
                                         </p:tgtEl>
                                         <p:attrNameLst>
                                           <p:attrName>style.visibility</p:attrName>
@@ -8469,11 +8309,11 @@
                                         <p:strVal val="visible"/>
                                       </p:to>
                                     </p:set>
-                                    <p:animEffect transition="in" filter="wipe(right)">
-                                      <p:cBhvr>
-                                        <p:cTn id="48" dur="500"/>
-                                        <p:tgtEl>
-                                          <p:spTgt spid="57"/>
+                                    <p:animEffect transition="in" filter="wipe(down)">
+                                      <p:cBhvr>
+                                        <p:cTn id="54" dur="500"/>
+                                        <p:tgtEl>
+                                          <p:spTgt spid="44"/>
                                         </p:tgtEl>
                                       </p:cBhvr>
                                     </p:animEffect>
@@ -8487,32 +8327,32 @@
                     </p:cTn>
                   </p:par>
                   <p:par>
-                    <p:cTn id="49" fill="hold">
+                    <p:cTn id="55" fill="hold">
                       <p:stCondLst>
                         <p:cond delay="indefinite"/>
                       </p:stCondLst>
                       <p:childTnLst>
                         <p:par>
-                          <p:cTn id="50" fill="hold">
+                          <p:cTn id="56" fill="hold">
                             <p:stCondLst>
                               <p:cond delay="0"/>
                             </p:stCondLst>
                             <p:childTnLst>
                               <p:par>
-                                <p:cTn id="51" presetID="22" presetClass="entr" presetSubtype="8" fill="hold" nodeType="clickEffect">
+                                <p:cTn id="57" presetID="22" presetClass="entr" presetSubtype="1" fill="hold" nodeType="clickEffect">
                                   <p:stCondLst>
                                     <p:cond delay="0"/>
                                   </p:stCondLst>
                                   <p:childTnLst>
                                     <p:set>
                                       <p:cBhvr>
-                                        <p:cTn id="52" dur="1" fill="hold">
+                                        <p:cTn id="58" dur="1" fill="hold">
                                           <p:stCondLst>
                                             <p:cond delay="0"/>
                                           </p:stCondLst>
                                         </p:cTn>
                                         <p:tgtEl>
-                                          <p:spTgt spid="58"/>
+                                          <p:spTgt spid="62"/>
                                         </p:tgtEl>
                                         <p:attrNameLst>
                                           <p:attrName>style.visibility</p:attrName>
@@ -8522,11 +8362,170 @@
                                         <p:strVal val="visible"/>
                                       </p:to>
                                     </p:set>
-                                    <p:animEffect transition="in" filter="wipe(left)">
-                                      <p:cBhvr>
-                                        <p:cTn id="53" dur="500"/>
-                                        <p:tgtEl>
-                                          <p:spTgt spid="58"/>
+                                    <p:animEffect transition="in" filter="wipe(up)">
+                                      <p:cBhvr>
+                                        <p:cTn id="59" dur="500"/>
+                                        <p:tgtEl>
+                                          <p:spTgt spid="62"/>
+                                        </p:tgtEl>
+                                      </p:cBhvr>
+                                    </p:animEffect>
+                                  </p:childTnLst>
+                                </p:cTn>
+                              </p:par>
+                            </p:childTnLst>
+                          </p:cTn>
+                        </p:par>
+                      </p:childTnLst>
+                    </p:cTn>
+                  </p:par>
+                  <p:par>
+                    <p:cTn id="60" fill="hold">
+                      <p:stCondLst>
+                        <p:cond delay="indefinite"/>
+                      </p:stCondLst>
+                      <p:childTnLst>
+                        <p:par>
+                          <p:cTn id="61" fill="hold">
+                            <p:stCondLst>
+                              <p:cond delay="0"/>
+                            </p:stCondLst>
+                            <p:childTnLst>
+                              <p:par>
+                                <p:cTn id="62" presetID="22" presetClass="entr" presetSubtype="4" fill="hold" nodeType="clickEffect">
+                                  <p:stCondLst>
+                                    <p:cond delay="0"/>
+                                  </p:stCondLst>
+                                  <p:childTnLst>
+                                    <p:set>
+                                      <p:cBhvr>
+                                        <p:cTn id="63" dur="1" fill="hold">
+                                          <p:stCondLst>
+                                            <p:cond delay="0"/>
+                                          </p:stCondLst>
+                                        </p:cTn>
+                                        <p:tgtEl>
+                                          <p:spTgt spid="65"/>
+                                        </p:tgtEl>
+                                        <p:attrNameLst>
+                                          <p:attrName>style.visibility</p:attrName>
+                                        </p:attrNameLst>
+                                      </p:cBhvr>
+                                      <p:to>
+                                        <p:strVal val="visible"/>
+                                      </p:to>
+                                    </p:set>
+                                    <p:animEffect transition="in" filter="wipe(down)">
+                                      <p:cBhvr>
+                                        <p:cTn id="64" dur="500"/>
+                                        <p:tgtEl>
+                                          <p:spTgt spid="65"/>
+                                        </p:tgtEl>
+                                      </p:cBhvr>
+                                    </p:animEffect>
+                                  </p:childTnLst>
+                                </p:cTn>
+                              </p:par>
+                            </p:childTnLst>
+                          </p:cTn>
+                        </p:par>
+                      </p:childTnLst>
+                    </p:cTn>
+                  </p:par>
+                  <p:par>
+                    <p:cTn id="65" fill="hold">
+                      <p:stCondLst>
+                        <p:cond delay="indefinite"/>
+                      </p:stCondLst>
+                      <p:childTnLst>
+                        <p:par>
+                          <p:cTn id="66" fill="hold">
+                            <p:stCondLst>
+                              <p:cond delay="0"/>
+                            </p:stCondLst>
+                            <p:childTnLst>
+                              <p:par>
+                                <p:cTn id="67" presetID="22" presetClass="entr" presetSubtype="4" fill="hold" nodeType="clickEffect">
+                                  <p:stCondLst>
+                                    <p:cond delay="0"/>
+                                  </p:stCondLst>
+                                  <p:childTnLst>
+                                    <p:set>
+                                      <p:cBhvr>
+                                        <p:cTn id="68" dur="1" fill="hold">
+                                          <p:stCondLst>
+                                            <p:cond delay="0"/>
+                                          </p:stCondLst>
+                                        </p:cTn>
+                                        <p:tgtEl>
+                                          <p:spTgt spid="66"/>
+                                        </p:tgtEl>
+                                        <p:attrNameLst>
+                                          <p:attrName>style.visibility</p:attrName>
+                                        </p:attrNameLst>
+                                      </p:cBhvr>
+                                      <p:to>
+                                        <p:strVal val="visible"/>
+                                      </p:to>
+                                    </p:set>
+                                    <p:animEffect transition="in" filter="wipe(down)">
+                                      <p:cBhvr>
+                                        <p:cTn id="69" dur="500"/>
+                                        <p:tgtEl>
+                                          <p:spTgt spid="66"/>
+                                        </p:tgtEl>
+                                      </p:cBhvr>
+                                    </p:animEffect>
+                                  </p:childTnLst>
+                                </p:cTn>
+                              </p:par>
+                            </p:childTnLst>
+                          </p:cTn>
+                        </p:par>
+                      </p:childTnLst>
+                    </p:cTn>
+                  </p:par>
+                  <p:par>
+                    <p:cTn id="70" fill="hold">
+                      <p:stCondLst>
+                        <p:cond delay="indefinite"/>
+                      </p:stCondLst>
+                      <p:childTnLst>
+                        <p:par>
+                          <p:cTn id="71" fill="hold">
+                            <p:stCondLst>
+                              <p:cond delay="0"/>
+                            </p:stCondLst>
+                            <p:childTnLst>
+                              <p:par>
+                                <p:cTn id="72" presetID="22" presetClass="entr" presetSubtype="1" fill="hold" nodeType="clickEffect">
+                                  <p:stCondLst>
+                                    <p:cond delay="0"/>
+                                  </p:stCondLst>
+                                  <p:childTnLst>
+                                    <p:set>
+                                      <p:cBhvr>
+                                        <p:cTn id="73" dur="1" fill="hold">
+                                          <p:stCondLst>
+                                            <p:cond delay="0"/>
+                                          </p:stCondLst>
+                                        </p:cTn>
+                                        <p:tgtEl>
+                                          <p:spTgt spid="73"/>
+                                        </p:tgtEl>
+                                        <p:attrNameLst>
+                                          <p:attrName>style.visibility</p:attrName>
+                                        </p:attrNameLst>
+                                      </p:cBhvr>
+                                      <p:to>
+                                        <p:strVal val="visible"/>
+                                      </p:to>
+                                    </p:set>
+                                    <p:animEffect transition="in" filter="wipe(up)">
+                                      <p:cBhvr>
+                                        <p:cTn id="74" dur="500"/>
+                                        <p:tgtEl>
+                                          <p:spTgt spid="73"/>
                                         </p:tgtEl>
                                       </p:cBhvr>
                                     </p:animEffect>
@@ -8561,12 +8560,13 @@
       </p:par>
     </p:tnLst>
     <p:bldLst>
-      <p:bldP spid="4" grpId="0" animBg="1"/>
+      <p:bldP spid="2" grpId="0"/>
       <p:bldP spid="5" grpId="0" animBg="1"/>
       <p:bldP spid="6" grpId="0" animBg="1"/>
       <p:bldP spid="7" grpId="0" animBg="1"/>
-      <p:bldP spid="11" grpId="0"/>
-      <p:bldP spid="12" grpId="0"/>
+      <p:bldP spid="8" grpId="0" animBg="1"/>
+      <p:bldP spid="18" grpId="0"/>
+      <p:bldP spid="23" grpId="0"/>
     </p:bldLst>
   </p:timing>
 </p:sld>
@@ -8656,7 +8656,7 @@
             <p:ph idx="1"/>
             <p:extLst>
               <p:ext uri="{D42A27DB-BD31-4B8C-83A1-F6EECF244321}">
-                <p14:modId xmlns:p14="http://schemas.microsoft.com/office/powerpoint/2010/main" val="2324464189"/>
+                <p14:modId xmlns:p14="http://schemas.microsoft.com/office/powerpoint/2010/main" val="356843900"/>
               </p:ext>
             </p:extLst>
           </p:nvPr>
@@ -8674,8 +8674,8 @@
               <a:tblGrid>
                 <a:gridCol w="1645920"/>
                 <a:gridCol w="1645920"/>
-                <a:gridCol w="1645920"/>
-                <a:gridCol w="1645920"/>
+                <a:gridCol w="1813560"/>
+                <a:gridCol w="1478280"/>
                 <a:gridCol w="1645920"/>
               </a:tblGrid>
               <a:tr h="213360">
@@ -8814,7 +8814,11 @@
                       <a:pPr algn="ctr"/>
                       <a:r>
                         <a:rPr lang="en-US" dirty="0" smtClean="0"/>
-                        <a:t>&lt;pass1&gt;</a:t>
+                        <a:t>&lt;hashed pass1</a:t>
+                      </a:r>
+                      <a:r>
+                        <a:rPr lang="en-US" dirty="0" smtClean="0"/>
+                        <a:t>&gt;</a:t>
                       </a:r>
                       <a:endParaRPr lang="en-US" dirty="0"/>
                     </a:p>
@@ -8891,7 +8895,11 @@
                       <a:pPr algn="ctr"/>
                       <a:r>
                         <a:rPr lang="en-US" dirty="0" smtClean="0"/>
-                        <a:t>&lt;pass2&gt;</a:t>
+                        <a:t>&lt;hashed pass2</a:t>
+                      </a:r>
+                      <a:r>
+                        <a:rPr lang="en-US" dirty="0" smtClean="0"/>
+                        <a:t>&gt;</a:t>
                       </a:r>
                       <a:endParaRPr lang="en-US" dirty="0"/>
                     </a:p>
@@ -8968,7 +8976,11 @@
                       <a:pPr algn="ctr"/>
                       <a:r>
                         <a:rPr lang="en-US" dirty="0" smtClean="0"/>
-                        <a:t>&lt;pass3&gt;</a:t>
+                        <a:t>&lt;hashed pass3</a:t>
+                      </a:r>
+                      <a:r>
+                        <a:rPr lang="en-US" dirty="0" smtClean="0"/>
+                        <a:t>&gt;</a:t>
                       </a:r>
                       <a:endParaRPr lang="en-US" dirty="0"/>
                     </a:p>
@@ -9060,7 +9072,11 @@
                       <a:pPr algn="ctr"/>
                       <a:r>
                         <a:rPr lang="en-US" dirty="0" smtClean="0"/>
-                        <a:t>&lt;pass3&gt;</a:t>
+                        <a:t>&lt;hashed pass3</a:t>
+                      </a:r>
+                      <a:r>
+                        <a:rPr lang="en-US" dirty="0" smtClean="0"/>
+                        <a:t>&gt;</a:t>
                       </a:r>
                       <a:endParaRPr lang="en-US" dirty="0"/>
                     </a:p>
@@ -9145,7 +9161,11 @@
                       <a:pPr algn="ctr"/>
                       <a:r>
                         <a:rPr lang="en-US" dirty="0" smtClean="0"/>
-                        <a:t>&lt;pass1&gt;</a:t>
+                        <a:t>&lt;hashed pass1</a:t>
+                      </a:r>
+                      <a:r>
+                        <a:rPr lang="en-US" dirty="0" smtClean="0"/>
+                        <a:t>&gt;</a:t>
                       </a:r>
                       <a:endParaRPr lang="en-US" dirty="0"/>
                     </a:p>

--- a/project_presentation.pptx
+++ b/project_presentation.pptx
@@ -305,7 +305,7 @@
           <a:p>
             <a:fld id="{F2A1539E-B072-4B60-860F-D977A86DAC6E}" type="datetimeFigureOut">
               <a:rPr lang="en-US" smtClean="0"/>
-              <a:t>5/10/2016</a:t>
+              <a:t>5/12/2016</a:t>
             </a:fld>
             <a:endParaRPr lang="en-US"/>
           </a:p>
@@ -470,7 +470,7 @@
           <a:p>
             <a:fld id="{F2A1539E-B072-4B60-860F-D977A86DAC6E}" type="datetimeFigureOut">
               <a:rPr lang="en-US" smtClean="0"/>
-              <a:t>5/10/2016</a:t>
+              <a:t>5/12/2016</a:t>
             </a:fld>
             <a:endParaRPr lang="en-US"/>
           </a:p>
@@ -645,7 +645,7 @@
           <a:p>
             <a:fld id="{F2A1539E-B072-4B60-860F-D977A86DAC6E}" type="datetimeFigureOut">
               <a:rPr lang="en-US" smtClean="0"/>
-              <a:t>5/10/2016</a:t>
+              <a:t>5/12/2016</a:t>
             </a:fld>
             <a:endParaRPr lang="en-US"/>
           </a:p>
@@ -828,7 +828,7 @@
           <a:p>
             <a:fld id="{F2A1539E-B072-4B60-860F-D977A86DAC6E}" type="datetimeFigureOut">
               <a:rPr lang="en-US" smtClean="0"/>
-              <a:t>5/10/2016</a:t>
+              <a:t>5/12/2016</a:t>
             </a:fld>
             <a:endParaRPr lang="en-US"/>
           </a:p>
@@ -1090,7 +1090,7 @@
           <a:p>
             <a:fld id="{F2A1539E-B072-4B60-860F-D977A86DAC6E}" type="datetimeFigureOut">
               <a:rPr lang="en-US" smtClean="0"/>
-              <a:t>5/10/2016</a:t>
+              <a:t>5/12/2016</a:t>
             </a:fld>
             <a:endParaRPr lang="en-US"/>
           </a:p>
@@ -1438,7 +1438,7 @@
           <a:p>
             <a:fld id="{F2A1539E-B072-4B60-860F-D977A86DAC6E}" type="datetimeFigureOut">
               <a:rPr lang="en-US" smtClean="0"/>
-              <a:t>5/10/2016</a:t>
+              <a:t>5/12/2016</a:t>
             </a:fld>
             <a:endParaRPr lang="en-US"/>
           </a:p>
@@ -1746,7 +1746,7 @@
           <a:p>
             <a:fld id="{F2A1539E-B072-4B60-860F-D977A86DAC6E}" type="datetimeFigureOut">
               <a:rPr lang="en-US" smtClean="0"/>
-              <a:t>5/10/2016</a:t>
+              <a:t>5/12/2016</a:t>
             </a:fld>
             <a:endParaRPr lang="en-US"/>
           </a:p>
@@ -1973,7 +1973,7 @@
           <a:p>
             <a:fld id="{F2A1539E-B072-4B60-860F-D977A86DAC6E}" type="datetimeFigureOut">
               <a:rPr lang="en-US" smtClean="0"/>
-              <a:t>5/10/2016</a:t>
+              <a:t>5/12/2016</a:t>
             </a:fld>
             <a:endParaRPr lang="en-US"/>
           </a:p>
@@ -2063,7 +2063,7 @@
           <a:p>
             <a:fld id="{F2A1539E-B072-4B60-860F-D977A86DAC6E}" type="datetimeFigureOut">
               <a:rPr lang="en-US" smtClean="0"/>
-              <a:t>5/10/2016</a:t>
+              <a:t>5/12/2016</a:t>
             </a:fld>
             <a:endParaRPr lang="en-US"/>
           </a:p>
@@ -2351,7 +2351,7 @@
           <a:p>
             <a:fld id="{F2A1539E-B072-4B60-860F-D977A86DAC6E}" type="datetimeFigureOut">
               <a:rPr lang="en-US" smtClean="0"/>
-              <a:t>5/10/2016</a:t>
+              <a:t>5/12/2016</a:t>
             </a:fld>
             <a:endParaRPr lang="en-US"/>
           </a:p>
@@ -2620,7 +2620,7 @@
           <a:p>
             <a:fld id="{F2A1539E-B072-4B60-860F-D977A86DAC6E}" type="datetimeFigureOut">
               <a:rPr lang="en-US" smtClean="0"/>
-              <a:t>5/10/2016</a:t>
+              <a:t>5/12/2016</a:t>
             </a:fld>
             <a:endParaRPr lang="en-US"/>
           </a:p>
@@ -2830,7 +2830,7 @@
           <a:p>
             <a:fld id="{F2A1539E-B072-4B60-860F-D977A86DAC6E}" type="datetimeFigureOut">
               <a:rPr lang="en-US" smtClean="0"/>
-              <a:t>5/10/2016</a:t>
+              <a:t>5/12/2016</a:t>
             </a:fld>
             <a:endParaRPr lang="en-US"/>
           </a:p>
@@ -4574,6 +4574,384 @@
           </a:p>
         </p:txBody>
       </p:sp>
+      <p:sp>
+        <p:nvSpPr>
+          <p:cNvPr id="18" name="Text Box 14"/>
+          <p:cNvSpPr txBox="1"/>
+          <p:nvPr/>
+        </p:nvSpPr>
+        <p:spPr>
+          <a:xfrm>
+            <a:off x="4155612" y="2799125"/>
+            <a:ext cx="1405661" cy="313669"/>
+          </a:xfrm>
+          <a:prstGeom prst="rect">
+            <a:avLst/>
+          </a:prstGeom>
+          <a:solidFill>
+            <a:sysClr val="window" lastClr="FFFFFF">
+              <a:alpha val="0"/>
+            </a:sysClr>
+          </a:solidFill>
+          <a:ln w="6350">
+            <a:noFill/>
+          </a:ln>
+          <a:effectLst/>
+        </p:spPr>
+        <p:txBody>
+          <a:bodyPr rot="0" spcFirstLastPara="0" vert="horz" wrap="square" lIns="91440" tIns="45720" rIns="91440" bIns="45720" numCol="1" spcCol="0" rtlCol="0" fromWordArt="0" anchor="t" anchorCtr="0" forceAA="0" compatLnSpc="1">
+            <a:prstTxWarp prst="textNoShape">
+              <a:avLst/>
+            </a:prstTxWarp>
+            <a:noAutofit/>
+          </a:bodyPr>
+          <a:lstStyle/>
+          <a:p>
+            <a:pPr marL="0" marR="0" lvl="0" indent="0" algn="ctr" defTabSz="914400" eaLnBrk="1" fontAlgn="auto" latinLnBrk="0" hangingPunct="1">
+              <a:lnSpc>
+                <a:spcPct val="115000"/>
+              </a:lnSpc>
+              <a:spcBef>
+                <a:spcPts val="0"/>
+              </a:spcBef>
+              <a:spcAft>
+                <a:spcPts val="1000"/>
+              </a:spcAft>
+              <a:buClrTx/>
+              <a:buSzTx/>
+              <a:buFontTx/>
+              <a:buNone/>
+              <a:tabLst/>
+              <a:defRPr/>
+            </a:pPr>
+            <a:r>
+              <a:rPr kumimoji="0" lang="en-US" sz="1100" b="0" i="0" u="none" strike="noStrike" kern="0" cap="none" spc="0" normalizeH="0" baseline="0" noProof="0" dirty="0">
+                <a:ln>
+                  <a:noFill/>
+                </a:ln>
+                <a:solidFill>
+                  <a:sysClr val="windowText" lastClr="000000"/>
+                </a:solidFill>
+                <a:effectLst/>
+                <a:uLnTx/>
+                <a:uFillTx/>
+                <a:latin typeface="Calibri"/>
+                <a:ea typeface="Calibri"/>
+                <a:cs typeface="Arial"/>
+              </a:rPr>
+              <a:t>connect</a:t>
+            </a:r>
+          </a:p>
+        </p:txBody>
+      </p:sp>
+      <p:sp>
+        <p:nvSpPr>
+          <p:cNvPr id="19" name="Text Box 19"/>
+          <p:cNvSpPr txBox="1"/>
+          <p:nvPr/>
+        </p:nvSpPr>
+        <p:spPr>
+          <a:xfrm>
+            <a:off x="4155612" y="3274688"/>
+            <a:ext cx="1547806" cy="313669"/>
+          </a:xfrm>
+          <a:prstGeom prst="rect">
+            <a:avLst/>
+          </a:prstGeom>
+          <a:solidFill>
+            <a:sysClr val="window" lastClr="FFFFFF">
+              <a:alpha val="0"/>
+            </a:sysClr>
+          </a:solidFill>
+          <a:ln w="6350">
+            <a:noFill/>
+          </a:ln>
+          <a:effectLst/>
+        </p:spPr>
+        <p:txBody>
+          <a:bodyPr rot="0" spcFirstLastPara="0" vert="horz" wrap="square" lIns="91440" tIns="45720" rIns="91440" bIns="45720" numCol="1" spcCol="0" rtlCol="0" fromWordArt="0" anchor="t" anchorCtr="0" forceAA="0" compatLnSpc="1">
+            <a:prstTxWarp prst="textNoShape">
+              <a:avLst/>
+            </a:prstTxWarp>
+            <a:noAutofit/>
+          </a:bodyPr>
+          <a:lstStyle/>
+          <a:p>
+            <a:pPr marL="0" marR="0" lvl="0" indent="0" algn="ctr" defTabSz="914400" eaLnBrk="1" fontAlgn="auto" latinLnBrk="0" hangingPunct="1">
+              <a:lnSpc>
+                <a:spcPct val="115000"/>
+              </a:lnSpc>
+              <a:spcBef>
+                <a:spcPts val="0"/>
+              </a:spcBef>
+              <a:spcAft>
+                <a:spcPts val="1000"/>
+              </a:spcAft>
+              <a:buClrTx/>
+              <a:buSzTx/>
+              <a:buFontTx/>
+              <a:buNone/>
+              <a:tabLst/>
+              <a:defRPr/>
+            </a:pPr>
+            <a:r>
+              <a:rPr kumimoji="0" lang="en-US" sz="1100" b="0" i="0" u="none" strike="noStrike" kern="0" cap="none" spc="0" normalizeH="0" baseline="0" noProof="0" dirty="0" err="1">
+                <a:ln>
+                  <a:noFill/>
+                </a:ln>
+                <a:solidFill>
+                  <a:sysClr val="windowText" lastClr="000000"/>
+                </a:solidFill>
+                <a:effectLst/>
+                <a:uLnTx/>
+                <a:uFillTx/>
+                <a:latin typeface="Calibri"/>
+                <a:ea typeface="Calibri"/>
+                <a:cs typeface="Arial"/>
+              </a:rPr>
+              <a:t>spName@redirectPath</a:t>
+            </a:r>
+            <a:endParaRPr kumimoji="0" lang="en-US" sz="1100" b="0" i="0" u="none" strike="noStrike" kern="0" cap="none" spc="0" normalizeH="0" baseline="0" noProof="0" dirty="0">
+              <a:ln>
+                <a:noFill/>
+              </a:ln>
+              <a:solidFill>
+                <a:sysClr val="windowText" lastClr="000000"/>
+              </a:solidFill>
+              <a:effectLst/>
+              <a:uLnTx/>
+              <a:uFillTx/>
+              <a:latin typeface="Calibri"/>
+              <a:ea typeface="Calibri"/>
+              <a:cs typeface="Arial"/>
+            </a:endParaRPr>
+          </a:p>
+        </p:txBody>
+      </p:sp>
+      <p:sp>
+        <p:nvSpPr>
+          <p:cNvPr id="20" name="Text Box 20"/>
+          <p:cNvSpPr txBox="1"/>
+          <p:nvPr/>
+        </p:nvSpPr>
+        <p:spPr>
+          <a:xfrm>
+            <a:off x="3863424" y="3021729"/>
+            <a:ext cx="1950552" cy="313669"/>
+          </a:xfrm>
+          <a:prstGeom prst="rect">
+            <a:avLst/>
+          </a:prstGeom>
+          <a:solidFill>
+            <a:sysClr val="window" lastClr="FFFFFF">
+              <a:alpha val="0"/>
+            </a:sysClr>
+          </a:solidFill>
+          <a:ln w="6350">
+            <a:noFill/>
+          </a:ln>
+          <a:effectLst/>
+        </p:spPr>
+        <p:txBody>
+          <a:bodyPr rot="0" spcFirstLastPara="0" vert="horz" wrap="square" lIns="91440" tIns="45720" rIns="91440" bIns="45720" numCol="1" spcCol="0" rtlCol="0" fromWordArt="0" anchor="t" anchorCtr="0" forceAA="0" compatLnSpc="1">
+            <a:prstTxWarp prst="textNoShape">
+              <a:avLst/>
+            </a:prstTxWarp>
+            <a:noAutofit/>
+          </a:bodyPr>
+          <a:lstStyle/>
+          <a:p>
+            <a:pPr marL="0" marR="0" lvl="0" indent="0" algn="ctr" defTabSz="914400" eaLnBrk="1" fontAlgn="auto" latinLnBrk="0" hangingPunct="1">
+              <a:lnSpc>
+                <a:spcPct val="115000"/>
+              </a:lnSpc>
+              <a:spcBef>
+                <a:spcPts val="0"/>
+              </a:spcBef>
+              <a:spcAft>
+                <a:spcPts val="1000"/>
+              </a:spcAft>
+              <a:buClrTx/>
+              <a:buSzTx/>
+              <a:buFontTx/>
+              <a:buNone/>
+              <a:tabLst/>
+              <a:defRPr/>
+            </a:pPr>
+            <a:r>
+              <a:rPr kumimoji="0" lang="en-US" sz="1100" b="0" i="0" u="none" strike="noStrike" kern="0" cap="none" spc="0" normalizeH="0" baseline="0" noProof="0" dirty="0">
+                <a:ln>
+                  <a:noFill/>
+                </a:ln>
+                <a:solidFill>
+                  <a:sysClr val="windowText" lastClr="000000"/>
+                </a:solidFill>
+                <a:effectLst/>
+                <a:uLnTx/>
+                <a:uFillTx/>
+                <a:latin typeface="Calibri"/>
+                <a:ea typeface="Calibri"/>
+                <a:cs typeface="Arial"/>
+              </a:rPr>
+              <a:t>OK Send name, redirect path</a:t>
+            </a:r>
+          </a:p>
+        </p:txBody>
+      </p:sp>
+      <p:sp>
+        <p:nvSpPr>
+          <p:cNvPr id="21" name="Text Box 21"/>
+          <p:cNvSpPr txBox="1"/>
+          <p:nvPr/>
+        </p:nvSpPr>
+        <p:spPr>
+          <a:xfrm>
+            <a:off x="4455696" y="3440362"/>
+            <a:ext cx="805491" cy="313669"/>
+          </a:xfrm>
+          <a:prstGeom prst="rect">
+            <a:avLst/>
+          </a:prstGeom>
+          <a:solidFill>
+            <a:sysClr val="window" lastClr="FFFFFF">
+              <a:alpha val="0"/>
+            </a:sysClr>
+          </a:solidFill>
+          <a:ln w="6350">
+            <a:noFill/>
+          </a:ln>
+          <a:effectLst/>
+        </p:spPr>
+        <p:txBody>
+          <a:bodyPr rot="0" spcFirstLastPara="0" vert="horz" wrap="square" lIns="91440" tIns="45720" rIns="91440" bIns="45720" numCol="1" spcCol="0" rtlCol="0" fromWordArt="0" anchor="t" anchorCtr="0" forceAA="0" compatLnSpc="1">
+            <a:prstTxWarp prst="textNoShape">
+              <a:avLst/>
+            </a:prstTxWarp>
+            <a:noAutofit/>
+          </a:bodyPr>
+          <a:lstStyle/>
+          <a:p>
+            <a:pPr marL="0" marR="0" lvl="0" indent="0" algn="ctr" defTabSz="914400" eaLnBrk="1" fontAlgn="auto" latinLnBrk="0" hangingPunct="1">
+              <a:lnSpc>
+                <a:spcPct val="115000"/>
+              </a:lnSpc>
+              <a:spcBef>
+                <a:spcPts val="0"/>
+              </a:spcBef>
+              <a:spcAft>
+                <a:spcPts val="1000"/>
+              </a:spcAft>
+              <a:buClrTx/>
+              <a:buSzTx/>
+              <a:buFontTx/>
+              <a:buNone/>
+              <a:tabLst/>
+              <a:defRPr/>
+            </a:pPr>
+            <a:r>
+              <a:rPr kumimoji="0" lang="en-US" sz="1100" b="0" i="0" u="none" strike="noStrike" kern="0" cap="none" spc="0" normalizeH="0" baseline="0" noProof="0" dirty="0" err="1">
+                <a:ln>
+                  <a:noFill/>
+                </a:ln>
+                <a:solidFill>
+                  <a:sysClr val="windowText" lastClr="000000"/>
+                </a:solidFill>
+                <a:effectLst/>
+                <a:uLnTx/>
+                <a:uFillTx/>
+                <a:latin typeface="Calibri"/>
+                <a:ea typeface="Calibri"/>
+                <a:cs typeface="Arial"/>
+              </a:rPr>
+              <a:t>ID@key</a:t>
+            </a:r>
+            <a:endParaRPr kumimoji="0" lang="en-US" sz="1100" b="0" i="0" u="none" strike="noStrike" kern="0" cap="none" spc="0" normalizeH="0" baseline="0" noProof="0" dirty="0">
+              <a:ln>
+                <a:noFill/>
+              </a:ln>
+              <a:solidFill>
+                <a:sysClr val="windowText" lastClr="000000"/>
+              </a:solidFill>
+              <a:effectLst/>
+              <a:uLnTx/>
+              <a:uFillTx/>
+              <a:latin typeface="Calibri"/>
+              <a:ea typeface="Calibri"/>
+              <a:cs typeface="Arial"/>
+            </a:endParaRPr>
+          </a:p>
+        </p:txBody>
+      </p:sp>
+      <p:sp>
+        <p:nvSpPr>
+          <p:cNvPr id="22" name="Text Box 22"/>
+          <p:cNvSpPr txBox="1"/>
+          <p:nvPr/>
+        </p:nvSpPr>
+        <p:spPr>
+          <a:xfrm>
+            <a:off x="4147714" y="3652807"/>
+            <a:ext cx="1405661" cy="313669"/>
+          </a:xfrm>
+          <a:prstGeom prst="rect">
+            <a:avLst/>
+          </a:prstGeom>
+          <a:solidFill>
+            <a:sysClr val="window" lastClr="FFFFFF">
+              <a:alpha val="0"/>
+            </a:sysClr>
+          </a:solidFill>
+          <a:ln w="6350">
+            <a:noFill/>
+          </a:ln>
+          <a:effectLst/>
+        </p:spPr>
+        <p:txBody>
+          <a:bodyPr rot="0" spcFirstLastPara="0" vert="horz" wrap="square" lIns="91440" tIns="45720" rIns="91440" bIns="45720" numCol="1" spcCol="0" rtlCol="0" fromWordArt="0" anchor="t" anchorCtr="0" forceAA="0" compatLnSpc="1">
+            <a:prstTxWarp prst="textNoShape">
+              <a:avLst/>
+            </a:prstTxWarp>
+            <a:noAutofit/>
+          </a:bodyPr>
+          <a:lstStyle/>
+          <a:p>
+            <a:pPr marL="0" marR="0" lvl="0" indent="0" algn="ctr" defTabSz="914400" eaLnBrk="1" fontAlgn="auto" latinLnBrk="0" hangingPunct="1">
+              <a:lnSpc>
+                <a:spcPct val="115000"/>
+              </a:lnSpc>
+              <a:spcBef>
+                <a:spcPts val="0"/>
+              </a:spcBef>
+              <a:spcAft>
+                <a:spcPts val="1000"/>
+              </a:spcAft>
+              <a:buClrTx/>
+              <a:buSzTx/>
+              <a:buFontTx/>
+              <a:buNone/>
+              <a:tabLst/>
+              <a:defRPr/>
+            </a:pPr>
+            <a:r>
+              <a:rPr kumimoji="0" lang="en-US" sz="1100" b="0" i="0" u="none" strike="noStrike" kern="0" cap="none" spc="0" normalizeH="0" baseline="0" noProof="0" dirty="0">
+                <a:ln>
+                  <a:noFill/>
+                </a:ln>
+                <a:solidFill>
+                  <a:sysClr val="windowText" lastClr="000000"/>
+                </a:solidFill>
+                <a:effectLst/>
+                <a:uLnTx/>
+                <a:uFillTx/>
+                <a:latin typeface="Calibri"/>
+                <a:ea typeface="Calibri"/>
+                <a:cs typeface="Arial"/>
+              </a:rPr>
+              <a:t>OK End Connection</a:t>
+            </a:r>
+          </a:p>
+        </p:txBody>
+      </p:sp>
     </p:spTree>
     <p:extLst>
       <p:ext uri="{BB962C8B-B14F-4D97-AF65-F5344CB8AC3E}">
@@ -4940,39 +5318,21 @@
                                   </p:childTnLst>
                                 </p:cTn>
                               </p:par>
-                            </p:childTnLst>
-                          </p:cTn>
-                        </p:par>
-                      </p:childTnLst>
-                    </p:cTn>
-                  </p:par>
-                  <p:par>
-                    <p:cTn id="34" fill="hold">
-                      <p:stCondLst>
-                        <p:cond delay="indefinite"/>
-                      </p:stCondLst>
-                      <p:childTnLst>
-                        <p:par>
-                          <p:cTn id="35" fill="hold">
-                            <p:stCondLst>
-                              <p:cond delay="0"/>
-                            </p:stCondLst>
-                            <p:childTnLst>
                               <p:par>
-                                <p:cTn id="36" presetID="22" presetClass="entr" presetSubtype="2" fill="hold" nodeType="clickEffect">
+                                <p:cTn id="34" presetID="22" presetClass="entr" presetSubtype="8" fill="hold" grpId="0" nodeType="withEffect">
                                   <p:stCondLst>
                                     <p:cond delay="0"/>
                                   </p:stCondLst>
                                   <p:childTnLst>
                                     <p:set>
                                       <p:cBhvr>
-                                        <p:cTn id="37" dur="1" fill="hold">
+                                        <p:cTn id="35" dur="1" fill="hold">
                                           <p:stCondLst>
                                             <p:cond delay="0"/>
                                           </p:stCondLst>
                                         </p:cTn>
                                         <p:tgtEl>
-                                          <p:spTgt spid="49"/>
+                                          <p:spTgt spid="18"/>
                                         </p:tgtEl>
                                         <p:attrNameLst>
                                           <p:attrName>style.visibility</p:attrName>
@@ -4982,11 +5342,11 @@
                                         <p:strVal val="visible"/>
                                       </p:to>
                                     </p:set>
-                                    <p:animEffect transition="in" filter="wipe(right)">
-                                      <p:cBhvr>
-                                        <p:cTn id="38" dur="500"/>
-                                        <p:tgtEl>
-                                          <p:spTgt spid="49"/>
+                                    <p:animEffect transition="in" filter="wipe(left)">
+                                      <p:cBhvr>
+                                        <p:cTn id="36" dur="500"/>
+                                        <p:tgtEl>
+                                          <p:spTgt spid="18"/>
                                         </p:tgtEl>
                                       </p:cBhvr>
                                     </p:animEffect>
@@ -5000,32 +5360,32 @@
                     </p:cTn>
                   </p:par>
                   <p:par>
-                    <p:cTn id="39" fill="hold">
+                    <p:cTn id="37" fill="hold">
                       <p:stCondLst>
                         <p:cond delay="indefinite"/>
                       </p:stCondLst>
                       <p:childTnLst>
                         <p:par>
-                          <p:cTn id="40" fill="hold">
+                          <p:cTn id="38" fill="hold">
                             <p:stCondLst>
                               <p:cond delay="0"/>
                             </p:stCondLst>
                             <p:childTnLst>
                               <p:par>
-                                <p:cTn id="41" presetID="22" presetClass="entr" presetSubtype="8" fill="hold" nodeType="clickEffect">
+                                <p:cTn id="39" presetID="22" presetClass="entr" presetSubtype="4" fill="hold" nodeType="clickEffect">
                                   <p:stCondLst>
                                     <p:cond delay="0"/>
                                   </p:stCondLst>
                                   <p:childTnLst>
                                     <p:set>
                                       <p:cBhvr>
-                                        <p:cTn id="42" dur="1" fill="hold">
+                                        <p:cTn id="40" dur="1" fill="hold">
                                           <p:stCondLst>
                                             <p:cond delay="0"/>
                                           </p:stCondLst>
                                         </p:cTn>
                                         <p:tgtEl>
-                                          <p:spTgt spid="56"/>
+                                          <p:spTgt spid="49"/>
                                         </p:tgtEl>
                                         <p:attrNameLst>
                                           <p:attrName>style.visibility</p:attrName>
@@ -5035,11 +5395,46 @@
                                         <p:strVal val="visible"/>
                                       </p:to>
                                     </p:set>
-                                    <p:animEffect transition="in" filter="wipe(left)">
-                                      <p:cBhvr>
-                                        <p:cTn id="43" dur="500"/>
-                                        <p:tgtEl>
-                                          <p:spTgt spid="56"/>
+                                    <p:animEffect transition="in" filter="wipe(down)">
+                                      <p:cBhvr>
+                                        <p:cTn id="41" dur="500"/>
+                                        <p:tgtEl>
+                                          <p:spTgt spid="49"/>
+                                        </p:tgtEl>
+                                      </p:cBhvr>
+                                    </p:animEffect>
+                                  </p:childTnLst>
+                                </p:cTn>
+                              </p:par>
+                              <p:par>
+                                <p:cTn id="42" presetID="22" presetClass="entr" presetSubtype="2" fill="hold" grpId="0" nodeType="withEffect">
+                                  <p:stCondLst>
+                                    <p:cond delay="0"/>
+                                  </p:stCondLst>
+                                  <p:childTnLst>
+                                    <p:set>
+                                      <p:cBhvr>
+                                        <p:cTn id="43" dur="1" fill="hold">
+                                          <p:stCondLst>
+                                            <p:cond delay="0"/>
+                                          </p:stCondLst>
+                                        </p:cTn>
+                                        <p:tgtEl>
+                                          <p:spTgt spid="20"/>
+                                        </p:tgtEl>
+                                        <p:attrNameLst>
+                                          <p:attrName>style.visibility</p:attrName>
+                                        </p:attrNameLst>
+                                      </p:cBhvr>
+                                      <p:to>
+                                        <p:strVal val="visible"/>
+                                      </p:to>
+                                    </p:set>
+                                    <p:animEffect transition="in" filter="wipe(right)">
+                                      <p:cBhvr>
+                                        <p:cTn id="44" dur="500"/>
+                                        <p:tgtEl>
+                                          <p:spTgt spid="20"/>
                                         </p:tgtEl>
                                       </p:cBhvr>
                                     </p:animEffect>
@@ -5053,32 +5448,32 @@
                     </p:cTn>
                   </p:par>
                   <p:par>
-                    <p:cTn id="44" fill="hold">
+                    <p:cTn id="45" fill="hold">
                       <p:stCondLst>
                         <p:cond delay="indefinite"/>
                       </p:stCondLst>
                       <p:childTnLst>
                         <p:par>
-                          <p:cTn id="45" fill="hold">
+                          <p:cTn id="46" fill="hold">
                             <p:stCondLst>
                               <p:cond delay="0"/>
                             </p:stCondLst>
                             <p:childTnLst>
                               <p:par>
-                                <p:cTn id="46" presetID="22" presetClass="entr" presetSubtype="2" fill="hold" nodeType="clickEffect">
+                                <p:cTn id="47" presetID="22" presetClass="entr" presetSubtype="8" fill="hold" nodeType="clickEffect">
                                   <p:stCondLst>
                                     <p:cond delay="0"/>
                                   </p:stCondLst>
                                   <p:childTnLst>
                                     <p:set>
                                       <p:cBhvr>
-                                        <p:cTn id="47" dur="1" fill="hold">
+                                        <p:cTn id="48" dur="1" fill="hold">
                                           <p:stCondLst>
                                             <p:cond delay="0"/>
                                           </p:stCondLst>
                                         </p:cTn>
                                         <p:tgtEl>
-                                          <p:spTgt spid="57"/>
+                                          <p:spTgt spid="56"/>
                                         </p:tgtEl>
                                         <p:attrNameLst>
                                           <p:attrName>style.visibility</p:attrName>
@@ -5088,11 +5483,46 @@
                                         <p:strVal val="visible"/>
                                       </p:to>
                                     </p:set>
-                                    <p:animEffect transition="in" filter="wipe(right)">
-                                      <p:cBhvr>
-                                        <p:cTn id="48" dur="500"/>
-                                        <p:tgtEl>
-                                          <p:spTgt spid="57"/>
+                                    <p:animEffect transition="in" filter="wipe(left)">
+                                      <p:cBhvr>
+                                        <p:cTn id="49" dur="500"/>
+                                        <p:tgtEl>
+                                          <p:spTgt spid="56"/>
+                                        </p:tgtEl>
+                                      </p:cBhvr>
+                                    </p:animEffect>
+                                  </p:childTnLst>
+                                </p:cTn>
+                              </p:par>
+                              <p:par>
+                                <p:cTn id="50" presetID="22" presetClass="entr" presetSubtype="8" fill="hold" grpId="0" nodeType="withEffect">
+                                  <p:stCondLst>
+                                    <p:cond delay="0"/>
+                                  </p:stCondLst>
+                                  <p:childTnLst>
+                                    <p:set>
+                                      <p:cBhvr>
+                                        <p:cTn id="51" dur="1" fill="hold">
+                                          <p:stCondLst>
+                                            <p:cond delay="0"/>
+                                          </p:stCondLst>
+                                        </p:cTn>
+                                        <p:tgtEl>
+                                          <p:spTgt spid="19"/>
+                                        </p:tgtEl>
+                                        <p:attrNameLst>
+                                          <p:attrName>style.visibility</p:attrName>
+                                        </p:attrNameLst>
+                                      </p:cBhvr>
+                                      <p:to>
+                                        <p:strVal val="visible"/>
+                                      </p:to>
+                                    </p:set>
+                                    <p:animEffect transition="in" filter="wipe(left)">
+                                      <p:cBhvr>
+                                        <p:cTn id="52" dur="500"/>
+                                        <p:tgtEl>
+                                          <p:spTgt spid="19"/>
                                         </p:tgtEl>
                                       </p:cBhvr>
                                     </p:animEffect>
@@ -5106,26 +5536,114 @@
                     </p:cTn>
                   </p:par>
                   <p:par>
-                    <p:cTn id="49" fill="hold">
+                    <p:cTn id="53" fill="hold">
                       <p:stCondLst>
                         <p:cond delay="indefinite"/>
                       </p:stCondLst>
                       <p:childTnLst>
                         <p:par>
-                          <p:cTn id="50" fill="hold">
+                          <p:cTn id="54" fill="hold">
                             <p:stCondLst>
                               <p:cond delay="0"/>
                             </p:stCondLst>
                             <p:childTnLst>
                               <p:par>
-                                <p:cTn id="51" presetID="22" presetClass="entr" presetSubtype="8" fill="hold" nodeType="clickEffect">
+                                <p:cTn id="55" presetID="22" presetClass="entr" presetSubtype="2" fill="hold" nodeType="clickEffect">
                                   <p:stCondLst>
                                     <p:cond delay="0"/>
                                   </p:stCondLst>
                                   <p:childTnLst>
                                     <p:set>
                                       <p:cBhvr>
-                                        <p:cTn id="52" dur="1" fill="hold">
+                                        <p:cTn id="56" dur="1" fill="hold">
+                                          <p:stCondLst>
+                                            <p:cond delay="0"/>
+                                          </p:stCondLst>
+                                        </p:cTn>
+                                        <p:tgtEl>
+                                          <p:spTgt spid="57"/>
+                                        </p:tgtEl>
+                                        <p:attrNameLst>
+                                          <p:attrName>style.visibility</p:attrName>
+                                        </p:attrNameLst>
+                                      </p:cBhvr>
+                                      <p:to>
+                                        <p:strVal val="visible"/>
+                                      </p:to>
+                                    </p:set>
+                                    <p:animEffect transition="in" filter="wipe(right)">
+                                      <p:cBhvr>
+                                        <p:cTn id="57" dur="500"/>
+                                        <p:tgtEl>
+                                          <p:spTgt spid="57"/>
+                                        </p:tgtEl>
+                                      </p:cBhvr>
+                                    </p:animEffect>
+                                  </p:childTnLst>
+                                </p:cTn>
+                              </p:par>
+                              <p:par>
+                                <p:cTn id="58" presetID="22" presetClass="entr" presetSubtype="2" fill="hold" grpId="0" nodeType="withEffect">
+                                  <p:stCondLst>
+                                    <p:cond delay="0"/>
+                                  </p:stCondLst>
+                                  <p:childTnLst>
+                                    <p:set>
+                                      <p:cBhvr>
+                                        <p:cTn id="59" dur="1" fill="hold">
+                                          <p:stCondLst>
+                                            <p:cond delay="0"/>
+                                          </p:stCondLst>
+                                        </p:cTn>
+                                        <p:tgtEl>
+                                          <p:spTgt spid="21"/>
+                                        </p:tgtEl>
+                                        <p:attrNameLst>
+                                          <p:attrName>style.visibility</p:attrName>
+                                        </p:attrNameLst>
+                                      </p:cBhvr>
+                                      <p:to>
+                                        <p:strVal val="visible"/>
+                                      </p:to>
+                                    </p:set>
+                                    <p:animEffect transition="in" filter="wipe(right)">
+                                      <p:cBhvr>
+                                        <p:cTn id="60" dur="500"/>
+                                        <p:tgtEl>
+                                          <p:spTgt spid="21"/>
+                                        </p:tgtEl>
+                                      </p:cBhvr>
+                                    </p:animEffect>
+                                  </p:childTnLst>
+                                </p:cTn>
+                              </p:par>
+                            </p:childTnLst>
+                          </p:cTn>
+                        </p:par>
+                      </p:childTnLst>
+                    </p:cTn>
+                  </p:par>
+                  <p:par>
+                    <p:cTn id="61" fill="hold">
+                      <p:stCondLst>
+                        <p:cond delay="indefinite"/>
+                      </p:stCondLst>
+                      <p:childTnLst>
+                        <p:par>
+                          <p:cTn id="62" fill="hold">
+                            <p:stCondLst>
+                              <p:cond delay="0"/>
+                            </p:stCondLst>
+                            <p:childTnLst>
+                              <p:par>
+                                <p:cTn id="63" presetID="22" presetClass="entr" presetSubtype="8" fill="hold" nodeType="clickEffect">
+                                  <p:stCondLst>
+                                    <p:cond delay="0"/>
+                                  </p:stCondLst>
+                                  <p:childTnLst>
+                                    <p:set>
+                                      <p:cBhvr>
+                                        <p:cTn id="64" dur="1" fill="hold">
                                           <p:stCondLst>
                                             <p:cond delay="0"/>
                                           </p:stCondLst>
@@ -5143,9 +5661,44 @@
                                     </p:set>
                                     <p:animEffect transition="in" filter="wipe(left)">
                                       <p:cBhvr>
-                                        <p:cTn id="53" dur="500"/>
+                                        <p:cTn id="65" dur="500"/>
                                         <p:tgtEl>
                                           <p:spTgt spid="58"/>
+                                        </p:tgtEl>
+                                      </p:cBhvr>
+                                    </p:animEffect>
+                                  </p:childTnLst>
+                                </p:cTn>
+                              </p:par>
+                              <p:par>
+                                <p:cTn id="66" presetID="22" presetClass="entr" presetSubtype="8" fill="hold" grpId="0" nodeType="withEffect">
+                                  <p:stCondLst>
+                                    <p:cond delay="0"/>
+                                  </p:stCondLst>
+                                  <p:childTnLst>
+                                    <p:set>
+                                      <p:cBhvr>
+                                        <p:cTn id="67" dur="1" fill="hold">
+                                          <p:stCondLst>
+                                            <p:cond delay="0"/>
+                                          </p:stCondLst>
+                                        </p:cTn>
+                                        <p:tgtEl>
+                                          <p:spTgt spid="22"/>
+                                        </p:tgtEl>
+                                        <p:attrNameLst>
+                                          <p:attrName>style.visibility</p:attrName>
+                                        </p:attrNameLst>
+                                      </p:cBhvr>
+                                      <p:to>
+                                        <p:strVal val="visible"/>
+                                      </p:to>
+                                    </p:set>
+                                    <p:animEffect transition="in" filter="wipe(left)">
+                                      <p:cBhvr>
+                                        <p:cTn id="68" dur="500"/>
+                                        <p:tgtEl>
+                                          <p:spTgt spid="22"/>
                                         </p:tgtEl>
                                       </p:cBhvr>
                                     </p:animEffect>
@@ -5186,6 +5739,11 @@
       <p:bldP spid="7" grpId="0" animBg="1"/>
       <p:bldP spid="11" grpId="0"/>
       <p:bldP spid="12" grpId="0"/>
+      <p:bldP spid="18" grpId="0" animBg="1"/>
+      <p:bldP spid="19" grpId="0" animBg="1"/>
+      <p:bldP spid="20" grpId="0" animBg="1"/>
+      <p:bldP spid="21" grpId="0" animBg="1"/>
+      <p:bldP spid="22" grpId="0" animBg="1"/>
     </p:bldLst>
   </p:timing>
 </p:sld>
@@ -6033,6 +6591,697 @@
           </a:fontRef>
         </p:style>
       </p:cxnSp>
+      <p:sp>
+        <p:nvSpPr>
+          <p:cNvPr id="27" name="Text Box 39"/>
+          <p:cNvSpPr txBox="1"/>
+          <p:nvPr/>
+        </p:nvSpPr>
+        <p:spPr>
+          <a:xfrm rot="1979238">
+            <a:off x="4231227" y="4190184"/>
+            <a:ext cx="388620" cy="259080"/>
+          </a:xfrm>
+          <a:prstGeom prst="rect">
+            <a:avLst/>
+          </a:prstGeom>
+          <a:noFill/>
+          <a:ln w="6350">
+            <a:noFill/>
+          </a:ln>
+          <a:effectLst/>
+        </p:spPr>
+        <p:txBody>
+          <a:bodyPr rot="0" spcFirstLastPara="0" vert="horz" wrap="square" lIns="91440" tIns="45720" rIns="91440" bIns="45720" numCol="1" spcCol="0" rtlCol="0" fromWordArt="0" anchor="t" anchorCtr="0" forceAA="0" compatLnSpc="1">
+            <a:prstTxWarp prst="textNoShape">
+              <a:avLst/>
+            </a:prstTxWarp>
+            <a:noAutofit/>
+          </a:bodyPr>
+          <a:lstStyle/>
+          <a:p>
+            <a:pPr marL="0" marR="0" lvl="0" indent="0" defTabSz="914400" eaLnBrk="1" fontAlgn="auto" latinLnBrk="0" hangingPunct="1">
+              <a:lnSpc>
+                <a:spcPct val="115000"/>
+              </a:lnSpc>
+              <a:spcBef>
+                <a:spcPts val="0"/>
+              </a:spcBef>
+              <a:spcAft>
+                <a:spcPts val="1000"/>
+              </a:spcAft>
+              <a:buClrTx/>
+              <a:buSzTx/>
+              <a:buFontTx/>
+              <a:buNone/>
+              <a:tabLst/>
+              <a:defRPr/>
+            </a:pPr>
+            <a:r>
+              <a:rPr kumimoji="0" lang="en-US" sz="1100" b="0" i="0" u="none" strike="noStrike" kern="0" cap="none" spc="0" normalizeH="0" baseline="0" noProof="0" dirty="0">
+                <a:ln>
+                  <a:noFill/>
+                </a:ln>
+                <a:solidFill>
+                  <a:sysClr val="windowText" lastClr="000000"/>
+                </a:solidFill>
+                <a:effectLst/>
+                <a:uLnTx/>
+                <a:uFillTx/>
+                <a:latin typeface="Calibri"/>
+                <a:ea typeface="Calibri"/>
+                <a:cs typeface="Arial"/>
+              </a:rPr>
+              <a:t>(2)</a:t>
+            </a:r>
+          </a:p>
+        </p:txBody>
+      </p:sp>
+      <p:sp>
+        <p:nvSpPr>
+          <p:cNvPr id="28" name="Text Box 40"/>
+          <p:cNvSpPr txBox="1"/>
+          <p:nvPr/>
+        </p:nvSpPr>
+        <p:spPr>
+          <a:xfrm rot="1802048">
+            <a:off x="3603847" y="4357189"/>
+            <a:ext cx="1482090" cy="259080"/>
+          </a:xfrm>
+          <a:prstGeom prst="rect">
+            <a:avLst/>
+          </a:prstGeom>
+          <a:noFill/>
+          <a:ln w="6350">
+            <a:noFill/>
+          </a:ln>
+          <a:effectLst/>
+        </p:spPr>
+        <p:txBody>
+          <a:bodyPr rot="0" spcFirstLastPara="0" vert="horz" wrap="square" lIns="91440" tIns="45720" rIns="91440" bIns="45720" numCol="1" spcCol="0" rtlCol="0" fromWordArt="0" anchor="t" anchorCtr="0" forceAA="0" compatLnSpc="1">
+            <a:prstTxWarp prst="textNoShape">
+              <a:avLst/>
+            </a:prstTxWarp>
+            <a:noAutofit/>
+          </a:bodyPr>
+          <a:lstStyle/>
+          <a:p>
+            <a:pPr marL="0" marR="0" lvl="0" indent="0" defTabSz="914400" eaLnBrk="1" fontAlgn="auto" latinLnBrk="0" hangingPunct="1">
+              <a:lnSpc>
+                <a:spcPct val="115000"/>
+              </a:lnSpc>
+              <a:spcBef>
+                <a:spcPts val="0"/>
+              </a:spcBef>
+              <a:spcAft>
+                <a:spcPts val="1000"/>
+              </a:spcAft>
+              <a:buClrTx/>
+              <a:buSzTx/>
+              <a:buFontTx/>
+              <a:buNone/>
+              <a:tabLst/>
+              <a:defRPr/>
+            </a:pPr>
+            <a:r>
+              <a:rPr kumimoji="0" lang="en-US" sz="1100" b="0" i="0" u="none" strike="noStrike" kern="0" cap="none" spc="0" normalizeH="0" baseline="0" noProof="0" dirty="0">
+                <a:ln>
+                  <a:noFill/>
+                </a:ln>
+                <a:solidFill>
+                  <a:sysClr val="windowText" lastClr="000000"/>
+                </a:solidFill>
+                <a:effectLst/>
+                <a:uLnTx/>
+                <a:uFillTx/>
+                <a:latin typeface="Calibri"/>
+                <a:ea typeface="Calibri"/>
+                <a:cs typeface="Arial"/>
+              </a:rPr>
+              <a:t>(3) Registration Page</a:t>
+            </a:r>
+          </a:p>
+        </p:txBody>
+      </p:sp>
+      <p:sp>
+        <p:nvSpPr>
+          <p:cNvPr id="29" name="Text Box 41"/>
+          <p:cNvSpPr txBox="1"/>
+          <p:nvPr/>
+        </p:nvSpPr>
+        <p:spPr>
+          <a:xfrm rot="1820404">
+            <a:off x="3690842" y="4476569"/>
+            <a:ext cx="1092200" cy="259080"/>
+          </a:xfrm>
+          <a:prstGeom prst="rect">
+            <a:avLst/>
+          </a:prstGeom>
+          <a:noFill/>
+          <a:ln w="6350">
+            <a:noFill/>
+          </a:ln>
+          <a:effectLst/>
+        </p:spPr>
+        <p:txBody>
+          <a:bodyPr rot="0" spcFirstLastPara="0" vert="horz" wrap="square" lIns="91440" tIns="45720" rIns="91440" bIns="45720" numCol="1" spcCol="0" rtlCol="0" fromWordArt="0" anchor="t" anchorCtr="0" forceAA="0" compatLnSpc="1">
+            <a:prstTxWarp prst="textNoShape">
+              <a:avLst/>
+            </a:prstTxWarp>
+            <a:noAutofit/>
+          </a:bodyPr>
+          <a:lstStyle/>
+          <a:p>
+            <a:pPr marL="0" marR="0" lvl="0" indent="0" defTabSz="914400" eaLnBrk="1" fontAlgn="auto" latinLnBrk="0" hangingPunct="1">
+              <a:lnSpc>
+                <a:spcPct val="115000"/>
+              </a:lnSpc>
+              <a:spcBef>
+                <a:spcPts val="0"/>
+              </a:spcBef>
+              <a:spcAft>
+                <a:spcPts val="1000"/>
+              </a:spcAft>
+              <a:buClrTx/>
+              <a:buSzTx/>
+              <a:buFontTx/>
+              <a:buNone/>
+              <a:tabLst/>
+              <a:defRPr/>
+            </a:pPr>
+            <a:r>
+              <a:rPr kumimoji="0" lang="en-US" sz="1100" b="0" i="0" u="none" strike="noStrike" kern="0" cap="none" spc="0" normalizeH="0" baseline="0" noProof="0" dirty="0">
+                <a:ln>
+                  <a:noFill/>
+                </a:ln>
+                <a:solidFill>
+                  <a:sysClr val="windowText" lastClr="000000"/>
+                </a:solidFill>
+                <a:effectLst/>
+                <a:uLnTx/>
+                <a:uFillTx/>
+                <a:latin typeface="Calibri"/>
+                <a:ea typeface="Calibri"/>
+                <a:cs typeface="Arial"/>
+              </a:rPr>
+              <a:t>(4) Credentials</a:t>
+            </a:r>
+          </a:p>
+        </p:txBody>
+      </p:sp>
+      <p:sp>
+        <p:nvSpPr>
+          <p:cNvPr id="30" name="Text Box 42"/>
+          <p:cNvSpPr txBox="1"/>
+          <p:nvPr/>
+        </p:nvSpPr>
+        <p:spPr>
+          <a:xfrm rot="1738604">
+            <a:off x="3320002" y="4712154"/>
+            <a:ext cx="1889760" cy="259080"/>
+          </a:xfrm>
+          <a:prstGeom prst="rect">
+            <a:avLst/>
+          </a:prstGeom>
+          <a:noFill/>
+          <a:ln w="6350">
+            <a:noFill/>
+          </a:ln>
+          <a:effectLst/>
+        </p:spPr>
+        <p:txBody>
+          <a:bodyPr rot="0" spcFirstLastPara="0" vert="horz" wrap="square" lIns="91440" tIns="45720" rIns="91440" bIns="45720" numCol="1" spcCol="0" rtlCol="0" fromWordArt="0" anchor="t" anchorCtr="0" forceAA="0" compatLnSpc="1">
+            <a:prstTxWarp prst="textNoShape">
+              <a:avLst/>
+            </a:prstTxWarp>
+            <a:noAutofit/>
+          </a:bodyPr>
+          <a:lstStyle/>
+          <a:p>
+            <a:pPr marL="0" marR="0" lvl="0" indent="0" defTabSz="914400" eaLnBrk="1" fontAlgn="auto" latinLnBrk="0" hangingPunct="1">
+              <a:lnSpc>
+                <a:spcPct val="115000"/>
+              </a:lnSpc>
+              <a:spcBef>
+                <a:spcPts val="0"/>
+              </a:spcBef>
+              <a:spcAft>
+                <a:spcPts val="1000"/>
+              </a:spcAft>
+              <a:buClrTx/>
+              <a:buSzTx/>
+              <a:buFontTx/>
+              <a:buNone/>
+              <a:tabLst/>
+              <a:defRPr/>
+            </a:pPr>
+            <a:r>
+              <a:rPr kumimoji="0" lang="en-US" sz="1100" b="0" i="0" u="none" strike="noStrike" kern="0" cap="none" spc="0" normalizeH="0" baseline="0" noProof="0" dirty="0">
+                <a:ln>
+                  <a:noFill/>
+                </a:ln>
+                <a:solidFill>
+                  <a:sysClr val="windowText" lastClr="000000"/>
+                </a:solidFill>
+                <a:effectLst/>
+                <a:uLnTx/>
+                <a:uFillTx/>
+                <a:latin typeface="Calibri"/>
+                <a:ea typeface="Calibri"/>
+                <a:cs typeface="Arial"/>
+              </a:rPr>
+              <a:t>(5) Redirect back to SP server</a:t>
+            </a:r>
+          </a:p>
+        </p:txBody>
+      </p:sp>
+      <p:sp>
+        <p:nvSpPr>
+          <p:cNvPr id="37" name="Text Box 36"/>
+          <p:cNvSpPr txBox="1"/>
+          <p:nvPr/>
+        </p:nvSpPr>
+        <p:spPr>
+          <a:xfrm rot="19666862">
+            <a:off x="3414269" y="2974053"/>
+            <a:ext cx="2356485" cy="273050"/>
+          </a:xfrm>
+          <a:prstGeom prst="rect">
+            <a:avLst/>
+          </a:prstGeom>
+          <a:noFill/>
+          <a:ln w="6350">
+            <a:noFill/>
+          </a:ln>
+          <a:effectLst/>
+        </p:spPr>
+        <p:txBody>
+          <a:bodyPr rot="0" spcFirstLastPara="0" vert="horz" wrap="square" lIns="91440" tIns="45720" rIns="91440" bIns="45720" numCol="1" spcCol="0" rtlCol="0" fromWordArt="0" anchor="t" anchorCtr="0" forceAA="0" compatLnSpc="1">
+            <a:prstTxWarp prst="textNoShape">
+              <a:avLst/>
+            </a:prstTxWarp>
+            <a:noAutofit/>
+          </a:bodyPr>
+          <a:lstStyle/>
+          <a:p>
+            <a:pPr marL="0" marR="0" lvl="0" indent="0" defTabSz="914400" eaLnBrk="1" fontAlgn="auto" latinLnBrk="0" hangingPunct="1">
+              <a:lnSpc>
+                <a:spcPct val="115000"/>
+              </a:lnSpc>
+              <a:spcBef>
+                <a:spcPts val="0"/>
+              </a:spcBef>
+              <a:spcAft>
+                <a:spcPts val="1000"/>
+              </a:spcAft>
+              <a:buClrTx/>
+              <a:buSzTx/>
+              <a:buFontTx/>
+              <a:buNone/>
+              <a:tabLst/>
+              <a:defRPr/>
+            </a:pPr>
+            <a:r>
+              <a:rPr kumimoji="0" lang="en-US" sz="1100" b="0" i="0" u="none" strike="noStrike" kern="0" cap="none" spc="0" normalizeH="0" baseline="0" noProof="0" dirty="0">
+                <a:ln>
+                  <a:noFill/>
+                </a:ln>
+                <a:solidFill>
+                  <a:sysClr val="windowText" lastClr="000000"/>
+                </a:solidFill>
+                <a:effectLst/>
+                <a:uLnTx/>
+                <a:uFillTx/>
+                <a:latin typeface="Calibri"/>
+                <a:ea typeface="Calibri"/>
+                <a:cs typeface="Arial"/>
+              </a:rPr>
+              <a:t>(1) User wants to register to SP server</a:t>
+            </a:r>
+          </a:p>
+        </p:txBody>
+      </p:sp>
+      <p:sp>
+        <p:nvSpPr>
+          <p:cNvPr id="38" name="Text Box 37"/>
+          <p:cNvSpPr txBox="1"/>
+          <p:nvPr/>
+        </p:nvSpPr>
+        <p:spPr>
+          <a:xfrm rot="19595119">
+            <a:off x="3416174" y="2721958"/>
+            <a:ext cx="2197735" cy="273050"/>
+          </a:xfrm>
+          <a:prstGeom prst="rect">
+            <a:avLst/>
+          </a:prstGeom>
+          <a:noFill/>
+          <a:ln w="6350">
+            <a:noFill/>
+          </a:ln>
+          <a:effectLst/>
+        </p:spPr>
+        <p:txBody>
+          <a:bodyPr rot="0" spcFirstLastPara="0" vert="horz" wrap="square" lIns="91440" tIns="45720" rIns="91440" bIns="45720" numCol="1" spcCol="0" rtlCol="0" fromWordArt="0" anchor="t" anchorCtr="0" forceAA="0" compatLnSpc="1">
+            <a:prstTxWarp prst="textNoShape">
+              <a:avLst/>
+            </a:prstTxWarp>
+            <a:noAutofit/>
+          </a:bodyPr>
+          <a:lstStyle/>
+          <a:p>
+            <a:pPr marL="0" marR="0" lvl="0" indent="0" defTabSz="914400" eaLnBrk="1" fontAlgn="auto" latinLnBrk="0" hangingPunct="1">
+              <a:lnSpc>
+                <a:spcPct val="115000"/>
+              </a:lnSpc>
+              <a:spcBef>
+                <a:spcPts val="0"/>
+              </a:spcBef>
+              <a:spcAft>
+                <a:spcPts val="1000"/>
+              </a:spcAft>
+              <a:buClrTx/>
+              <a:buSzTx/>
+              <a:buFontTx/>
+              <a:buNone/>
+              <a:tabLst/>
+              <a:defRPr/>
+            </a:pPr>
+            <a:r>
+              <a:rPr kumimoji="0" lang="en-US" sz="1100" b="0" i="0" u="none" strike="noStrike" kern="0" cap="none" spc="0" normalizeH="0" baseline="0" noProof="0" dirty="0">
+                <a:ln>
+                  <a:noFill/>
+                </a:ln>
+                <a:solidFill>
+                  <a:sysClr val="windowText" lastClr="000000"/>
+                </a:solidFill>
+                <a:effectLst/>
+                <a:uLnTx/>
+                <a:uFillTx/>
+                <a:latin typeface="Calibri"/>
+                <a:ea typeface="Calibri"/>
+                <a:cs typeface="Arial"/>
+              </a:rPr>
+              <a:t>(2) Redirect to </a:t>
+            </a:r>
+            <a:r>
+              <a:rPr kumimoji="0" lang="en-US" sz="1100" b="0" i="0" u="none" strike="noStrike" kern="0" cap="none" spc="0" normalizeH="0" baseline="0" noProof="0" dirty="0" err="1">
+                <a:ln>
+                  <a:noFill/>
+                </a:ln>
+                <a:solidFill>
+                  <a:sysClr val="windowText" lastClr="000000"/>
+                </a:solidFill>
+                <a:effectLst/>
+                <a:uLnTx/>
+                <a:uFillTx/>
+                <a:latin typeface="Calibri"/>
+                <a:ea typeface="Calibri"/>
+                <a:cs typeface="Arial"/>
+              </a:rPr>
+              <a:t>MyMainServer</a:t>
+            </a:r>
+            <a:endParaRPr kumimoji="0" lang="en-US" sz="1100" b="0" i="0" u="none" strike="noStrike" kern="0" cap="none" spc="0" normalizeH="0" baseline="0" noProof="0" dirty="0">
+              <a:ln>
+                <a:noFill/>
+              </a:ln>
+              <a:solidFill>
+                <a:sysClr val="windowText" lastClr="000000"/>
+              </a:solidFill>
+              <a:effectLst/>
+              <a:uLnTx/>
+              <a:uFillTx/>
+              <a:latin typeface="Calibri"/>
+              <a:ea typeface="Calibri"/>
+              <a:cs typeface="Arial"/>
+            </a:endParaRPr>
+          </a:p>
+        </p:txBody>
+      </p:sp>
+      <p:sp>
+        <p:nvSpPr>
+          <p:cNvPr id="39" name="Text Box 38"/>
+          <p:cNvSpPr txBox="1"/>
+          <p:nvPr/>
+        </p:nvSpPr>
+        <p:spPr>
+          <a:xfrm rot="19811272">
+            <a:off x="4023869" y="2638138"/>
+            <a:ext cx="369570" cy="273050"/>
+          </a:xfrm>
+          <a:prstGeom prst="rect">
+            <a:avLst/>
+          </a:prstGeom>
+          <a:noFill/>
+          <a:ln w="6350">
+            <a:noFill/>
+          </a:ln>
+          <a:effectLst/>
+        </p:spPr>
+        <p:txBody>
+          <a:bodyPr rot="0" spcFirstLastPara="0" vert="horz" wrap="square" lIns="91440" tIns="45720" rIns="91440" bIns="45720" numCol="1" spcCol="0" rtlCol="0" fromWordArt="0" anchor="t" anchorCtr="0" forceAA="0" compatLnSpc="1">
+            <a:prstTxWarp prst="textNoShape">
+              <a:avLst/>
+            </a:prstTxWarp>
+            <a:noAutofit/>
+          </a:bodyPr>
+          <a:lstStyle/>
+          <a:p>
+            <a:pPr marL="0" marR="0" lvl="0" indent="0" defTabSz="914400" eaLnBrk="1" fontAlgn="auto" latinLnBrk="0" hangingPunct="1">
+              <a:lnSpc>
+                <a:spcPct val="115000"/>
+              </a:lnSpc>
+              <a:spcBef>
+                <a:spcPts val="0"/>
+              </a:spcBef>
+              <a:spcAft>
+                <a:spcPts val="1000"/>
+              </a:spcAft>
+              <a:buClrTx/>
+              <a:buSzTx/>
+              <a:buFontTx/>
+              <a:buNone/>
+              <a:tabLst/>
+              <a:defRPr/>
+            </a:pPr>
+            <a:r>
+              <a:rPr kumimoji="0" lang="en-US" sz="1100" b="0" i="0" u="none" strike="noStrike" kern="0" cap="none" spc="0" normalizeH="0" baseline="0" noProof="0" dirty="0">
+                <a:ln>
+                  <a:noFill/>
+                </a:ln>
+                <a:solidFill>
+                  <a:sysClr val="windowText" lastClr="000000"/>
+                </a:solidFill>
+                <a:effectLst/>
+                <a:uLnTx/>
+                <a:uFillTx/>
+                <a:latin typeface="Calibri"/>
+                <a:ea typeface="Calibri"/>
+                <a:cs typeface="Arial"/>
+              </a:rPr>
+              <a:t>(5)</a:t>
+            </a:r>
+          </a:p>
+        </p:txBody>
+      </p:sp>
+      <p:sp>
+        <p:nvSpPr>
+          <p:cNvPr id="41" name="Text Box 43"/>
+          <p:cNvSpPr txBox="1"/>
+          <p:nvPr/>
+        </p:nvSpPr>
+        <p:spPr>
+          <a:xfrm rot="19636966">
+            <a:off x="2850389" y="2242533"/>
+            <a:ext cx="2197735" cy="271145"/>
+          </a:xfrm>
+          <a:prstGeom prst="rect">
+            <a:avLst/>
+          </a:prstGeom>
+          <a:noFill/>
+          <a:ln w="6350">
+            <a:noFill/>
+          </a:ln>
+          <a:effectLst/>
+        </p:spPr>
+        <p:txBody>
+          <a:bodyPr rot="0" spcFirstLastPara="0" vert="horz" wrap="square" lIns="91440" tIns="45720" rIns="91440" bIns="45720" numCol="1" spcCol="0" rtlCol="0" fromWordArt="0" anchor="t" anchorCtr="0" forceAA="0" compatLnSpc="1">
+            <a:prstTxWarp prst="textNoShape">
+              <a:avLst/>
+            </a:prstTxWarp>
+            <a:noAutofit/>
+          </a:bodyPr>
+          <a:lstStyle/>
+          <a:p>
+            <a:pPr marL="0" marR="0" lvl="0" indent="0" algn="ctr" defTabSz="914400" eaLnBrk="1" fontAlgn="auto" latinLnBrk="0" hangingPunct="1">
+              <a:lnSpc>
+                <a:spcPct val="115000"/>
+              </a:lnSpc>
+              <a:spcBef>
+                <a:spcPts val="0"/>
+              </a:spcBef>
+              <a:spcAft>
+                <a:spcPts val="1000"/>
+              </a:spcAft>
+              <a:buClrTx/>
+              <a:buSzTx/>
+              <a:buFontTx/>
+              <a:buNone/>
+              <a:tabLst/>
+              <a:defRPr/>
+            </a:pPr>
+            <a:r>
+              <a:rPr kumimoji="0" lang="en-US" sz="1100" b="0" i="0" u="none" strike="noStrike" kern="0" cap="none" spc="0" normalizeH="0" baseline="0" noProof="0" dirty="0">
+                <a:ln>
+                  <a:noFill/>
+                </a:ln>
+                <a:solidFill>
+                  <a:sysClr val="windowText" lastClr="000000"/>
+                </a:solidFill>
+                <a:effectLst/>
+                <a:uLnTx/>
+                <a:uFillTx/>
+                <a:latin typeface="Calibri"/>
+                <a:ea typeface="Calibri"/>
+                <a:cs typeface="Arial"/>
+              </a:rPr>
+              <a:t>(8) User Profile page</a:t>
+            </a:r>
+          </a:p>
+        </p:txBody>
+      </p:sp>
+      <p:sp>
+        <p:nvSpPr>
+          <p:cNvPr id="42" name="Text Box 45"/>
+          <p:cNvSpPr txBox="1"/>
+          <p:nvPr/>
+        </p:nvSpPr>
+        <p:spPr>
+          <a:xfrm rot="19636966">
+            <a:off x="2920239" y="2409538"/>
+            <a:ext cx="2197735" cy="271145"/>
+          </a:xfrm>
+          <a:prstGeom prst="rect">
+            <a:avLst/>
+          </a:prstGeom>
+          <a:noFill/>
+          <a:ln w="6350">
+            <a:noFill/>
+          </a:ln>
+          <a:effectLst/>
+        </p:spPr>
+        <p:txBody>
+          <a:bodyPr rot="0" spcFirstLastPara="0" vert="horz" wrap="square" lIns="91440" tIns="45720" rIns="91440" bIns="45720" numCol="1" spcCol="0" rtlCol="0" fromWordArt="0" anchor="t" anchorCtr="0" forceAA="0" compatLnSpc="1">
+            <a:prstTxWarp prst="textNoShape">
+              <a:avLst/>
+            </a:prstTxWarp>
+            <a:noAutofit/>
+          </a:bodyPr>
+          <a:lstStyle/>
+          <a:p>
+            <a:pPr marL="0" marR="0" lvl="0" indent="0" algn="ctr" defTabSz="914400" eaLnBrk="1" fontAlgn="auto" latinLnBrk="0" hangingPunct="1">
+              <a:lnSpc>
+                <a:spcPct val="115000"/>
+              </a:lnSpc>
+              <a:spcBef>
+                <a:spcPts val="0"/>
+              </a:spcBef>
+              <a:spcAft>
+                <a:spcPts val="1000"/>
+              </a:spcAft>
+              <a:buClrTx/>
+              <a:buSzTx/>
+              <a:buFontTx/>
+              <a:buNone/>
+              <a:tabLst/>
+              <a:defRPr/>
+            </a:pPr>
+            <a:r>
+              <a:rPr kumimoji="0" lang="en-US" sz="1100" b="0" i="0" u="none" strike="noStrike" kern="0" cap="none" spc="0" normalizeH="0" baseline="0" noProof="0">
+                <a:ln>
+                  <a:noFill/>
+                </a:ln>
+                <a:solidFill>
+                  <a:sysClr val="windowText" lastClr="000000"/>
+                </a:solidFill>
+                <a:effectLst/>
+                <a:uLnTx/>
+                <a:uFillTx/>
+                <a:latin typeface="Calibri"/>
+                <a:ea typeface="Calibri"/>
+                <a:cs typeface="Arial"/>
+              </a:rPr>
+              <a:t>(7) User info</a:t>
+            </a:r>
+          </a:p>
+        </p:txBody>
+      </p:sp>
+      <p:sp>
+        <p:nvSpPr>
+          <p:cNvPr id="43" name="Text Box 46"/>
+          <p:cNvSpPr txBox="1"/>
+          <p:nvPr/>
+        </p:nvSpPr>
+        <p:spPr>
+          <a:xfrm rot="19636966">
+            <a:off x="3060574" y="2480658"/>
+            <a:ext cx="2197735" cy="271145"/>
+          </a:xfrm>
+          <a:prstGeom prst="rect">
+            <a:avLst/>
+          </a:prstGeom>
+          <a:noFill/>
+          <a:ln w="6350">
+            <a:noFill/>
+          </a:ln>
+          <a:effectLst/>
+        </p:spPr>
+        <p:txBody>
+          <a:bodyPr rot="0" spcFirstLastPara="0" vert="horz" wrap="square" lIns="91440" tIns="45720" rIns="91440" bIns="45720" numCol="1" spcCol="0" rtlCol="0" fromWordArt="0" anchor="t" anchorCtr="0" forceAA="0" compatLnSpc="1">
+            <a:prstTxWarp prst="textNoShape">
+              <a:avLst/>
+            </a:prstTxWarp>
+            <a:noAutofit/>
+          </a:bodyPr>
+          <a:lstStyle/>
+          <a:p>
+            <a:pPr marL="0" marR="0" lvl="0" indent="0" algn="ctr" defTabSz="914400" eaLnBrk="1" fontAlgn="auto" latinLnBrk="0" hangingPunct="1">
+              <a:lnSpc>
+                <a:spcPct val="115000"/>
+              </a:lnSpc>
+              <a:spcBef>
+                <a:spcPts val="0"/>
+              </a:spcBef>
+              <a:spcAft>
+                <a:spcPts val="1000"/>
+              </a:spcAft>
+              <a:buClrTx/>
+              <a:buSzTx/>
+              <a:buFontTx/>
+              <a:buNone/>
+              <a:tabLst/>
+              <a:defRPr/>
+            </a:pPr>
+            <a:r>
+              <a:rPr kumimoji="0" lang="en-US" sz="1100" b="0" i="0" u="none" strike="noStrike" kern="0" cap="none" spc="0" normalizeH="0" baseline="0" noProof="0" dirty="0">
+                <a:ln>
+                  <a:noFill/>
+                </a:ln>
+                <a:solidFill>
+                  <a:sysClr val="windowText" lastClr="000000"/>
+                </a:solidFill>
+                <a:effectLst/>
+                <a:uLnTx/>
+                <a:uFillTx/>
+                <a:latin typeface="Calibri"/>
+                <a:ea typeface="Calibri"/>
+                <a:cs typeface="Arial"/>
+              </a:rPr>
+              <a:t>(6) SP user registration page</a:t>
+            </a:r>
+          </a:p>
+        </p:txBody>
+      </p:sp>
     </p:spTree>
     <p:extLst>
       <p:ext uri="{BB962C8B-B14F-4D97-AF65-F5344CB8AC3E}">
@@ -6346,39 +7595,21 @@
                                   </p:childTnLst>
                                 </p:cTn>
                               </p:par>
-                            </p:childTnLst>
-                          </p:cTn>
-                        </p:par>
-                      </p:childTnLst>
-                    </p:cTn>
-                  </p:par>
-                  <p:par>
-                    <p:cTn id="29" fill="hold">
-                      <p:stCondLst>
-                        <p:cond delay="indefinite"/>
-                      </p:stCondLst>
-                      <p:childTnLst>
-                        <p:par>
-                          <p:cTn id="30" fill="hold">
-                            <p:stCondLst>
-                              <p:cond delay="0"/>
-                            </p:stCondLst>
-                            <p:childTnLst>
                               <p:par>
-                                <p:cTn id="31" presetID="22" presetClass="entr" presetSubtype="4" fill="hold" nodeType="clickEffect">
+                                <p:cTn id="29" presetID="22" presetClass="entr" presetSubtype="4" fill="hold" grpId="0" nodeType="withEffect">
                                   <p:stCondLst>
                                     <p:cond delay="0"/>
                                   </p:stCondLst>
                                   <p:childTnLst>
                                     <p:set>
                                       <p:cBhvr>
-                                        <p:cTn id="32" dur="1" fill="hold">
+                                        <p:cTn id="30" dur="1" fill="hold">
                                           <p:stCondLst>
                                             <p:cond delay="0"/>
                                           </p:stCondLst>
                                         </p:cTn>
                                         <p:tgtEl>
-                                          <p:spTgt spid="14"/>
+                                          <p:spTgt spid="11"/>
                                         </p:tgtEl>
                                         <p:attrNameLst>
                                           <p:attrName>style.visibility</p:attrName>
@@ -6390,42 +7621,7 @@
                                     </p:set>
                                     <p:animEffect transition="in" filter="wipe(down)">
                                       <p:cBhvr>
-                                        <p:cTn id="33" dur="500"/>
-                                        <p:tgtEl>
-                                          <p:spTgt spid="14"/>
-                                        </p:tgtEl>
-                                      </p:cBhvr>
-                                    </p:animEffect>
-                                  </p:childTnLst>
-                                </p:cTn>
-                              </p:par>
-                              <p:par>
-                                <p:cTn id="34" presetID="22" presetClass="entr" presetSubtype="4" fill="hold" grpId="0" nodeType="withEffect">
-                                  <p:stCondLst>
-                                    <p:cond delay="0"/>
-                                  </p:stCondLst>
-                                  <p:childTnLst>
-                                    <p:set>
-                                      <p:cBhvr>
-                                        <p:cTn id="35" dur="1" fill="hold">
-                                          <p:stCondLst>
-                                            <p:cond delay="0"/>
-                                          </p:stCondLst>
-                                        </p:cTn>
-                                        <p:tgtEl>
-                                          <p:spTgt spid="11"/>
-                                        </p:tgtEl>
-                                        <p:attrNameLst>
-                                          <p:attrName>style.visibility</p:attrName>
-                                        </p:attrNameLst>
-                                      </p:cBhvr>
-                                      <p:to>
-                                        <p:strVal val="visible"/>
-                                      </p:to>
-                                    </p:set>
-                                    <p:animEffect transition="in" filter="wipe(down)">
-                                      <p:cBhvr>
-                                        <p:cTn id="36" dur="500"/>
+                                        <p:cTn id="31" dur="500"/>
                                         <p:tgtEl>
                                           <p:spTgt spid="11"/>
                                         </p:tgtEl>
@@ -6441,32 +7637,32 @@
                     </p:cTn>
                   </p:par>
                   <p:par>
-                    <p:cTn id="37" fill="hold">
+                    <p:cTn id="32" fill="hold">
                       <p:stCondLst>
                         <p:cond delay="indefinite"/>
                       </p:stCondLst>
                       <p:childTnLst>
                         <p:par>
-                          <p:cTn id="38" fill="hold">
+                          <p:cTn id="33" fill="hold">
                             <p:stCondLst>
                               <p:cond delay="0"/>
                             </p:stCondLst>
                             <p:childTnLst>
                               <p:par>
-                                <p:cTn id="39" presetID="22" presetClass="entr" presetSubtype="1" fill="hold" nodeType="clickEffect">
+                                <p:cTn id="34" presetID="22" presetClass="entr" presetSubtype="4" fill="hold" nodeType="clickEffect">
                                   <p:stCondLst>
                                     <p:cond delay="0"/>
                                   </p:stCondLst>
                                   <p:childTnLst>
                                     <p:set>
                                       <p:cBhvr>
-                                        <p:cTn id="40" dur="1" fill="hold">
+                                        <p:cTn id="35" dur="1" fill="hold">
                                           <p:stCondLst>
                                             <p:cond delay="0"/>
                                           </p:stCondLst>
                                         </p:cTn>
                                         <p:tgtEl>
-                                          <p:spTgt spid="19"/>
+                                          <p:spTgt spid="14"/>
                                         </p:tgtEl>
                                         <p:attrNameLst>
                                           <p:attrName>style.visibility</p:attrName>
@@ -6476,11 +7672,46 @@
                                         <p:strVal val="visible"/>
                                       </p:to>
                                     </p:set>
-                                    <p:animEffect transition="in" filter="wipe(up)">
-                                      <p:cBhvr>
-                                        <p:cTn id="41" dur="500"/>
-                                        <p:tgtEl>
-                                          <p:spTgt spid="19"/>
+                                    <p:animEffect transition="in" filter="wipe(down)">
+                                      <p:cBhvr>
+                                        <p:cTn id="36" dur="500"/>
+                                        <p:tgtEl>
+                                          <p:spTgt spid="14"/>
+                                        </p:tgtEl>
+                                      </p:cBhvr>
+                                    </p:animEffect>
+                                  </p:childTnLst>
+                                </p:cTn>
+                              </p:par>
+                              <p:par>
+                                <p:cTn id="37" presetID="22" presetClass="entr" presetSubtype="8" fill="hold" grpId="0" nodeType="withEffect">
+                                  <p:stCondLst>
+                                    <p:cond delay="0"/>
+                                  </p:stCondLst>
+                                  <p:childTnLst>
+                                    <p:set>
+                                      <p:cBhvr>
+                                        <p:cTn id="38" dur="1" fill="hold">
+                                          <p:stCondLst>
+                                            <p:cond delay="0"/>
+                                          </p:stCondLst>
+                                        </p:cTn>
+                                        <p:tgtEl>
+                                          <p:spTgt spid="37"/>
+                                        </p:tgtEl>
+                                        <p:attrNameLst>
+                                          <p:attrName>style.visibility</p:attrName>
+                                        </p:attrNameLst>
+                                      </p:cBhvr>
+                                      <p:to>
+                                        <p:strVal val="visible"/>
+                                      </p:to>
+                                    </p:set>
+                                    <p:animEffect transition="in" filter="wipe(left)">
+                                      <p:cBhvr>
+                                        <p:cTn id="39" dur="500"/>
+                                        <p:tgtEl>
+                                          <p:spTgt spid="37"/>
                                         </p:tgtEl>
                                       </p:cBhvr>
                                     </p:animEffect>
@@ -6494,32 +7725,32 @@
                     </p:cTn>
                   </p:par>
                   <p:par>
-                    <p:cTn id="42" fill="hold">
+                    <p:cTn id="40" fill="hold">
                       <p:stCondLst>
                         <p:cond delay="indefinite"/>
                       </p:stCondLst>
                       <p:childTnLst>
                         <p:par>
-                          <p:cTn id="43" fill="hold">
+                          <p:cTn id="41" fill="hold">
                             <p:stCondLst>
                               <p:cond delay="0"/>
                             </p:stCondLst>
                             <p:childTnLst>
                               <p:par>
-                                <p:cTn id="44" presetID="22" presetClass="entr" presetSubtype="1" fill="hold" nodeType="clickEffect">
+                                <p:cTn id="42" presetID="22" presetClass="entr" presetSubtype="1" fill="hold" nodeType="clickEffect">
                                   <p:stCondLst>
                                     <p:cond delay="0"/>
                                   </p:stCondLst>
                                   <p:childTnLst>
                                     <p:set>
                                       <p:cBhvr>
-                                        <p:cTn id="45" dur="1" fill="hold">
+                                        <p:cTn id="43" dur="1" fill="hold">
                                           <p:stCondLst>
                                             <p:cond delay="0"/>
                                           </p:stCondLst>
                                         </p:cTn>
                                         <p:tgtEl>
-                                          <p:spTgt spid="13"/>
+                                          <p:spTgt spid="19"/>
                                         </p:tgtEl>
                                         <p:attrNameLst>
                                           <p:attrName>style.visibility</p:attrName>
@@ -6531,9 +7762,44 @@
                                     </p:set>
                                     <p:animEffect transition="in" filter="wipe(up)">
                                       <p:cBhvr>
-                                        <p:cTn id="46" dur="500"/>
-                                        <p:tgtEl>
-                                          <p:spTgt spid="13"/>
+                                        <p:cTn id="44" dur="500"/>
+                                        <p:tgtEl>
+                                          <p:spTgt spid="19"/>
+                                        </p:tgtEl>
+                                      </p:cBhvr>
+                                    </p:animEffect>
+                                  </p:childTnLst>
+                                </p:cTn>
+                              </p:par>
+                              <p:par>
+                                <p:cTn id="45" presetID="22" presetClass="entr" presetSubtype="2" fill="hold" grpId="0" nodeType="withEffect">
+                                  <p:stCondLst>
+                                    <p:cond delay="0"/>
+                                  </p:stCondLst>
+                                  <p:childTnLst>
+                                    <p:set>
+                                      <p:cBhvr>
+                                        <p:cTn id="46" dur="1" fill="hold">
+                                          <p:stCondLst>
+                                            <p:cond delay="0"/>
+                                          </p:stCondLst>
+                                        </p:cTn>
+                                        <p:tgtEl>
+                                          <p:spTgt spid="38"/>
+                                        </p:tgtEl>
+                                        <p:attrNameLst>
+                                          <p:attrName>style.visibility</p:attrName>
+                                        </p:attrNameLst>
+                                      </p:cBhvr>
+                                      <p:to>
+                                        <p:strVal val="visible"/>
+                                      </p:to>
+                                    </p:set>
+                                    <p:animEffect transition="in" filter="wipe(right)">
+                                      <p:cBhvr>
+                                        <p:cTn id="47" dur="500"/>
+                                        <p:tgtEl>
+                                          <p:spTgt spid="38"/>
                                         </p:tgtEl>
                                       </p:cBhvr>
                                     </p:animEffect>
@@ -6547,32 +7813,32 @@
                     </p:cTn>
                   </p:par>
                   <p:par>
-                    <p:cTn id="47" fill="hold">
+                    <p:cTn id="48" fill="hold">
                       <p:stCondLst>
                         <p:cond delay="indefinite"/>
                       </p:stCondLst>
                       <p:childTnLst>
                         <p:par>
-                          <p:cTn id="48" fill="hold">
+                          <p:cTn id="49" fill="hold">
                             <p:stCondLst>
                               <p:cond delay="0"/>
                             </p:stCondLst>
                             <p:childTnLst>
                               <p:par>
-                                <p:cTn id="49" presetID="22" presetClass="entr" presetSubtype="4" fill="hold" nodeType="clickEffect">
+                                <p:cTn id="50" presetID="22" presetClass="entr" presetSubtype="1" fill="hold" nodeType="clickEffect">
                                   <p:stCondLst>
                                     <p:cond delay="0"/>
                                   </p:stCondLst>
                                   <p:childTnLst>
                                     <p:set>
                                       <p:cBhvr>
-                                        <p:cTn id="50" dur="1" fill="hold">
+                                        <p:cTn id="51" dur="1" fill="hold">
                                           <p:stCondLst>
                                             <p:cond delay="0"/>
                                           </p:stCondLst>
                                         </p:cTn>
                                         <p:tgtEl>
-                                          <p:spTgt spid="15"/>
+                                          <p:spTgt spid="13"/>
                                         </p:tgtEl>
                                         <p:attrNameLst>
                                           <p:attrName>style.visibility</p:attrName>
@@ -6582,11 +7848,46 @@
                                         <p:strVal val="visible"/>
                                       </p:to>
                                     </p:set>
-                                    <p:animEffect transition="in" filter="wipe(down)">
-                                      <p:cBhvr>
-                                        <p:cTn id="51" dur="500"/>
-                                        <p:tgtEl>
-                                          <p:spTgt spid="15"/>
+                                    <p:animEffect transition="in" filter="wipe(up)">
+                                      <p:cBhvr>
+                                        <p:cTn id="52" dur="500"/>
+                                        <p:tgtEl>
+                                          <p:spTgt spid="13"/>
+                                        </p:tgtEl>
+                                      </p:cBhvr>
+                                    </p:animEffect>
+                                  </p:childTnLst>
+                                </p:cTn>
+                              </p:par>
+                              <p:par>
+                                <p:cTn id="53" presetID="22" presetClass="entr" presetSubtype="8" fill="hold" grpId="0" nodeType="withEffect">
+                                  <p:stCondLst>
+                                    <p:cond delay="0"/>
+                                  </p:stCondLst>
+                                  <p:childTnLst>
+                                    <p:set>
+                                      <p:cBhvr>
+                                        <p:cTn id="54" dur="1" fill="hold">
+                                          <p:stCondLst>
+                                            <p:cond delay="0"/>
+                                          </p:stCondLst>
+                                        </p:cTn>
+                                        <p:tgtEl>
+                                          <p:spTgt spid="27"/>
+                                        </p:tgtEl>
+                                        <p:attrNameLst>
+                                          <p:attrName>style.visibility</p:attrName>
+                                        </p:attrNameLst>
+                                      </p:cBhvr>
+                                      <p:to>
+                                        <p:strVal val="visible"/>
+                                      </p:to>
+                                    </p:set>
+                                    <p:animEffect transition="in" filter="wipe(left)">
+                                      <p:cBhvr>
+                                        <p:cTn id="55" dur="500"/>
+                                        <p:tgtEl>
+                                          <p:spTgt spid="27"/>
                                         </p:tgtEl>
                                       </p:cBhvr>
                                     </p:animEffect>
@@ -6600,32 +7901,32 @@
                     </p:cTn>
                   </p:par>
                   <p:par>
-                    <p:cTn id="52" fill="hold">
+                    <p:cTn id="56" fill="hold">
                       <p:stCondLst>
                         <p:cond delay="indefinite"/>
                       </p:stCondLst>
                       <p:childTnLst>
                         <p:par>
-                          <p:cTn id="53" fill="hold">
+                          <p:cTn id="57" fill="hold">
                             <p:stCondLst>
                               <p:cond delay="0"/>
                             </p:stCondLst>
                             <p:childTnLst>
                               <p:par>
-                                <p:cTn id="54" presetID="22" presetClass="entr" presetSubtype="1" fill="hold" nodeType="clickEffect">
+                                <p:cTn id="58" presetID="22" presetClass="entr" presetSubtype="4" fill="hold" nodeType="clickEffect">
                                   <p:stCondLst>
                                     <p:cond delay="0"/>
                                   </p:stCondLst>
                                   <p:childTnLst>
                                     <p:set>
                                       <p:cBhvr>
-                                        <p:cTn id="55" dur="1" fill="hold">
+                                        <p:cTn id="59" dur="1" fill="hold">
                                           <p:stCondLst>
                                             <p:cond delay="0"/>
                                           </p:stCondLst>
                                         </p:cTn>
                                         <p:tgtEl>
-                                          <p:spTgt spid="16"/>
+                                          <p:spTgt spid="15"/>
                                         </p:tgtEl>
                                         <p:attrNameLst>
                                           <p:attrName>style.visibility</p:attrName>
@@ -6635,11 +7936,46 @@
                                         <p:strVal val="visible"/>
                                       </p:to>
                                     </p:set>
-                                    <p:animEffect transition="in" filter="wipe(up)">
-                                      <p:cBhvr>
-                                        <p:cTn id="56" dur="500"/>
-                                        <p:tgtEl>
-                                          <p:spTgt spid="16"/>
+                                    <p:animEffect transition="in" filter="wipe(down)">
+                                      <p:cBhvr>
+                                        <p:cTn id="60" dur="500"/>
+                                        <p:tgtEl>
+                                          <p:spTgt spid="15"/>
+                                        </p:tgtEl>
+                                      </p:cBhvr>
+                                    </p:animEffect>
+                                  </p:childTnLst>
+                                </p:cTn>
+                              </p:par>
+                              <p:par>
+                                <p:cTn id="61" presetID="22" presetClass="entr" presetSubtype="2" fill="hold" grpId="0" nodeType="withEffect">
+                                  <p:stCondLst>
+                                    <p:cond delay="0"/>
+                                  </p:stCondLst>
+                                  <p:childTnLst>
+                                    <p:set>
+                                      <p:cBhvr>
+                                        <p:cTn id="62" dur="1" fill="hold">
+                                          <p:stCondLst>
+                                            <p:cond delay="0"/>
+                                          </p:stCondLst>
+                                        </p:cTn>
+                                        <p:tgtEl>
+                                          <p:spTgt spid="28"/>
+                                        </p:tgtEl>
+                                        <p:attrNameLst>
+                                          <p:attrName>style.visibility</p:attrName>
+                                        </p:attrNameLst>
+                                      </p:cBhvr>
+                                      <p:to>
+                                        <p:strVal val="visible"/>
+                                      </p:to>
+                                    </p:set>
+                                    <p:animEffect transition="in" filter="wipe(right)">
+                                      <p:cBhvr>
+                                        <p:cTn id="63" dur="500"/>
+                                        <p:tgtEl>
+                                          <p:spTgt spid="28"/>
                                         </p:tgtEl>
                                       </p:cBhvr>
                                     </p:animEffect>
@@ -6653,32 +7989,32 @@
                     </p:cTn>
                   </p:par>
                   <p:par>
-                    <p:cTn id="57" fill="hold">
+                    <p:cTn id="64" fill="hold">
                       <p:stCondLst>
                         <p:cond delay="indefinite"/>
                       </p:stCondLst>
                       <p:childTnLst>
                         <p:par>
-                          <p:cTn id="58" fill="hold">
+                          <p:cTn id="65" fill="hold">
                             <p:stCondLst>
                               <p:cond delay="0"/>
                             </p:stCondLst>
                             <p:childTnLst>
                               <p:par>
-                                <p:cTn id="59" presetID="22" presetClass="entr" presetSubtype="4" fill="hold" nodeType="clickEffect">
+                                <p:cTn id="66" presetID="22" presetClass="entr" presetSubtype="1" fill="hold" nodeType="clickEffect">
                                   <p:stCondLst>
                                     <p:cond delay="0"/>
                                   </p:stCondLst>
                                   <p:childTnLst>
                                     <p:set>
                                       <p:cBhvr>
-                                        <p:cTn id="60" dur="1" fill="hold">
+                                        <p:cTn id="67" dur="1" fill="hold">
                                           <p:stCondLst>
                                             <p:cond delay="0"/>
                                           </p:stCondLst>
                                         </p:cTn>
                                         <p:tgtEl>
-                                          <p:spTgt spid="17"/>
+                                          <p:spTgt spid="16"/>
                                         </p:tgtEl>
                                         <p:attrNameLst>
                                           <p:attrName>style.visibility</p:attrName>
@@ -6688,103 +8024,32 @@
                                         <p:strVal val="visible"/>
                                       </p:to>
                                     </p:set>
-                                    <p:animEffect transition="in" filter="wipe(down)">
-                                      <p:cBhvr>
-                                        <p:cTn id="61" dur="500"/>
-                                        <p:tgtEl>
-                                          <p:spTgt spid="17"/>
+                                    <p:animEffect transition="in" filter="wipe(up)">
+                                      <p:cBhvr>
+                                        <p:cTn id="68" dur="500"/>
+                                        <p:tgtEl>
+                                          <p:spTgt spid="16"/>
                                         </p:tgtEl>
                                       </p:cBhvr>
                                     </p:animEffect>
                                   </p:childTnLst>
                                 </p:cTn>
                               </p:par>
-                            </p:childTnLst>
-                          </p:cTn>
-                        </p:par>
-                      </p:childTnLst>
-                    </p:cTn>
-                  </p:par>
-                  <p:par>
-                    <p:cTn id="62" fill="hold">
-                      <p:stCondLst>
-                        <p:cond delay="indefinite"/>
-                      </p:stCondLst>
-                      <p:childTnLst>
-                        <p:par>
-                          <p:cTn id="63" fill="hold">
-                            <p:stCondLst>
-                              <p:cond delay="0"/>
-                            </p:stCondLst>
-                            <p:childTnLst>
                               <p:par>
-                                <p:cTn id="64" presetID="22" presetClass="entr" presetSubtype="4" fill="hold" nodeType="clickEffect">
+                                <p:cTn id="69" presetID="22" presetClass="entr" presetSubtype="8" fill="hold" grpId="0" nodeType="withEffect">
                                   <p:stCondLst>
                                     <p:cond delay="0"/>
                                   </p:stCondLst>
                                   <p:childTnLst>
                                     <p:set>
                                       <p:cBhvr>
-                                        <p:cTn id="65" dur="1" fill="hold">
-                                          <p:stCondLst>
-                                            <p:cond delay="0"/>
-                                          </p:stCondLst>
-                                        </p:cTn>
-                                        <p:tgtEl>
-                                          <p:spTgt spid="18"/>
-                                        </p:tgtEl>
-                                        <p:attrNameLst>
-                                          <p:attrName>style.visibility</p:attrName>
-                                        </p:attrNameLst>
-                                      </p:cBhvr>
-                                      <p:to>
-                                        <p:strVal val="visible"/>
-                                      </p:to>
-                                    </p:set>
-                                    <p:animEffect transition="in" filter="wipe(down)">
-                                      <p:cBhvr>
-                                        <p:cTn id="66" dur="500"/>
-                                        <p:tgtEl>
-                                          <p:spTgt spid="18"/>
-                                        </p:tgtEl>
-                                      </p:cBhvr>
-                                    </p:animEffect>
-                                  </p:childTnLst>
-                                </p:cTn>
-                              </p:par>
-                            </p:childTnLst>
-                          </p:cTn>
-                        </p:par>
-                      </p:childTnLst>
-                    </p:cTn>
-                  </p:par>
-                  <p:par>
-                    <p:cTn id="67" fill="hold">
-                      <p:stCondLst>
-                        <p:cond delay="indefinite"/>
-                      </p:stCondLst>
-                      <p:childTnLst>
-                        <p:par>
-                          <p:cTn id="68" fill="hold">
-                            <p:stCondLst>
-                              <p:cond delay="0"/>
-                            </p:stCondLst>
-                            <p:childTnLst>
-                              <p:par>
-                                <p:cTn id="69" presetID="22" presetClass="entr" presetSubtype="1" fill="hold" nodeType="clickEffect">
-                                  <p:stCondLst>
-                                    <p:cond delay="0"/>
-                                  </p:stCondLst>
-                                  <p:childTnLst>
-                                    <p:set>
-                                      <p:cBhvr>
                                         <p:cTn id="70" dur="1" fill="hold">
                                           <p:stCondLst>
                                             <p:cond delay="0"/>
                                           </p:stCondLst>
                                         </p:cTn>
                                         <p:tgtEl>
-                                          <p:spTgt spid="20"/>
+                                          <p:spTgt spid="29"/>
                                         </p:tgtEl>
                                         <p:attrNameLst>
                                           <p:attrName>style.visibility</p:attrName>
@@ -6794,11 +8059,11 @@
                                         <p:strVal val="visible"/>
                                       </p:to>
                                     </p:set>
-                                    <p:animEffect transition="in" filter="wipe(up)">
+                                    <p:animEffect transition="in" filter="wipe(left)">
                                       <p:cBhvr>
                                         <p:cTn id="71" dur="500"/>
                                         <p:tgtEl>
-                                          <p:spTgt spid="20"/>
+                                          <p:spTgt spid="29"/>
                                         </p:tgtEl>
                                       </p:cBhvr>
                                     </p:animEffect>
@@ -6837,7 +8102,7 @@
                                           </p:stCondLst>
                                         </p:cTn>
                                         <p:tgtEl>
-                                          <p:spTgt spid="24"/>
+                                          <p:spTgt spid="17"/>
                                         </p:tgtEl>
                                         <p:attrNameLst>
                                           <p:attrName>style.visibility</p:attrName>
@@ -6851,7 +8116,42 @@
                                       <p:cBhvr>
                                         <p:cTn id="76" dur="500"/>
                                         <p:tgtEl>
-                                          <p:spTgt spid="24"/>
+                                          <p:spTgt spid="17"/>
+                                        </p:tgtEl>
+                                      </p:cBhvr>
+                                    </p:animEffect>
+                                  </p:childTnLst>
+                                </p:cTn>
+                              </p:par>
+                              <p:par>
+                                <p:cTn id="77" presetID="22" presetClass="entr" presetSubtype="2" fill="hold" grpId="0" nodeType="withEffect">
+                                  <p:stCondLst>
+                                    <p:cond delay="0"/>
+                                  </p:stCondLst>
+                                  <p:childTnLst>
+                                    <p:set>
+                                      <p:cBhvr>
+                                        <p:cTn id="78" dur="1" fill="hold">
+                                          <p:stCondLst>
+                                            <p:cond delay="0"/>
+                                          </p:stCondLst>
+                                        </p:cTn>
+                                        <p:tgtEl>
+                                          <p:spTgt spid="30"/>
+                                        </p:tgtEl>
+                                        <p:attrNameLst>
+                                          <p:attrName>style.visibility</p:attrName>
+                                        </p:attrNameLst>
+                                      </p:cBhvr>
+                                      <p:to>
+                                        <p:strVal val="visible"/>
+                                      </p:to>
+                                    </p:set>
+                                    <p:animEffect transition="in" filter="wipe(right)">
+                                      <p:cBhvr>
+                                        <p:cTn id="79" dur="500"/>
+                                        <p:tgtEl>
+                                          <p:spTgt spid="30"/>
                                         </p:tgtEl>
                                       </p:cBhvr>
                                     </p:animEffect>
@@ -6865,32 +8165,120 @@
                     </p:cTn>
                   </p:par>
                   <p:par>
-                    <p:cTn id="77" fill="hold">
+                    <p:cTn id="80" fill="hold">
                       <p:stCondLst>
                         <p:cond delay="indefinite"/>
                       </p:stCondLst>
                       <p:childTnLst>
                         <p:par>
-                          <p:cTn id="78" fill="hold">
+                          <p:cTn id="81" fill="hold">
                             <p:stCondLst>
                               <p:cond delay="0"/>
                             </p:stCondLst>
                             <p:childTnLst>
                               <p:par>
-                                <p:cTn id="79" presetID="22" presetClass="entr" presetSubtype="1" fill="hold" nodeType="clickEffect">
+                                <p:cTn id="82" presetID="22" presetClass="entr" presetSubtype="4" fill="hold" nodeType="clickEffect">
                                   <p:stCondLst>
                                     <p:cond delay="0"/>
                                   </p:stCondLst>
                                   <p:childTnLst>
                                     <p:set>
                                       <p:cBhvr>
-                                        <p:cTn id="80" dur="1" fill="hold">
+                                        <p:cTn id="83" dur="1" fill="hold">
                                           <p:stCondLst>
                                             <p:cond delay="0"/>
                                           </p:stCondLst>
                                         </p:cTn>
                                         <p:tgtEl>
-                                          <p:spTgt spid="40"/>
+                                          <p:spTgt spid="18"/>
+                                        </p:tgtEl>
+                                        <p:attrNameLst>
+                                          <p:attrName>style.visibility</p:attrName>
+                                        </p:attrNameLst>
+                                      </p:cBhvr>
+                                      <p:to>
+                                        <p:strVal val="visible"/>
+                                      </p:to>
+                                    </p:set>
+                                    <p:animEffect transition="in" filter="wipe(down)">
+                                      <p:cBhvr>
+                                        <p:cTn id="84" dur="500"/>
+                                        <p:tgtEl>
+                                          <p:spTgt spid="18"/>
+                                        </p:tgtEl>
+                                      </p:cBhvr>
+                                    </p:animEffect>
+                                  </p:childTnLst>
+                                </p:cTn>
+                              </p:par>
+                              <p:par>
+                                <p:cTn id="85" presetID="22" presetClass="entr" presetSubtype="8" fill="hold" grpId="0" nodeType="withEffect">
+                                  <p:stCondLst>
+                                    <p:cond delay="0"/>
+                                  </p:stCondLst>
+                                  <p:childTnLst>
+                                    <p:set>
+                                      <p:cBhvr>
+                                        <p:cTn id="86" dur="1" fill="hold">
+                                          <p:stCondLst>
+                                            <p:cond delay="0"/>
+                                          </p:stCondLst>
+                                        </p:cTn>
+                                        <p:tgtEl>
+                                          <p:spTgt spid="39"/>
+                                        </p:tgtEl>
+                                        <p:attrNameLst>
+                                          <p:attrName>style.visibility</p:attrName>
+                                        </p:attrNameLst>
+                                      </p:cBhvr>
+                                      <p:to>
+                                        <p:strVal val="visible"/>
+                                      </p:to>
+                                    </p:set>
+                                    <p:animEffect transition="in" filter="wipe(left)">
+                                      <p:cBhvr>
+                                        <p:cTn id="87" dur="500"/>
+                                        <p:tgtEl>
+                                          <p:spTgt spid="39"/>
+                                        </p:tgtEl>
+                                      </p:cBhvr>
+                                    </p:animEffect>
+                                  </p:childTnLst>
+                                </p:cTn>
+                              </p:par>
+                            </p:childTnLst>
+                          </p:cTn>
+                        </p:par>
+                      </p:childTnLst>
+                    </p:cTn>
+                  </p:par>
+                  <p:par>
+                    <p:cTn id="88" fill="hold">
+                      <p:stCondLst>
+                        <p:cond delay="indefinite"/>
+                      </p:stCondLst>
+                      <p:childTnLst>
+                        <p:par>
+                          <p:cTn id="89" fill="hold">
+                            <p:stCondLst>
+                              <p:cond delay="0"/>
+                            </p:stCondLst>
+                            <p:childTnLst>
+                              <p:par>
+                                <p:cTn id="90" presetID="22" presetClass="entr" presetSubtype="1" fill="hold" nodeType="clickEffect">
+                                  <p:stCondLst>
+                                    <p:cond delay="0"/>
+                                  </p:stCondLst>
+                                  <p:childTnLst>
+                                    <p:set>
+                                      <p:cBhvr>
+                                        <p:cTn id="91" dur="1" fill="hold">
+                                          <p:stCondLst>
+                                            <p:cond delay="0"/>
+                                          </p:stCondLst>
+                                        </p:cTn>
+                                        <p:tgtEl>
+                                          <p:spTgt spid="20"/>
                                         </p:tgtEl>
                                         <p:attrNameLst>
                                           <p:attrName>style.visibility</p:attrName>
@@ -6902,9 +8290,220 @@
                                     </p:set>
                                     <p:animEffect transition="in" filter="wipe(up)">
                                       <p:cBhvr>
-                                        <p:cTn id="81" dur="500"/>
+                                        <p:cTn id="92" dur="500"/>
+                                        <p:tgtEl>
+                                          <p:spTgt spid="20"/>
+                                        </p:tgtEl>
+                                      </p:cBhvr>
+                                    </p:animEffect>
+                                  </p:childTnLst>
+                                </p:cTn>
+                              </p:par>
+                              <p:par>
+                                <p:cTn id="93" presetID="22" presetClass="entr" presetSubtype="2" fill="hold" grpId="0" nodeType="withEffect">
+                                  <p:stCondLst>
+                                    <p:cond delay="0"/>
+                                  </p:stCondLst>
+                                  <p:childTnLst>
+                                    <p:set>
+                                      <p:cBhvr>
+                                        <p:cTn id="94" dur="1" fill="hold">
+                                          <p:stCondLst>
+                                            <p:cond delay="0"/>
+                                          </p:stCondLst>
+                                        </p:cTn>
+                                        <p:tgtEl>
+                                          <p:spTgt spid="43"/>
+                                        </p:tgtEl>
+                                        <p:attrNameLst>
+                                          <p:attrName>style.visibility</p:attrName>
+                                        </p:attrNameLst>
+                                      </p:cBhvr>
+                                      <p:to>
+                                        <p:strVal val="visible"/>
+                                      </p:to>
+                                    </p:set>
+                                    <p:animEffect transition="in" filter="wipe(right)">
+                                      <p:cBhvr>
+                                        <p:cTn id="95" dur="500"/>
+                                        <p:tgtEl>
+                                          <p:spTgt spid="43"/>
+                                        </p:tgtEl>
+                                      </p:cBhvr>
+                                    </p:animEffect>
+                                  </p:childTnLst>
+                                </p:cTn>
+                              </p:par>
+                            </p:childTnLst>
+                          </p:cTn>
+                        </p:par>
+                      </p:childTnLst>
+                    </p:cTn>
+                  </p:par>
+                  <p:par>
+                    <p:cTn id="96" fill="hold">
+                      <p:stCondLst>
+                        <p:cond delay="indefinite"/>
+                      </p:stCondLst>
+                      <p:childTnLst>
+                        <p:par>
+                          <p:cTn id="97" fill="hold">
+                            <p:stCondLst>
+                              <p:cond delay="0"/>
+                            </p:stCondLst>
+                            <p:childTnLst>
+                              <p:par>
+                                <p:cTn id="98" presetID="22" presetClass="entr" presetSubtype="4" fill="hold" nodeType="clickEffect">
+                                  <p:stCondLst>
+                                    <p:cond delay="0"/>
+                                  </p:stCondLst>
+                                  <p:childTnLst>
+                                    <p:set>
+                                      <p:cBhvr>
+                                        <p:cTn id="99" dur="1" fill="hold">
+                                          <p:stCondLst>
+                                            <p:cond delay="0"/>
+                                          </p:stCondLst>
+                                        </p:cTn>
+                                        <p:tgtEl>
+                                          <p:spTgt spid="24"/>
+                                        </p:tgtEl>
+                                        <p:attrNameLst>
+                                          <p:attrName>style.visibility</p:attrName>
+                                        </p:attrNameLst>
+                                      </p:cBhvr>
+                                      <p:to>
+                                        <p:strVal val="visible"/>
+                                      </p:to>
+                                    </p:set>
+                                    <p:animEffect transition="in" filter="wipe(down)">
+                                      <p:cBhvr>
+                                        <p:cTn id="100" dur="500"/>
+                                        <p:tgtEl>
+                                          <p:spTgt spid="24"/>
+                                        </p:tgtEl>
+                                      </p:cBhvr>
+                                    </p:animEffect>
+                                  </p:childTnLst>
+                                </p:cTn>
+                              </p:par>
+                              <p:par>
+                                <p:cTn id="101" presetID="22" presetClass="entr" presetSubtype="8" fill="hold" grpId="0" nodeType="withEffect">
+                                  <p:stCondLst>
+                                    <p:cond delay="0"/>
+                                  </p:stCondLst>
+                                  <p:childTnLst>
+                                    <p:set>
+                                      <p:cBhvr>
+                                        <p:cTn id="102" dur="1" fill="hold">
+                                          <p:stCondLst>
+                                            <p:cond delay="0"/>
+                                          </p:stCondLst>
+                                        </p:cTn>
+                                        <p:tgtEl>
+                                          <p:spTgt spid="42"/>
+                                        </p:tgtEl>
+                                        <p:attrNameLst>
+                                          <p:attrName>style.visibility</p:attrName>
+                                        </p:attrNameLst>
+                                      </p:cBhvr>
+                                      <p:to>
+                                        <p:strVal val="visible"/>
+                                      </p:to>
+                                    </p:set>
+                                    <p:animEffect transition="in" filter="wipe(left)">
+                                      <p:cBhvr>
+                                        <p:cTn id="103" dur="500"/>
+                                        <p:tgtEl>
+                                          <p:spTgt spid="42"/>
+                                        </p:tgtEl>
+                                      </p:cBhvr>
+                                    </p:animEffect>
+                                  </p:childTnLst>
+                                </p:cTn>
+                              </p:par>
+                            </p:childTnLst>
+                          </p:cTn>
+                        </p:par>
+                      </p:childTnLst>
+                    </p:cTn>
+                  </p:par>
+                  <p:par>
+                    <p:cTn id="104" fill="hold">
+                      <p:stCondLst>
+                        <p:cond delay="indefinite"/>
+                      </p:stCondLst>
+                      <p:childTnLst>
+                        <p:par>
+                          <p:cTn id="105" fill="hold">
+                            <p:stCondLst>
+                              <p:cond delay="0"/>
+                            </p:stCondLst>
+                            <p:childTnLst>
+                              <p:par>
+                                <p:cTn id="106" presetID="22" presetClass="entr" presetSubtype="1" fill="hold" nodeType="clickEffect">
+                                  <p:stCondLst>
+                                    <p:cond delay="0"/>
+                                  </p:stCondLst>
+                                  <p:childTnLst>
+                                    <p:set>
+                                      <p:cBhvr>
+                                        <p:cTn id="107" dur="1" fill="hold">
+                                          <p:stCondLst>
+                                            <p:cond delay="0"/>
+                                          </p:stCondLst>
+                                        </p:cTn>
                                         <p:tgtEl>
                                           <p:spTgt spid="40"/>
+                                        </p:tgtEl>
+                                        <p:attrNameLst>
+                                          <p:attrName>style.visibility</p:attrName>
+                                        </p:attrNameLst>
+                                      </p:cBhvr>
+                                      <p:to>
+                                        <p:strVal val="visible"/>
+                                      </p:to>
+                                    </p:set>
+                                    <p:animEffect transition="in" filter="wipe(up)">
+                                      <p:cBhvr>
+                                        <p:cTn id="108" dur="500"/>
+                                        <p:tgtEl>
+                                          <p:spTgt spid="40"/>
+                                        </p:tgtEl>
+                                      </p:cBhvr>
+                                    </p:animEffect>
+                                  </p:childTnLst>
+                                </p:cTn>
+                              </p:par>
+                              <p:par>
+                                <p:cTn id="109" presetID="22" presetClass="entr" presetSubtype="2" fill="hold" grpId="0" nodeType="withEffect">
+                                  <p:stCondLst>
+                                    <p:cond delay="0"/>
+                                  </p:stCondLst>
+                                  <p:childTnLst>
+                                    <p:set>
+                                      <p:cBhvr>
+                                        <p:cTn id="110" dur="1" fill="hold">
+                                          <p:stCondLst>
+                                            <p:cond delay="0"/>
+                                          </p:stCondLst>
+                                        </p:cTn>
+                                        <p:tgtEl>
+                                          <p:spTgt spid="41"/>
+                                        </p:tgtEl>
+                                        <p:attrNameLst>
+                                          <p:attrName>style.visibility</p:attrName>
+                                        </p:attrNameLst>
+                                      </p:cBhvr>
+                                      <p:to>
+                                        <p:strVal val="visible"/>
+                                      </p:to>
+                                    </p:set>
+                                    <p:animEffect transition="in" filter="wipe(right)">
+                                      <p:cBhvr>
+                                        <p:cTn id="111" dur="500"/>
+                                        <p:tgtEl>
+                                          <p:spTgt spid="41"/>
                                         </p:tgtEl>
                                       </p:cBhvr>
                                     </p:animEffect>
@@ -6945,6 +8544,16 @@
       <p:bldP spid="7" grpId="0" animBg="1"/>
       <p:bldP spid="11" grpId="0"/>
       <p:bldP spid="12" grpId="0"/>
+      <p:bldP spid="27" grpId="0"/>
+      <p:bldP spid="28" grpId="0"/>
+      <p:bldP spid="29" grpId="0"/>
+      <p:bldP spid="30" grpId="0"/>
+      <p:bldP spid="37" grpId="0"/>
+      <p:bldP spid="38" grpId="0"/>
+      <p:bldP spid="39" grpId="0"/>
+      <p:bldP spid="41" grpId="0"/>
+      <p:bldP spid="42" grpId="0"/>
+      <p:bldP spid="43" grpId="0"/>
     </p:bldLst>
   </p:timing>
 </p:sld>
@@ -7728,6 +9337,565 @@
           </a:fontRef>
         </p:style>
       </p:cxnSp>
+      <p:sp>
+        <p:nvSpPr>
+          <p:cNvPr id="20" name="Text Box 24"/>
+          <p:cNvSpPr txBox="1"/>
+          <p:nvPr/>
+        </p:nvSpPr>
+        <p:spPr>
+          <a:xfrm rot="19774541">
+            <a:off x="3406070" y="2877999"/>
+            <a:ext cx="2424145" cy="416200"/>
+          </a:xfrm>
+          <a:prstGeom prst="rect">
+            <a:avLst/>
+          </a:prstGeom>
+          <a:noFill/>
+          <a:ln w="6350">
+            <a:noFill/>
+          </a:ln>
+          <a:effectLst/>
+        </p:spPr>
+        <p:txBody>
+          <a:bodyPr rot="0" spcFirstLastPara="0" vert="horz" wrap="square" lIns="91440" tIns="45720" rIns="91440" bIns="45720" numCol="1" spcCol="0" rtlCol="0" fromWordArt="0" anchor="t" anchorCtr="0" forceAA="0" compatLnSpc="1">
+            <a:prstTxWarp prst="textNoShape">
+              <a:avLst/>
+            </a:prstTxWarp>
+            <a:noAutofit/>
+          </a:bodyPr>
+          <a:lstStyle/>
+          <a:p>
+            <a:pPr marL="0" marR="0" lvl="0" indent="0" defTabSz="914400" eaLnBrk="1" fontAlgn="auto" latinLnBrk="0" hangingPunct="1">
+              <a:lnSpc>
+                <a:spcPct val="115000"/>
+              </a:lnSpc>
+              <a:spcBef>
+                <a:spcPts val="0"/>
+              </a:spcBef>
+              <a:spcAft>
+                <a:spcPts val="1000"/>
+              </a:spcAft>
+              <a:buClrTx/>
+              <a:buSzTx/>
+              <a:buFontTx/>
+              <a:buNone/>
+              <a:tabLst/>
+              <a:defRPr/>
+            </a:pPr>
+            <a:r>
+              <a:rPr kumimoji="0" lang="en-US" sz="1100" b="0" i="0" u="none" strike="noStrike" kern="0" cap="none" spc="0" normalizeH="0" baseline="0" noProof="0" dirty="0">
+                <a:ln>
+                  <a:noFill/>
+                </a:ln>
+                <a:solidFill>
+                  <a:sysClr val="windowText" lastClr="000000"/>
+                </a:solidFill>
+                <a:effectLst/>
+                <a:uLnTx/>
+                <a:uFillTx/>
+                <a:latin typeface="Calibri"/>
+                <a:ea typeface="Calibri"/>
+                <a:cs typeface="Arial"/>
+              </a:rPr>
+              <a:t>(1) User wants to connect to SP server</a:t>
+            </a:r>
+          </a:p>
+        </p:txBody>
+      </p:sp>
+      <p:sp>
+        <p:nvSpPr>
+          <p:cNvPr id="21" name="Text Box 25"/>
+          <p:cNvSpPr txBox="1"/>
+          <p:nvPr/>
+        </p:nvSpPr>
+        <p:spPr>
+          <a:xfrm rot="19736288">
+            <a:off x="3485475" y="2651230"/>
+            <a:ext cx="2162763" cy="416200"/>
+          </a:xfrm>
+          <a:prstGeom prst="rect">
+            <a:avLst/>
+          </a:prstGeom>
+          <a:noFill/>
+          <a:ln w="6350">
+            <a:noFill/>
+          </a:ln>
+          <a:effectLst/>
+        </p:spPr>
+        <p:txBody>
+          <a:bodyPr rot="0" spcFirstLastPara="0" vert="horz" wrap="square" lIns="91440" tIns="45720" rIns="91440" bIns="45720" numCol="1" spcCol="0" rtlCol="0" fromWordArt="0" anchor="t" anchorCtr="0" forceAA="0" compatLnSpc="1">
+            <a:prstTxWarp prst="textNoShape">
+              <a:avLst/>
+            </a:prstTxWarp>
+            <a:noAutofit/>
+          </a:bodyPr>
+          <a:lstStyle/>
+          <a:p>
+            <a:pPr marL="0" marR="0" lvl="0" indent="0" defTabSz="914400" eaLnBrk="1" fontAlgn="auto" latinLnBrk="0" hangingPunct="1">
+              <a:lnSpc>
+                <a:spcPct val="115000"/>
+              </a:lnSpc>
+              <a:spcBef>
+                <a:spcPts val="0"/>
+              </a:spcBef>
+              <a:spcAft>
+                <a:spcPts val="1000"/>
+              </a:spcAft>
+              <a:buClrTx/>
+              <a:buSzTx/>
+              <a:buFontTx/>
+              <a:buNone/>
+              <a:tabLst/>
+              <a:defRPr/>
+            </a:pPr>
+            <a:r>
+              <a:rPr kumimoji="0" lang="en-US" sz="1100" b="0" i="0" u="none" strike="noStrike" kern="0" cap="none" spc="0" normalizeH="0" baseline="0" noProof="0" dirty="0">
+                <a:ln>
+                  <a:noFill/>
+                </a:ln>
+                <a:solidFill>
+                  <a:sysClr val="windowText" lastClr="000000"/>
+                </a:solidFill>
+                <a:effectLst/>
+                <a:uLnTx/>
+                <a:uFillTx/>
+                <a:latin typeface="Calibri"/>
+                <a:ea typeface="Calibri"/>
+                <a:cs typeface="Arial"/>
+              </a:rPr>
+              <a:t>(2) Redirect to </a:t>
+            </a:r>
+            <a:r>
+              <a:rPr kumimoji="0" lang="en-US" sz="1100" b="0" i="0" u="none" strike="noStrike" kern="0" cap="none" spc="0" normalizeH="0" baseline="0" noProof="0" dirty="0" err="1">
+                <a:ln>
+                  <a:noFill/>
+                </a:ln>
+                <a:solidFill>
+                  <a:sysClr val="windowText" lastClr="000000"/>
+                </a:solidFill>
+                <a:effectLst/>
+                <a:uLnTx/>
+                <a:uFillTx/>
+                <a:latin typeface="Calibri"/>
+                <a:ea typeface="Calibri"/>
+                <a:cs typeface="Arial"/>
+              </a:rPr>
+              <a:t>MyMainServer</a:t>
+            </a:r>
+            <a:endParaRPr kumimoji="0" lang="en-US" sz="1100" b="0" i="0" u="none" strike="noStrike" kern="0" cap="none" spc="0" normalizeH="0" baseline="0" noProof="0" dirty="0">
+              <a:ln>
+                <a:noFill/>
+              </a:ln>
+              <a:solidFill>
+                <a:sysClr val="windowText" lastClr="000000"/>
+              </a:solidFill>
+              <a:effectLst/>
+              <a:uLnTx/>
+              <a:uFillTx/>
+              <a:latin typeface="Calibri"/>
+              <a:ea typeface="Calibri"/>
+              <a:cs typeface="Arial"/>
+            </a:endParaRPr>
+          </a:p>
+        </p:txBody>
+      </p:sp>
+      <p:sp>
+        <p:nvSpPr>
+          <p:cNvPr id="22" name="Text Box 26"/>
+          <p:cNvSpPr txBox="1"/>
+          <p:nvPr/>
+        </p:nvSpPr>
+        <p:spPr>
+          <a:xfrm rot="19811272">
+            <a:off x="4031009" y="2521531"/>
+            <a:ext cx="363689" cy="416200"/>
+          </a:xfrm>
+          <a:prstGeom prst="rect">
+            <a:avLst/>
+          </a:prstGeom>
+          <a:noFill/>
+          <a:ln w="6350">
+            <a:noFill/>
+          </a:ln>
+          <a:effectLst/>
+        </p:spPr>
+        <p:txBody>
+          <a:bodyPr rot="0" spcFirstLastPara="0" vert="horz" wrap="square" lIns="91440" tIns="45720" rIns="91440" bIns="45720" numCol="1" spcCol="0" rtlCol="0" fromWordArt="0" anchor="t" anchorCtr="0" forceAA="0" compatLnSpc="1">
+            <a:prstTxWarp prst="textNoShape">
+              <a:avLst/>
+            </a:prstTxWarp>
+            <a:noAutofit/>
+          </a:bodyPr>
+          <a:lstStyle/>
+          <a:p>
+            <a:pPr marL="0" marR="0" lvl="0" indent="0" defTabSz="914400" eaLnBrk="1" fontAlgn="auto" latinLnBrk="0" hangingPunct="1">
+              <a:lnSpc>
+                <a:spcPct val="115000"/>
+              </a:lnSpc>
+              <a:spcBef>
+                <a:spcPts val="0"/>
+              </a:spcBef>
+              <a:spcAft>
+                <a:spcPts val="1000"/>
+              </a:spcAft>
+              <a:buClrTx/>
+              <a:buSzTx/>
+              <a:buFontTx/>
+              <a:buNone/>
+              <a:tabLst/>
+              <a:defRPr/>
+            </a:pPr>
+            <a:r>
+              <a:rPr kumimoji="0" lang="en-US" sz="1100" b="0" i="0" u="none" strike="noStrike" kern="0" cap="none" spc="0" normalizeH="0" baseline="0" noProof="0">
+                <a:ln>
+                  <a:noFill/>
+                </a:ln>
+                <a:solidFill>
+                  <a:sysClr val="windowText" lastClr="000000"/>
+                </a:solidFill>
+                <a:effectLst/>
+                <a:uLnTx/>
+                <a:uFillTx/>
+                <a:latin typeface="Calibri"/>
+                <a:ea typeface="Calibri"/>
+                <a:cs typeface="Arial"/>
+              </a:rPr>
+              <a:t>(5)</a:t>
+            </a:r>
+          </a:p>
+        </p:txBody>
+      </p:sp>
+      <p:sp>
+        <p:nvSpPr>
+          <p:cNvPr id="24" name="Text Box 35"/>
+          <p:cNvSpPr txBox="1"/>
+          <p:nvPr/>
+        </p:nvSpPr>
+        <p:spPr>
+          <a:xfrm rot="19787861">
+            <a:off x="3069486" y="2348477"/>
+            <a:ext cx="2162763" cy="413296"/>
+          </a:xfrm>
+          <a:prstGeom prst="rect">
+            <a:avLst/>
+          </a:prstGeom>
+          <a:noFill/>
+          <a:ln w="6350">
+            <a:noFill/>
+          </a:ln>
+          <a:effectLst/>
+        </p:spPr>
+        <p:txBody>
+          <a:bodyPr rot="0" spcFirstLastPara="0" vert="horz" wrap="square" lIns="91440" tIns="45720" rIns="91440" bIns="45720" numCol="1" spcCol="0" rtlCol="0" fromWordArt="0" anchor="t" anchorCtr="0" forceAA="0" compatLnSpc="1">
+            <a:prstTxWarp prst="textNoShape">
+              <a:avLst/>
+            </a:prstTxWarp>
+            <a:noAutofit/>
+          </a:bodyPr>
+          <a:lstStyle/>
+          <a:p>
+            <a:pPr marL="0" marR="0" lvl="0" indent="0" algn="ctr" defTabSz="914400" eaLnBrk="1" fontAlgn="auto" latinLnBrk="0" hangingPunct="1">
+              <a:lnSpc>
+                <a:spcPct val="115000"/>
+              </a:lnSpc>
+              <a:spcBef>
+                <a:spcPts val="0"/>
+              </a:spcBef>
+              <a:spcAft>
+                <a:spcPts val="1000"/>
+              </a:spcAft>
+              <a:buClrTx/>
+              <a:buSzTx/>
+              <a:buFontTx/>
+              <a:buNone/>
+              <a:tabLst/>
+              <a:defRPr/>
+            </a:pPr>
+            <a:r>
+              <a:rPr kumimoji="0" lang="en-US" sz="1100" b="0" i="0" u="none" strike="noStrike" kern="0" cap="none" spc="0" normalizeH="0" baseline="0" noProof="0" dirty="0">
+                <a:ln>
+                  <a:noFill/>
+                </a:ln>
+                <a:solidFill>
+                  <a:sysClr val="windowText" lastClr="000000"/>
+                </a:solidFill>
+                <a:effectLst/>
+                <a:uLnTx/>
+                <a:uFillTx/>
+                <a:latin typeface="Calibri"/>
+                <a:ea typeface="Calibri"/>
+                <a:cs typeface="Arial"/>
+              </a:rPr>
+              <a:t>(6) User Profile</a:t>
+            </a:r>
+          </a:p>
+        </p:txBody>
+      </p:sp>
+      <p:sp>
+        <p:nvSpPr>
+          <p:cNvPr id="36" name="Text Box 27"/>
+          <p:cNvSpPr txBox="1"/>
+          <p:nvPr/>
+        </p:nvSpPr>
+        <p:spPr>
+          <a:xfrm rot="1979238">
+            <a:off x="4188122" y="4095750"/>
+            <a:ext cx="388620" cy="259080"/>
+          </a:xfrm>
+          <a:prstGeom prst="rect">
+            <a:avLst/>
+          </a:prstGeom>
+          <a:noFill/>
+          <a:ln w="6350">
+            <a:noFill/>
+          </a:ln>
+          <a:effectLst/>
+        </p:spPr>
+        <p:txBody>
+          <a:bodyPr rot="0" spcFirstLastPara="0" vert="horz" wrap="square" lIns="91440" tIns="45720" rIns="91440" bIns="45720" numCol="1" spcCol="0" rtlCol="0" fromWordArt="0" anchor="t" anchorCtr="0" forceAA="0" compatLnSpc="1">
+            <a:prstTxWarp prst="textNoShape">
+              <a:avLst/>
+            </a:prstTxWarp>
+            <a:noAutofit/>
+          </a:bodyPr>
+          <a:lstStyle/>
+          <a:p>
+            <a:pPr marL="0" marR="0" lvl="0" indent="0" defTabSz="914400" eaLnBrk="1" fontAlgn="auto" latinLnBrk="0" hangingPunct="1">
+              <a:lnSpc>
+                <a:spcPct val="115000"/>
+              </a:lnSpc>
+              <a:spcBef>
+                <a:spcPts val="0"/>
+              </a:spcBef>
+              <a:spcAft>
+                <a:spcPts val="1000"/>
+              </a:spcAft>
+              <a:buClrTx/>
+              <a:buSzTx/>
+              <a:buFontTx/>
+              <a:buNone/>
+              <a:tabLst/>
+              <a:defRPr/>
+            </a:pPr>
+            <a:r>
+              <a:rPr kumimoji="0" lang="en-US" sz="1100" b="0" i="0" u="none" strike="noStrike" kern="0" cap="none" spc="0" normalizeH="0" baseline="0" noProof="0" dirty="0">
+                <a:ln>
+                  <a:noFill/>
+                </a:ln>
+                <a:solidFill>
+                  <a:sysClr val="windowText" lastClr="000000"/>
+                </a:solidFill>
+                <a:effectLst/>
+                <a:uLnTx/>
+                <a:uFillTx/>
+                <a:latin typeface="Calibri"/>
+                <a:ea typeface="Calibri"/>
+                <a:cs typeface="Arial"/>
+              </a:rPr>
+              <a:t>(2)</a:t>
+            </a:r>
+          </a:p>
+        </p:txBody>
+      </p:sp>
+      <p:sp>
+        <p:nvSpPr>
+          <p:cNvPr id="37" name="Text Box 30"/>
+          <p:cNvSpPr txBox="1"/>
+          <p:nvPr/>
+        </p:nvSpPr>
+        <p:spPr>
+          <a:xfrm rot="1979238">
+            <a:off x="3744892" y="4243705"/>
+            <a:ext cx="1068070" cy="259080"/>
+          </a:xfrm>
+          <a:prstGeom prst="rect">
+            <a:avLst/>
+          </a:prstGeom>
+          <a:noFill/>
+          <a:ln w="6350">
+            <a:noFill/>
+          </a:ln>
+          <a:effectLst/>
+        </p:spPr>
+        <p:txBody>
+          <a:bodyPr rot="0" spcFirstLastPara="0" vert="horz" wrap="square" lIns="91440" tIns="45720" rIns="91440" bIns="45720" numCol="1" spcCol="0" rtlCol="0" fromWordArt="0" anchor="t" anchorCtr="0" forceAA="0" compatLnSpc="1">
+            <a:prstTxWarp prst="textNoShape">
+              <a:avLst/>
+            </a:prstTxWarp>
+            <a:noAutofit/>
+          </a:bodyPr>
+          <a:lstStyle/>
+          <a:p>
+            <a:pPr marL="0" marR="0" lvl="0" indent="0" defTabSz="914400" eaLnBrk="1" fontAlgn="auto" latinLnBrk="0" hangingPunct="1">
+              <a:lnSpc>
+                <a:spcPct val="115000"/>
+              </a:lnSpc>
+              <a:spcBef>
+                <a:spcPts val="0"/>
+              </a:spcBef>
+              <a:spcAft>
+                <a:spcPts val="1000"/>
+              </a:spcAft>
+              <a:buClrTx/>
+              <a:buSzTx/>
+              <a:buFontTx/>
+              <a:buNone/>
+              <a:tabLst/>
+              <a:defRPr/>
+            </a:pPr>
+            <a:r>
+              <a:rPr kumimoji="0" lang="en-US" sz="1100" b="0" i="0" u="none" strike="noStrike" kern="0" cap="none" spc="0" normalizeH="0" baseline="0" noProof="0" dirty="0">
+                <a:ln>
+                  <a:noFill/>
+                </a:ln>
+                <a:solidFill>
+                  <a:sysClr val="windowText" lastClr="000000"/>
+                </a:solidFill>
+                <a:effectLst/>
+                <a:uLnTx/>
+                <a:uFillTx/>
+                <a:latin typeface="Calibri"/>
+                <a:ea typeface="Calibri"/>
+                <a:cs typeface="Arial"/>
+              </a:rPr>
+              <a:t>(3) Login Page</a:t>
+            </a:r>
+          </a:p>
+        </p:txBody>
+      </p:sp>
+      <p:sp>
+        <p:nvSpPr>
+          <p:cNvPr id="38" name="Text Box 31"/>
+          <p:cNvSpPr txBox="1"/>
+          <p:nvPr/>
+        </p:nvSpPr>
+        <p:spPr>
+          <a:xfrm rot="1979238">
+            <a:off x="3668692" y="4362450"/>
+            <a:ext cx="1092200" cy="259080"/>
+          </a:xfrm>
+          <a:prstGeom prst="rect">
+            <a:avLst/>
+          </a:prstGeom>
+          <a:noFill/>
+          <a:ln w="6350">
+            <a:noFill/>
+          </a:ln>
+          <a:effectLst/>
+        </p:spPr>
+        <p:txBody>
+          <a:bodyPr rot="0" spcFirstLastPara="0" vert="horz" wrap="square" lIns="91440" tIns="45720" rIns="91440" bIns="45720" numCol="1" spcCol="0" rtlCol="0" fromWordArt="0" anchor="t" anchorCtr="0" forceAA="0" compatLnSpc="1">
+            <a:prstTxWarp prst="textNoShape">
+              <a:avLst/>
+            </a:prstTxWarp>
+            <a:noAutofit/>
+          </a:bodyPr>
+          <a:lstStyle/>
+          <a:p>
+            <a:pPr marL="0" marR="0" lvl="0" indent="0" defTabSz="914400" eaLnBrk="1" fontAlgn="auto" latinLnBrk="0" hangingPunct="1">
+              <a:lnSpc>
+                <a:spcPct val="115000"/>
+              </a:lnSpc>
+              <a:spcBef>
+                <a:spcPts val="0"/>
+              </a:spcBef>
+              <a:spcAft>
+                <a:spcPts val="1000"/>
+              </a:spcAft>
+              <a:buClrTx/>
+              <a:buSzTx/>
+              <a:buFontTx/>
+              <a:buNone/>
+              <a:tabLst/>
+              <a:defRPr/>
+            </a:pPr>
+            <a:r>
+              <a:rPr kumimoji="0" lang="en-US" sz="1100" b="0" i="0" u="none" strike="noStrike" kern="0" cap="none" spc="0" normalizeH="0" baseline="0" noProof="0" dirty="0">
+                <a:ln>
+                  <a:noFill/>
+                </a:ln>
+                <a:solidFill>
+                  <a:sysClr val="windowText" lastClr="000000"/>
+                </a:solidFill>
+                <a:effectLst/>
+                <a:uLnTx/>
+                <a:uFillTx/>
+                <a:latin typeface="Calibri"/>
+                <a:ea typeface="Calibri"/>
+                <a:cs typeface="Arial"/>
+              </a:rPr>
+              <a:t>(4) Credentials</a:t>
+            </a:r>
+          </a:p>
+        </p:txBody>
+      </p:sp>
+      <p:sp>
+        <p:nvSpPr>
+          <p:cNvPr id="39" name="Text Box 32"/>
+          <p:cNvSpPr txBox="1"/>
+          <p:nvPr/>
+        </p:nvSpPr>
+        <p:spPr>
+          <a:xfrm rot="1979238">
+            <a:off x="3297852" y="4573905"/>
+            <a:ext cx="1889760" cy="259080"/>
+          </a:xfrm>
+          <a:prstGeom prst="rect">
+            <a:avLst/>
+          </a:prstGeom>
+          <a:noFill/>
+          <a:ln w="6350">
+            <a:noFill/>
+          </a:ln>
+          <a:effectLst/>
+        </p:spPr>
+        <p:txBody>
+          <a:bodyPr rot="0" spcFirstLastPara="0" vert="horz" wrap="square" lIns="91440" tIns="45720" rIns="91440" bIns="45720" numCol="1" spcCol="0" rtlCol="0" fromWordArt="0" anchor="t" anchorCtr="0" forceAA="0" compatLnSpc="1">
+            <a:prstTxWarp prst="textNoShape">
+              <a:avLst/>
+            </a:prstTxWarp>
+            <a:noAutofit/>
+          </a:bodyPr>
+          <a:lstStyle/>
+          <a:p>
+            <a:pPr marL="0" marR="0" lvl="0" indent="0" defTabSz="914400" eaLnBrk="1" fontAlgn="auto" latinLnBrk="0" hangingPunct="1">
+              <a:lnSpc>
+                <a:spcPct val="115000"/>
+              </a:lnSpc>
+              <a:spcBef>
+                <a:spcPts val="0"/>
+              </a:spcBef>
+              <a:spcAft>
+                <a:spcPts val="1000"/>
+              </a:spcAft>
+              <a:buClrTx/>
+              <a:buSzTx/>
+              <a:buFontTx/>
+              <a:buNone/>
+              <a:tabLst/>
+              <a:defRPr/>
+            </a:pPr>
+            <a:r>
+              <a:rPr kumimoji="0" lang="en-US" sz="1100" b="0" i="0" u="none" strike="noStrike" kern="0" cap="none" spc="0" normalizeH="0" baseline="0" noProof="0" dirty="0">
+                <a:ln>
+                  <a:noFill/>
+                </a:ln>
+                <a:solidFill>
+                  <a:sysClr val="windowText" lastClr="000000"/>
+                </a:solidFill>
+                <a:effectLst/>
+                <a:uLnTx/>
+                <a:uFillTx/>
+                <a:latin typeface="Calibri"/>
+                <a:ea typeface="Calibri"/>
+                <a:cs typeface="Arial"/>
+              </a:rPr>
+              <a:t>(5) Redirect back to SP server</a:t>
+            </a:r>
+          </a:p>
+        </p:txBody>
+      </p:sp>
     </p:spTree>
     <p:extLst>
       <p:ext uri="{BB962C8B-B14F-4D97-AF65-F5344CB8AC3E}">
@@ -7750,6 +9918,9 @@
                     <p:cTn id="3" fill="hold">
                       <p:stCondLst>
                         <p:cond delay="indefinite"/>
+                        <p:cond evt="onBegin" delay="0">
+                          <p:tn val="2"/>
+                        </p:cond>
                       </p:stCondLst>
                       <p:childTnLst>
                         <p:par>
@@ -7759,7 +9930,7 @@
                             </p:stCondLst>
                             <p:childTnLst>
                               <p:par>
-                                <p:cTn id="5" presetID="22" presetClass="entr" presetSubtype="4" fill="hold" grpId="0" nodeType="clickEffect">
+                                <p:cTn id="5" presetID="22" presetClass="entr" presetSubtype="4" fill="hold" grpId="0" nodeType="withEffect">
                                   <p:stCondLst>
                                     <p:cond delay="0"/>
                                   </p:stCondLst>
@@ -7772,7 +9943,7 @@
                                           </p:stCondLst>
                                         </p:cTn>
                                         <p:tgtEl>
-                                          <p:spTgt spid="2"/>
+                                          <p:spTgt spid="5"/>
                                         </p:tgtEl>
                                         <p:attrNameLst>
                                           <p:attrName>style.visibility</p:attrName>
@@ -7786,7 +9957,7 @@
                                       <p:cBhvr>
                                         <p:cTn id="7" dur="500"/>
                                         <p:tgtEl>
-                                          <p:spTgt spid="2"/>
+                                          <p:spTgt spid="5"/>
                                         </p:tgtEl>
                                       </p:cBhvr>
                                     </p:animEffect>
@@ -7807,7 +9978,7 @@
                                           </p:stCondLst>
                                         </p:cTn>
                                         <p:tgtEl>
-                                          <p:spTgt spid="5"/>
+                                          <p:spTgt spid="6"/>
                                         </p:tgtEl>
                                         <p:attrNameLst>
                                           <p:attrName>style.visibility</p:attrName>
@@ -7821,7 +9992,7 @@
                                       <p:cBhvr>
                                         <p:cTn id="10" dur="500"/>
                                         <p:tgtEl>
-                                          <p:spTgt spid="5"/>
+                                          <p:spTgt spid="6"/>
                                         </p:tgtEl>
                                       </p:cBhvr>
                                     </p:animEffect>
@@ -7842,7 +10013,7 @@
                                           </p:stCondLst>
                                         </p:cTn>
                                         <p:tgtEl>
-                                          <p:spTgt spid="6"/>
+                                          <p:spTgt spid="7"/>
                                         </p:tgtEl>
                                         <p:attrNameLst>
                                           <p:attrName>style.visibility</p:attrName>
@@ -7856,7 +10027,7 @@
                                       <p:cBhvr>
                                         <p:cTn id="13" dur="500"/>
                                         <p:tgtEl>
-                                          <p:spTgt spid="6"/>
+                                          <p:spTgt spid="7"/>
                                         </p:tgtEl>
                                       </p:cBhvr>
                                     </p:animEffect>
@@ -7877,7 +10048,7 @@
                                           </p:stCondLst>
                                         </p:cTn>
                                         <p:tgtEl>
-                                          <p:spTgt spid="7"/>
+                                          <p:spTgt spid="8"/>
                                         </p:tgtEl>
                                         <p:attrNameLst>
                                           <p:attrName>style.visibility</p:attrName>
@@ -7891,7 +10062,7 @@
                                       <p:cBhvr>
                                         <p:cTn id="16" dur="500"/>
                                         <p:tgtEl>
-                                          <p:spTgt spid="7"/>
+                                          <p:spTgt spid="8"/>
                                         </p:tgtEl>
                                       </p:cBhvr>
                                     </p:animEffect>
@@ -7899,7 +10070,7 @@
                                 </p:cTn>
                               </p:par>
                               <p:par>
-                                <p:cTn id="17" presetID="22" presetClass="entr" presetSubtype="4" fill="hold" grpId="0" nodeType="withEffect">
+                                <p:cTn id="17" presetID="22" presetClass="entr" presetSubtype="4" fill="hold" nodeType="withEffect">
                                   <p:stCondLst>
                                     <p:cond delay="0"/>
                                   </p:stCondLst>
@@ -7912,7 +10083,7 @@
                                           </p:stCondLst>
                                         </p:cTn>
                                         <p:tgtEl>
-                                          <p:spTgt spid="8"/>
+                                          <p:spTgt spid="10"/>
                                         </p:tgtEl>
                                         <p:attrNameLst>
                                           <p:attrName>style.visibility</p:attrName>
@@ -7926,7 +10097,7 @@
                                       <p:cBhvr>
                                         <p:cTn id="19" dur="500"/>
                                         <p:tgtEl>
-                                          <p:spTgt spid="8"/>
+                                          <p:spTgt spid="10"/>
                                         </p:tgtEl>
                                       </p:cBhvr>
                                     </p:animEffect>
@@ -7947,7 +10118,7 @@
                                           </p:stCondLst>
                                         </p:cTn>
                                         <p:tgtEl>
-                                          <p:spTgt spid="10"/>
+                                          <p:spTgt spid="11"/>
                                         </p:tgtEl>
                                         <p:attrNameLst>
                                           <p:attrName>style.visibility</p:attrName>
@@ -7961,7 +10132,7 @@
                                       <p:cBhvr>
                                         <p:cTn id="22" dur="500"/>
                                         <p:tgtEl>
-                                          <p:spTgt spid="10"/>
+                                          <p:spTgt spid="11"/>
                                         </p:tgtEl>
                                       </p:cBhvr>
                                     </p:animEffect>
@@ -7982,7 +10153,7 @@
                                           </p:stCondLst>
                                         </p:cTn>
                                         <p:tgtEl>
-                                          <p:spTgt spid="11"/>
+                                          <p:spTgt spid="1026"/>
                                         </p:tgtEl>
                                         <p:attrNameLst>
                                           <p:attrName>style.visibility</p:attrName>
@@ -7996,7 +10167,7 @@
                                       <p:cBhvr>
                                         <p:cTn id="25" dur="500"/>
                                         <p:tgtEl>
-                                          <p:spTgt spid="11"/>
+                                          <p:spTgt spid="1026"/>
                                         </p:tgtEl>
                                       </p:cBhvr>
                                     </p:animEffect>
@@ -8004,7 +10175,7 @@
                                 </p:cTn>
                               </p:par>
                               <p:par>
-                                <p:cTn id="26" presetID="22" presetClass="entr" presetSubtype="4" fill="hold" nodeType="withEffect">
+                                <p:cTn id="26" presetID="22" presetClass="entr" presetSubtype="4" fill="hold" grpId="0" nodeType="withEffect">
                                   <p:stCondLst>
                                     <p:cond delay="0"/>
                                   </p:stCondLst>
@@ -8017,7 +10188,7 @@
                                           </p:stCondLst>
                                         </p:cTn>
                                         <p:tgtEl>
-                                          <p:spTgt spid="1026"/>
+                                          <p:spTgt spid="18"/>
                                         </p:tgtEl>
                                         <p:attrNameLst>
                                           <p:attrName>style.visibility</p:attrName>
@@ -8031,7 +10202,7 @@
                                       <p:cBhvr>
                                         <p:cTn id="28" dur="500"/>
                                         <p:tgtEl>
-                                          <p:spTgt spid="1026"/>
+                                          <p:spTgt spid="18"/>
                                         </p:tgtEl>
                                       </p:cBhvr>
                                     </p:animEffect>
@@ -8052,7 +10223,7 @@
                                           </p:stCondLst>
                                         </p:cTn>
                                         <p:tgtEl>
-                                          <p:spTgt spid="23"/>
+                                          <p:spTgt spid="2"/>
                                         </p:tgtEl>
                                         <p:attrNameLst>
                                           <p:attrName>style.visibility</p:attrName>
@@ -8065,6 +10236,41 @@
                                     <p:animEffect transition="in" filter="wipe(down)">
                                       <p:cBhvr>
                                         <p:cTn id="31" dur="500"/>
+                                        <p:tgtEl>
+                                          <p:spTgt spid="2"/>
+                                        </p:tgtEl>
+                                      </p:cBhvr>
+                                    </p:animEffect>
+                                  </p:childTnLst>
+                                </p:cTn>
+                              </p:par>
+                              <p:par>
+                                <p:cTn id="32" presetID="22" presetClass="entr" presetSubtype="4" fill="hold" grpId="0" nodeType="withEffect">
+                                  <p:stCondLst>
+                                    <p:cond delay="0"/>
+                                  </p:stCondLst>
+                                  <p:childTnLst>
+                                    <p:set>
+                                      <p:cBhvr>
+                                        <p:cTn id="33" dur="1" fill="hold">
+                                          <p:stCondLst>
+                                            <p:cond delay="0"/>
+                                          </p:stCondLst>
+                                        </p:cTn>
+                                        <p:tgtEl>
+                                          <p:spTgt spid="23"/>
+                                        </p:tgtEl>
+                                        <p:attrNameLst>
+                                          <p:attrName>style.visibility</p:attrName>
+                                        </p:attrNameLst>
+                                      </p:cBhvr>
+                                      <p:to>
+                                        <p:strVal val="visible"/>
+                                      </p:to>
+                                    </p:set>
+                                    <p:animEffect transition="in" filter="wipe(down)">
+                                      <p:cBhvr>
+                                        <p:cTn id="34" dur="500"/>
                                         <p:tgtEl>
                                           <p:spTgt spid="23"/>
                                         </p:tgtEl>
@@ -8080,26 +10286,26 @@
                     </p:cTn>
                   </p:par>
                   <p:par>
-                    <p:cTn id="32" fill="hold">
+                    <p:cTn id="35" fill="hold">
                       <p:stCondLst>
                         <p:cond delay="indefinite"/>
                       </p:stCondLst>
                       <p:childTnLst>
                         <p:par>
-                          <p:cTn id="33" fill="hold">
+                          <p:cTn id="36" fill="hold">
                             <p:stCondLst>
                               <p:cond delay="0"/>
                             </p:stCondLst>
                             <p:childTnLst>
                               <p:par>
-                                <p:cTn id="34" presetID="22" presetClass="entr" presetSubtype="4" fill="hold" nodeType="clickEffect">
+                                <p:cTn id="37" presetID="22" presetClass="entr" presetSubtype="4" fill="hold" nodeType="clickEffect">
                                   <p:stCondLst>
                                     <p:cond delay="0"/>
                                   </p:stCondLst>
                                   <p:childTnLst>
                                     <p:set>
                                       <p:cBhvr>
-                                        <p:cTn id="35" dur="1" fill="hold">
+                                        <p:cTn id="38" dur="1" fill="hold">
                                           <p:stCondLst>
                                             <p:cond delay="0"/>
                                           </p:stCondLst>
@@ -8117,7 +10323,7 @@
                                     </p:set>
                                     <p:animEffect transition="in" filter="wipe(down)">
                                       <p:cBhvr>
-                                        <p:cTn id="36" dur="500"/>
+                                        <p:cTn id="39" dur="500"/>
                                         <p:tgtEl>
                                           <p:spTgt spid="35"/>
                                         </p:tgtEl>
@@ -8127,20 +10333,20 @@
                                 </p:cTn>
                               </p:par>
                               <p:par>
-                                <p:cTn id="37" presetID="22" presetClass="entr" presetSubtype="4" fill="hold" grpId="0" nodeType="withEffect">
+                                <p:cTn id="40" presetID="22" presetClass="entr" presetSubtype="8" fill="hold" grpId="0" nodeType="withEffect">
                                   <p:stCondLst>
                                     <p:cond delay="0"/>
                                   </p:stCondLst>
                                   <p:childTnLst>
                                     <p:set>
                                       <p:cBhvr>
-                                        <p:cTn id="38" dur="1" fill="hold">
+                                        <p:cTn id="41" dur="1" fill="hold">
                                           <p:stCondLst>
                                             <p:cond delay="0"/>
                                           </p:stCondLst>
                                         </p:cTn>
                                         <p:tgtEl>
-                                          <p:spTgt spid="18"/>
+                                          <p:spTgt spid="20"/>
                                         </p:tgtEl>
                                         <p:attrNameLst>
                                           <p:attrName>style.visibility</p:attrName>
@@ -8150,11 +10356,11 @@
                                         <p:strVal val="visible"/>
                                       </p:to>
                                     </p:set>
-                                    <p:animEffect transition="in" filter="wipe(down)">
-                                      <p:cBhvr>
-                                        <p:cTn id="39" dur="500"/>
-                                        <p:tgtEl>
-                                          <p:spTgt spid="18"/>
+                                    <p:animEffect transition="in" filter="wipe(left)">
+                                      <p:cBhvr>
+                                        <p:cTn id="42" dur="500"/>
+                                        <p:tgtEl>
+                                          <p:spTgt spid="20"/>
                                         </p:tgtEl>
                                       </p:cBhvr>
                                     </p:animEffect>
@@ -8168,26 +10374,26 @@
                     </p:cTn>
                   </p:par>
                   <p:par>
-                    <p:cTn id="40" fill="hold">
+                    <p:cTn id="43" fill="hold">
                       <p:stCondLst>
                         <p:cond delay="indefinite"/>
                       </p:stCondLst>
                       <p:childTnLst>
                         <p:par>
-                          <p:cTn id="41" fill="hold">
+                          <p:cTn id="44" fill="hold">
                             <p:stCondLst>
                               <p:cond delay="0"/>
                             </p:stCondLst>
                             <p:childTnLst>
                               <p:par>
-                                <p:cTn id="42" presetID="22" presetClass="entr" presetSubtype="1" fill="hold" nodeType="clickEffect">
+                                <p:cTn id="45" presetID="22" presetClass="entr" presetSubtype="1" fill="hold" nodeType="clickEffect">
                                   <p:stCondLst>
                                     <p:cond delay="0"/>
                                   </p:stCondLst>
                                   <p:childTnLst>
                                     <p:set>
                                       <p:cBhvr>
-                                        <p:cTn id="43" dur="1" fill="hold">
+                                        <p:cTn id="46" dur="1" fill="hold">
                                           <p:stCondLst>
                                             <p:cond delay="0"/>
                                           </p:stCondLst>
@@ -8205,9 +10411,44 @@
                                     </p:set>
                                     <p:animEffect transition="in" filter="wipe(up)">
                                       <p:cBhvr>
-                                        <p:cTn id="44" dur="500"/>
+                                        <p:cTn id="47" dur="500"/>
                                         <p:tgtEl>
                                           <p:spTgt spid="68"/>
+                                        </p:tgtEl>
+                                      </p:cBhvr>
+                                    </p:animEffect>
+                                  </p:childTnLst>
+                                </p:cTn>
+                              </p:par>
+                              <p:par>
+                                <p:cTn id="48" presetID="22" presetClass="entr" presetSubtype="2" fill="hold" grpId="0" nodeType="withEffect">
+                                  <p:stCondLst>
+                                    <p:cond delay="0"/>
+                                  </p:stCondLst>
+                                  <p:childTnLst>
+                                    <p:set>
+                                      <p:cBhvr>
+                                        <p:cTn id="49" dur="1" fill="hold">
+                                          <p:stCondLst>
+                                            <p:cond delay="0"/>
+                                          </p:stCondLst>
+                                        </p:cTn>
+                                        <p:tgtEl>
+                                          <p:spTgt spid="21"/>
+                                        </p:tgtEl>
+                                        <p:attrNameLst>
+                                          <p:attrName>style.visibility</p:attrName>
+                                        </p:attrNameLst>
+                                      </p:cBhvr>
+                                      <p:to>
+                                        <p:strVal val="visible"/>
+                                      </p:to>
+                                    </p:set>
+                                    <p:animEffect transition="in" filter="wipe(right)">
+                                      <p:cBhvr>
+                                        <p:cTn id="50" dur="500"/>
+                                        <p:tgtEl>
+                                          <p:spTgt spid="21"/>
                                         </p:tgtEl>
                                       </p:cBhvr>
                                     </p:animEffect>
@@ -8221,26 +10462,26 @@
                     </p:cTn>
                   </p:par>
                   <p:par>
-                    <p:cTn id="45" fill="hold">
+                    <p:cTn id="51" fill="hold">
                       <p:stCondLst>
                         <p:cond delay="indefinite"/>
                       </p:stCondLst>
                       <p:childTnLst>
                         <p:par>
-                          <p:cTn id="46" fill="hold">
+                          <p:cTn id="52" fill="hold">
                             <p:stCondLst>
                               <p:cond delay="0"/>
                             </p:stCondLst>
                             <p:childTnLst>
                               <p:par>
-                                <p:cTn id="47" presetID="22" presetClass="entr" presetSubtype="1" fill="hold" nodeType="clickEffect">
+                                <p:cTn id="53" presetID="22" presetClass="entr" presetSubtype="1" fill="hold" nodeType="clickEffect">
                                   <p:stCondLst>
                                     <p:cond delay="0"/>
                                   </p:stCondLst>
                                   <p:childTnLst>
                                     <p:set>
                                       <p:cBhvr>
-                                        <p:cTn id="48" dur="1" fill="hold">
+                                        <p:cTn id="54" dur="1" fill="hold">
                                           <p:stCondLst>
                                             <p:cond delay="0"/>
                                           </p:stCondLst>
@@ -8258,9 +10499,44 @@
                                     </p:set>
                                     <p:animEffect transition="in" filter="wipe(up)">
                                       <p:cBhvr>
-                                        <p:cTn id="49" dur="500"/>
+                                        <p:cTn id="55" dur="500"/>
                                         <p:tgtEl>
                                           <p:spTgt spid="28"/>
+                                        </p:tgtEl>
+                                      </p:cBhvr>
+                                    </p:animEffect>
+                                  </p:childTnLst>
+                                </p:cTn>
+                              </p:par>
+                              <p:par>
+                                <p:cTn id="56" presetID="22" presetClass="entr" presetSubtype="8" fill="hold" grpId="0" nodeType="withEffect">
+                                  <p:stCondLst>
+                                    <p:cond delay="0"/>
+                                  </p:stCondLst>
+                                  <p:childTnLst>
+                                    <p:set>
+                                      <p:cBhvr>
+                                        <p:cTn id="57" dur="1" fill="hold">
+                                          <p:stCondLst>
+                                            <p:cond delay="0"/>
+                                          </p:stCondLst>
+                                        </p:cTn>
+                                        <p:tgtEl>
+                                          <p:spTgt spid="36"/>
+                                        </p:tgtEl>
+                                        <p:attrNameLst>
+                                          <p:attrName>style.visibility</p:attrName>
+                                        </p:attrNameLst>
+                                      </p:cBhvr>
+                                      <p:to>
+                                        <p:strVal val="visible"/>
+                                      </p:to>
+                                    </p:set>
+                                    <p:animEffect transition="in" filter="wipe(left)">
+                                      <p:cBhvr>
+                                        <p:cTn id="58" dur="500"/>
+                                        <p:tgtEl>
+                                          <p:spTgt spid="36"/>
                                         </p:tgtEl>
                                       </p:cBhvr>
                                     </p:animEffect>
@@ -8274,26 +10550,26 @@
                     </p:cTn>
                   </p:par>
                   <p:par>
-                    <p:cTn id="50" fill="hold">
+                    <p:cTn id="59" fill="hold">
                       <p:stCondLst>
                         <p:cond delay="indefinite"/>
                       </p:stCondLst>
                       <p:childTnLst>
                         <p:par>
-                          <p:cTn id="51" fill="hold">
+                          <p:cTn id="60" fill="hold">
                             <p:stCondLst>
                               <p:cond delay="0"/>
                             </p:stCondLst>
                             <p:childTnLst>
                               <p:par>
-                                <p:cTn id="52" presetID="22" presetClass="entr" presetSubtype="4" fill="hold" nodeType="clickEffect">
+                                <p:cTn id="61" presetID="22" presetClass="entr" presetSubtype="4" fill="hold" nodeType="clickEffect">
                                   <p:stCondLst>
                                     <p:cond delay="0"/>
                                   </p:stCondLst>
                                   <p:childTnLst>
                                     <p:set>
                                       <p:cBhvr>
-                                        <p:cTn id="53" dur="1" fill="hold">
+                                        <p:cTn id="62" dur="1" fill="hold">
                                           <p:stCondLst>
                                             <p:cond delay="0"/>
                                           </p:stCondLst>
@@ -8311,9 +10587,44 @@
                                     </p:set>
                                     <p:animEffect transition="in" filter="wipe(down)">
                                       <p:cBhvr>
-                                        <p:cTn id="54" dur="500"/>
+                                        <p:cTn id="63" dur="500"/>
                                         <p:tgtEl>
                                           <p:spTgt spid="44"/>
+                                        </p:tgtEl>
+                                      </p:cBhvr>
+                                    </p:animEffect>
+                                  </p:childTnLst>
+                                </p:cTn>
+                              </p:par>
+                              <p:par>
+                                <p:cTn id="64" presetID="22" presetClass="entr" presetSubtype="2" fill="hold" grpId="0" nodeType="withEffect">
+                                  <p:stCondLst>
+                                    <p:cond delay="0"/>
+                                  </p:stCondLst>
+                                  <p:childTnLst>
+                                    <p:set>
+                                      <p:cBhvr>
+                                        <p:cTn id="65" dur="1" fill="hold">
+                                          <p:stCondLst>
+                                            <p:cond delay="0"/>
+                                          </p:stCondLst>
+                                        </p:cTn>
+                                        <p:tgtEl>
+                                          <p:spTgt spid="37"/>
+                                        </p:tgtEl>
+                                        <p:attrNameLst>
+                                          <p:attrName>style.visibility</p:attrName>
+                                        </p:attrNameLst>
+                                      </p:cBhvr>
+                                      <p:to>
+                                        <p:strVal val="visible"/>
+                                      </p:to>
+                                    </p:set>
+                                    <p:animEffect transition="in" filter="wipe(right)">
+                                      <p:cBhvr>
+                                        <p:cTn id="66" dur="500"/>
+                                        <p:tgtEl>
+                                          <p:spTgt spid="37"/>
                                         </p:tgtEl>
                                       </p:cBhvr>
                                     </p:animEffect>
@@ -8327,26 +10638,26 @@
                     </p:cTn>
                   </p:par>
                   <p:par>
-                    <p:cTn id="55" fill="hold">
+                    <p:cTn id="67" fill="hold">
                       <p:stCondLst>
                         <p:cond delay="indefinite"/>
                       </p:stCondLst>
                       <p:childTnLst>
                         <p:par>
-                          <p:cTn id="56" fill="hold">
+                          <p:cTn id="68" fill="hold">
                             <p:stCondLst>
                               <p:cond delay="0"/>
                             </p:stCondLst>
                             <p:childTnLst>
                               <p:par>
-                                <p:cTn id="57" presetID="22" presetClass="entr" presetSubtype="1" fill="hold" nodeType="clickEffect">
+                                <p:cTn id="69" presetID="22" presetClass="entr" presetSubtype="1" fill="hold" nodeType="clickEffect">
                                   <p:stCondLst>
                                     <p:cond delay="0"/>
                                   </p:stCondLst>
                                   <p:childTnLst>
                                     <p:set>
                                       <p:cBhvr>
-                                        <p:cTn id="58" dur="1" fill="hold">
+                                        <p:cTn id="70" dur="1" fill="hold">
                                           <p:stCondLst>
                                             <p:cond delay="0"/>
                                           </p:stCondLst>
@@ -8364,9 +10675,44 @@
                                     </p:set>
                                     <p:animEffect transition="in" filter="wipe(up)">
                                       <p:cBhvr>
-                                        <p:cTn id="59" dur="500"/>
+                                        <p:cTn id="71" dur="500"/>
                                         <p:tgtEl>
                                           <p:spTgt spid="62"/>
+                                        </p:tgtEl>
+                                      </p:cBhvr>
+                                    </p:animEffect>
+                                  </p:childTnLst>
+                                </p:cTn>
+                              </p:par>
+                              <p:par>
+                                <p:cTn id="72" presetID="22" presetClass="entr" presetSubtype="8" fill="hold" grpId="0" nodeType="withEffect">
+                                  <p:stCondLst>
+                                    <p:cond delay="0"/>
+                                  </p:stCondLst>
+                                  <p:childTnLst>
+                                    <p:set>
+                                      <p:cBhvr>
+                                        <p:cTn id="73" dur="1" fill="hold">
+                                          <p:stCondLst>
+                                            <p:cond delay="0"/>
+                                          </p:stCondLst>
+                                        </p:cTn>
+                                        <p:tgtEl>
+                                          <p:spTgt spid="38"/>
+                                        </p:tgtEl>
+                                        <p:attrNameLst>
+                                          <p:attrName>style.visibility</p:attrName>
+                                        </p:attrNameLst>
+                                      </p:cBhvr>
+                                      <p:to>
+                                        <p:strVal val="visible"/>
+                                      </p:to>
+                                    </p:set>
+                                    <p:animEffect transition="in" filter="wipe(left)">
+                                      <p:cBhvr>
+                                        <p:cTn id="74" dur="500"/>
+                                        <p:tgtEl>
+                                          <p:spTgt spid="38"/>
                                         </p:tgtEl>
                                       </p:cBhvr>
                                     </p:animEffect>
@@ -8380,26 +10726,26 @@
                     </p:cTn>
                   </p:par>
                   <p:par>
-                    <p:cTn id="60" fill="hold">
+                    <p:cTn id="75" fill="hold">
                       <p:stCondLst>
                         <p:cond delay="indefinite"/>
                       </p:stCondLst>
                       <p:childTnLst>
                         <p:par>
-                          <p:cTn id="61" fill="hold">
+                          <p:cTn id="76" fill="hold">
                             <p:stCondLst>
                               <p:cond delay="0"/>
                             </p:stCondLst>
                             <p:childTnLst>
                               <p:par>
-                                <p:cTn id="62" presetID="22" presetClass="entr" presetSubtype="4" fill="hold" nodeType="clickEffect">
+                                <p:cTn id="77" presetID="22" presetClass="entr" presetSubtype="4" fill="hold" nodeType="clickEffect">
                                   <p:stCondLst>
                                     <p:cond delay="0"/>
                                   </p:stCondLst>
                                   <p:childTnLst>
                                     <p:set>
                                       <p:cBhvr>
-                                        <p:cTn id="63" dur="1" fill="hold">
+                                        <p:cTn id="78" dur="1" fill="hold">
                                           <p:stCondLst>
                                             <p:cond delay="0"/>
                                           </p:stCondLst>
@@ -8417,9 +10763,44 @@
                                     </p:set>
                                     <p:animEffect transition="in" filter="wipe(down)">
                                       <p:cBhvr>
-                                        <p:cTn id="64" dur="500"/>
+                                        <p:cTn id="79" dur="500"/>
                                         <p:tgtEl>
                                           <p:spTgt spid="65"/>
+                                        </p:tgtEl>
+                                      </p:cBhvr>
+                                    </p:animEffect>
+                                  </p:childTnLst>
+                                </p:cTn>
+                              </p:par>
+                              <p:par>
+                                <p:cTn id="80" presetID="22" presetClass="entr" presetSubtype="2" fill="hold" grpId="0" nodeType="withEffect">
+                                  <p:stCondLst>
+                                    <p:cond delay="0"/>
+                                  </p:stCondLst>
+                                  <p:childTnLst>
+                                    <p:set>
+                                      <p:cBhvr>
+                                        <p:cTn id="81" dur="1" fill="hold">
+                                          <p:stCondLst>
+                                            <p:cond delay="0"/>
+                                          </p:stCondLst>
+                                        </p:cTn>
+                                        <p:tgtEl>
+                                          <p:spTgt spid="39"/>
+                                        </p:tgtEl>
+                                        <p:attrNameLst>
+                                          <p:attrName>style.visibility</p:attrName>
+                                        </p:attrNameLst>
+                                      </p:cBhvr>
+                                      <p:to>
+                                        <p:strVal val="visible"/>
+                                      </p:to>
+                                    </p:set>
+                                    <p:animEffect transition="in" filter="wipe(right)">
+                                      <p:cBhvr>
+                                        <p:cTn id="82" dur="500"/>
+                                        <p:tgtEl>
+                                          <p:spTgt spid="39"/>
                                         </p:tgtEl>
                                       </p:cBhvr>
                                     </p:animEffect>
@@ -8433,26 +10814,26 @@
                     </p:cTn>
                   </p:par>
                   <p:par>
-                    <p:cTn id="65" fill="hold">
+                    <p:cTn id="83" fill="hold">
                       <p:stCondLst>
                         <p:cond delay="indefinite"/>
                       </p:stCondLst>
                       <p:childTnLst>
                         <p:par>
-                          <p:cTn id="66" fill="hold">
+                          <p:cTn id="84" fill="hold">
                             <p:stCondLst>
                               <p:cond delay="0"/>
                             </p:stCondLst>
                             <p:childTnLst>
                               <p:par>
-                                <p:cTn id="67" presetID="22" presetClass="entr" presetSubtype="4" fill="hold" nodeType="clickEffect">
+                                <p:cTn id="85" presetID="22" presetClass="entr" presetSubtype="4" fill="hold" nodeType="clickEffect">
                                   <p:stCondLst>
                                     <p:cond delay="0"/>
                                   </p:stCondLst>
                                   <p:childTnLst>
                                     <p:set>
                                       <p:cBhvr>
-                                        <p:cTn id="68" dur="1" fill="hold">
+                                        <p:cTn id="86" dur="1" fill="hold">
                                           <p:stCondLst>
                                             <p:cond delay="0"/>
                                           </p:stCondLst>
@@ -8470,9 +10851,44 @@
                                     </p:set>
                                     <p:animEffect transition="in" filter="wipe(down)">
                                       <p:cBhvr>
-                                        <p:cTn id="69" dur="500"/>
+                                        <p:cTn id="87" dur="500"/>
                                         <p:tgtEl>
                                           <p:spTgt spid="66"/>
+                                        </p:tgtEl>
+                                      </p:cBhvr>
+                                    </p:animEffect>
+                                  </p:childTnLst>
+                                </p:cTn>
+                              </p:par>
+                              <p:par>
+                                <p:cTn id="88" presetID="22" presetClass="entr" presetSubtype="8" fill="hold" grpId="0" nodeType="withEffect">
+                                  <p:stCondLst>
+                                    <p:cond delay="0"/>
+                                  </p:stCondLst>
+                                  <p:childTnLst>
+                                    <p:set>
+                                      <p:cBhvr>
+                                        <p:cTn id="89" dur="1" fill="hold">
+                                          <p:stCondLst>
+                                            <p:cond delay="0"/>
+                                          </p:stCondLst>
+                                        </p:cTn>
+                                        <p:tgtEl>
+                                          <p:spTgt spid="22"/>
+                                        </p:tgtEl>
+                                        <p:attrNameLst>
+                                          <p:attrName>style.visibility</p:attrName>
+                                        </p:attrNameLst>
+                                      </p:cBhvr>
+                                      <p:to>
+                                        <p:strVal val="visible"/>
+                                      </p:to>
+                                    </p:set>
+                                    <p:animEffect transition="in" filter="wipe(left)">
+                                      <p:cBhvr>
+                                        <p:cTn id="90" dur="500"/>
+                                        <p:tgtEl>
+                                          <p:spTgt spid="22"/>
                                         </p:tgtEl>
                                       </p:cBhvr>
                                     </p:animEffect>
@@ -8486,26 +10902,26 @@
                     </p:cTn>
                   </p:par>
                   <p:par>
-                    <p:cTn id="70" fill="hold">
+                    <p:cTn id="91" fill="hold">
                       <p:stCondLst>
                         <p:cond delay="indefinite"/>
                       </p:stCondLst>
                       <p:childTnLst>
                         <p:par>
-                          <p:cTn id="71" fill="hold">
+                          <p:cTn id="92" fill="hold">
                             <p:stCondLst>
                               <p:cond delay="0"/>
                             </p:stCondLst>
                             <p:childTnLst>
                               <p:par>
-                                <p:cTn id="72" presetID="22" presetClass="entr" presetSubtype="1" fill="hold" nodeType="clickEffect">
+                                <p:cTn id="93" presetID="22" presetClass="entr" presetSubtype="1" fill="hold" nodeType="clickEffect">
                                   <p:stCondLst>
                                     <p:cond delay="0"/>
                                   </p:stCondLst>
                                   <p:childTnLst>
                                     <p:set>
                                       <p:cBhvr>
-                                        <p:cTn id="73" dur="1" fill="hold">
+                                        <p:cTn id="94" dur="1" fill="hold">
                                           <p:stCondLst>
                                             <p:cond delay="0"/>
                                           </p:stCondLst>
@@ -8523,9 +10939,44 @@
                                     </p:set>
                                     <p:animEffect transition="in" filter="wipe(up)">
                                       <p:cBhvr>
-                                        <p:cTn id="74" dur="500"/>
+                                        <p:cTn id="95" dur="500"/>
                                         <p:tgtEl>
                                           <p:spTgt spid="73"/>
+                                        </p:tgtEl>
+                                      </p:cBhvr>
+                                    </p:animEffect>
+                                  </p:childTnLst>
+                                </p:cTn>
+                              </p:par>
+                              <p:par>
+                                <p:cTn id="96" presetID="22" presetClass="entr" presetSubtype="2" fill="hold" grpId="0" nodeType="withEffect">
+                                  <p:stCondLst>
+                                    <p:cond delay="0"/>
+                                  </p:stCondLst>
+                                  <p:childTnLst>
+                                    <p:set>
+                                      <p:cBhvr>
+                                        <p:cTn id="97" dur="1" fill="hold">
+                                          <p:stCondLst>
+                                            <p:cond delay="0"/>
+                                          </p:stCondLst>
+                                        </p:cTn>
+                                        <p:tgtEl>
+                                          <p:spTgt spid="24"/>
+                                        </p:tgtEl>
+                                        <p:attrNameLst>
+                                          <p:attrName>style.visibility</p:attrName>
+                                        </p:attrNameLst>
+                                      </p:cBhvr>
+                                      <p:to>
+                                        <p:strVal val="visible"/>
+                                      </p:to>
+                                    </p:set>
+                                    <p:animEffect transition="in" filter="wipe(right)">
+                                      <p:cBhvr>
+                                        <p:cTn id="98" dur="500"/>
+                                        <p:tgtEl>
+                                          <p:spTgt spid="24"/>
                                         </p:tgtEl>
                                       </p:cBhvr>
                                     </p:animEffect>
@@ -8567,6 +11018,14 @@
       <p:bldP spid="8" grpId="0" animBg="1"/>
       <p:bldP spid="18" grpId="0"/>
       <p:bldP spid="23" grpId="0"/>
+      <p:bldP spid="20" grpId="0"/>
+      <p:bldP spid="21" grpId="0"/>
+      <p:bldP spid="22" grpId="0"/>
+      <p:bldP spid="24" grpId="0"/>
+      <p:bldP spid="36" grpId="0"/>
+      <p:bldP spid="37" grpId="0"/>
+      <p:bldP spid="38" grpId="0"/>
+      <p:bldP spid="39" grpId="0"/>
     </p:bldLst>
   </p:timing>
 </p:sld>
@@ -8814,11 +11273,7 @@
                       <a:pPr algn="ctr"/>
                       <a:r>
                         <a:rPr lang="en-US" dirty="0" smtClean="0"/>
-                        <a:t>&lt;hashed pass1</a:t>
-                      </a:r>
-                      <a:r>
-                        <a:rPr lang="en-US" dirty="0" smtClean="0"/>
-                        <a:t>&gt;</a:t>
+                        <a:t>&lt;hashed pass1&gt;</a:t>
                       </a:r>
                       <a:endParaRPr lang="en-US" dirty="0"/>
                     </a:p>
@@ -8895,11 +11350,7 @@
                       <a:pPr algn="ctr"/>
                       <a:r>
                         <a:rPr lang="en-US" dirty="0" smtClean="0"/>
-                        <a:t>&lt;hashed pass2</a:t>
-                      </a:r>
-                      <a:r>
-                        <a:rPr lang="en-US" dirty="0" smtClean="0"/>
-                        <a:t>&gt;</a:t>
+                        <a:t>&lt;hashed pass2&gt;</a:t>
                       </a:r>
                       <a:endParaRPr lang="en-US" dirty="0"/>
                     </a:p>
@@ -8976,11 +11427,7 @@
                       <a:pPr algn="ctr"/>
                       <a:r>
                         <a:rPr lang="en-US" dirty="0" smtClean="0"/>
-                        <a:t>&lt;hashed pass3</a:t>
-                      </a:r>
-                      <a:r>
-                        <a:rPr lang="en-US" dirty="0" smtClean="0"/>
-                        <a:t>&gt;</a:t>
+                        <a:t>&lt;hashed pass3&gt;</a:t>
                       </a:r>
                       <a:endParaRPr lang="en-US" dirty="0"/>
                     </a:p>
@@ -9072,11 +11519,7 @@
                       <a:pPr algn="ctr"/>
                       <a:r>
                         <a:rPr lang="en-US" dirty="0" smtClean="0"/>
-                        <a:t>&lt;hashed pass3</a:t>
-                      </a:r>
-                      <a:r>
-                        <a:rPr lang="en-US" dirty="0" smtClean="0"/>
-                        <a:t>&gt;</a:t>
+                        <a:t>&lt;hashed pass3&gt;</a:t>
                       </a:r>
                       <a:endParaRPr lang="en-US" dirty="0"/>
                     </a:p>
@@ -9161,11 +11604,7 @@
                       <a:pPr algn="ctr"/>
                       <a:r>
                         <a:rPr lang="en-US" dirty="0" smtClean="0"/>
-                        <a:t>&lt;hashed pass1</a:t>
-                      </a:r>
-                      <a:r>
-                        <a:rPr lang="en-US" dirty="0" smtClean="0"/>
-                        <a:t>&gt;</a:t>
+                        <a:t>&lt;hashed pass1&gt;</a:t>
                       </a:r>
                       <a:endParaRPr lang="en-US" dirty="0"/>
                     </a:p>

--- a/project_presentation.pptx
+++ b/project_presentation.pptx
@@ -9,9 +9,10 @@
     <p:sldId id="257" r:id="rId3"/>
     <p:sldId id="258" r:id="rId4"/>
     <p:sldId id="261" r:id="rId5"/>
-    <p:sldId id="260" r:id="rId6"/>
-    <p:sldId id="259" r:id="rId7"/>
-    <p:sldId id="262" r:id="rId8"/>
+    <p:sldId id="263" r:id="rId6"/>
+    <p:sldId id="260" r:id="rId7"/>
+    <p:sldId id="259" r:id="rId8"/>
+    <p:sldId id="262" r:id="rId9"/>
   </p:sldIdLst>
   <p:sldSz cx="9144000" cy="6858000" type="screen4x3"/>
   <p:notesSz cx="6858000" cy="9144000"/>
@@ -305,7 +306,7 @@
           <a:p>
             <a:fld id="{F2A1539E-B072-4B60-860F-D977A86DAC6E}" type="datetimeFigureOut">
               <a:rPr lang="en-US" smtClean="0"/>
-              <a:t>5/12/2016</a:t>
+              <a:t>5/20/2016</a:t>
             </a:fld>
             <a:endParaRPr lang="en-US"/>
           </a:p>
@@ -470,7 +471,7 @@
           <a:p>
             <a:fld id="{F2A1539E-B072-4B60-860F-D977A86DAC6E}" type="datetimeFigureOut">
               <a:rPr lang="en-US" smtClean="0"/>
-              <a:t>5/12/2016</a:t>
+              <a:t>5/20/2016</a:t>
             </a:fld>
             <a:endParaRPr lang="en-US"/>
           </a:p>
@@ -645,7 +646,7 @@
           <a:p>
             <a:fld id="{F2A1539E-B072-4B60-860F-D977A86DAC6E}" type="datetimeFigureOut">
               <a:rPr lang="en-US" smtClean="0"/>
-              <a:t>5/12/2016</a:t>
+              <a:t>5/20/2016</a:t>
             </a:fld>
             <a:endParaRPr lang="en-US"/>
           </a:p>
@@ -828,7 +829,7 @@
           <a:p>
             <a:fld id="{F2A1539E-B072-4B60-860F-D977A86DAC6E}" type="datetimeFigureOut">
               <a:rPr lang="en-US" smtClean="0"/>
-              <a:t>5/12/2016</a:t>
+              <a:t>5/20/2016</a:t>
             </a:fld>
             <a:endParaRPr lang="en-US"/>
           </a:p>
@@ -1090,7 +1091,7 @@
           <a:p>
             <a:fld id="{F2A1539E-B072-4B60-860F-D977A86DAC6E}" type="datetimeFigureOut">
               <a:rPr lang="en-US" smtClean="0"/>
-              <a:t>5/12/2016</a:t>
+              <a:t>5/20/2016</a:t>
             </a:fld>
             <a:endParaRPr lang="en-US"/>
           </a:p>
@@ -1438,7 +1439,7 @@
           <a:p>
             <a:fld id="{F2A1539E-B072-4B60-860F-D977A86DAC6E}" type="datetimeFigureOut">
               <a:rPr lang="en-US" smtClean="0"/>
-              <a:t>5/12/2016</a:t>
+              <a:t>5/20/2016</a:t>
             </a:fld>
             <a:endParaRPr lang="en-US"/>
           </a:p>
@@ -1746,7 +1747,7 @@
           <a:p>
             <a:fld id="{F2A1539E-B072-4B60-860F-D977A86DAC6E}" type="datetimeFigureOut">
               <a:rPr lang="en-US" smtClean="0"/>
-              <a:t>5/12/2016</a:t>
+              <a:t>5/20/2016</a:t>
             </a:fld>
             <a:endParaRPr lang="en-US"/>
           </a:p>
@@ -1973,7 +1974,7 @@
           <a:p>
             <a:fld id="{F2A1539E-B072-4B60-860F-D977A86DAC6E}" type="datetimeFigureOut">
               <a:rPr lang="en-US" smtClean="0"/>
-              <a:t>5/12/2016</a:t>
+              <a:t>5/20/2016</a:t>
             </a:fld>
             <a:endParaRPr lang="en-US"/>
           </a:p>
@@ -2063,7 +2064,7 @@
           <a:p>
             <a:fld id="{F2A1539E-B072-4B60-860F-D977A86DAC6E}" type="datetimeFigureOut">
               <a:rPr lang="en-US" smtClean="0"/>
-              <a:t>5/12/2016</a:t>
+              <a:t>5/20/2016</a:t>
             </a:fld>
             <a:endParaRPr lang="en-US"/>
           </a:p>
@@ -2351,7 +2352,7 @@
           <a:p>
             <a:fld id="{F2A1539E-B072-4B60-860F-D977A86DAC6E}" type="datetimeFigureOut">
               <a:rPr lang="en-US" smtClean="0"/>
-              <a:t>5/12/2016</a:t>
+              <a:t>5/20/2016</a:t>
             </a:fld>
             <a:endParaRPr lang="en-US"/>
           </a:p>
@@ -2620,7 +2621,7 @@
           <a:p>
             <a:fld id="{F2A1539E-B072-4B60-860F-D977A86DAC6E}" type="datetimeFigureOut">
               <a:rPr lang="en-US" smtClean="0"/>
-              <a:t>5/12/2016</a:t>
+              <a:t>5/20/2016</a:t>
             </a:fld>
             <a:endParaRPr lang="en-US"/>
           </a:p>
@@ -2830,7 +2831,7 @@
           <a:p>
             <a:fld id="{F2A1539E-B072-4B60-860F-D977A86DAC6E}" type="datetimeFigureOut">
               <a:rPr lang="en-US" smtClean="0"/>
-              <a:t>5/12/2016</a:t>
+              <a:t>5/20/2016</a:t>
             </a:fld>
             <a:endParaRPr lang="en-US"/>
           </a:p>
@@ -4806,8 +4807,8 @@
         </p:nvSpPr>
         <p:spPr>
           <a:xfrm>
-            <a:off x="4455696" y="3440362"/>
-            <a:ext cx="805491" cy="313669"/>
+            <a:off x="4343400" y="3440362"/>
+            <a:ext cx="1066800" cy="313669"/>
           </a:xfrm>
           <a:prstGeom prst="rect">
             <a:avLst/>
@@ -4849,7 +4850,7 @@
               <a:defRPr/>
             </a:pPr>
             <a:r>
-              <a:rPr kumimoji="0" lang="en-US" sz="1100" b="0" i="0" u="none" strike="noStrike" kern="0" cap="none" spc="0" normalizeH="0" baseline="0" noProof="0" dirty="0" err="1">
+              <a:rPr kumimoji="0" lang="en-US" sz="1100" b="0" i="0" u="none" strike="noStrike" kern="0" cap="none" spc="0" normalizeH="0" baseline="0" noProof="0" dirty="0" err="1" smtClean="0">
                 <a:ln>
                   <a:noFill/>
                 </a:ln>
@@ -4863,7 +4864,7 @@
                 <a:ea typeface="Calibri"/>
                 <a:cs typeface="Arial"/>
               </a:rPr>
-              <a:t>ID@key</a:t>
+              <a:t>ID@public_key</a:t>
             </a:r>
             <a:endParaRPr kumimoji="0" lang="en-US" sz="1100" b="0" i="0" u="none" strike="noStrike" kern="0" cap="none" spc="0" normalizeH="0" baseline="0" noProof="0" dirty="0">
               <a:ln>
@@ -4890,8 +4891,8 @@
         </p:nvSpPr>
         <p:spPr>
           <a:xfrm>
-            <a:off x="4147714" y="3652807"/>
-            <a:ext cx="1405661" cy="313669"/>
+            <a:off x="4038600" y="3652807"/>
+            <a:ext cx="1775376" cy="313669"/>
           </a:xfrm>
           <a:prstGeom prst="rect">
             <a:avLst/>
@@ -4933,7 +4934,7 @@
               <a:defRPr/>
             </a:pPr>
             <a:r>
-              <a:rPr kumimoji="0" lang="en-US" sz="1100" b="0" i="0" u="none" strike="noStrike" kern="0" cap="none" spc="0" normalizeH="0" baseline="0" noProof="0" dirty="0">
+              <a:rPr kumimoji="0" lang="en-US" sz="1100" b="0" i="0" u="none" strike="noStrike" kern="0" cap="none" spc="0" normalizeH="0" baseline="0" noProof="0" dirty="0" smtClean="0">
                 <a:ln>
                   <a:noFill/>
                 </a:ln>
@@ -4947,8 +4948,22 @@
                 <a:ea typeface="Calibri"/>
                 <a:cs typeface="Arial"/>
               </a:rPr>
-              <a:t>OK End Connection</a:t>
-            </a:r>
+              <a:t>Encrypted symmetric  key</a:t>
+            </a:r>
+            <a:endParaRPr kumimoji="0" lang="en-US" sz="1100" b="0" i="0" u="none" strike="noStrike" kern="0" cap="none" spc="0" normalizeH="0" baseline="0" noProof="0" dirty="0">
+              <a:ln>
+                <a:noFill/>
+              </a:ln>
+              <a:solidFill>
+                <a:sysClr val="windowText" lastClr="000000"/>
+              </a:solidFill>
+              <a:effectLst/>
+              <a:uLnTx/>
+              <a:uFillTx/>
+              <a:latin typeface="Calibri"/>
+              <a:ea typeface="Calibri"/>
+              <a:cs typeface="Arial"/>
+            </a:endParaRPr>
           </a:p>
         </p:txBody>
       </p:sp>
@@ -5750,6 +5765,140 @@
 </file>
 
 <file path=ppt/slides/slide5.xml><?xml version="1.0" encoding="utf-8"?>
+<p:sld xmlns:a="http://schemas.openxmlformats.org/drawingml/2006/main" xmlns:r="http://schemas.openxmlformats.org/officeDocument/2006/relationships" xmlns:p="http://schemas.openxmlformats.org/presentationml/2006/main">
+  <p:cSld>
+    <p:spTree>
+      <p:nvGrpSpPr>
+        <p:cNvPr id="1" name=""/>
+        <p:cNvGrpSpPr/>
+        <p:nvPr/>
+      </p:nvGrpSpPr>
+      <p:grpSpPr>
+        <a:xfrm>
+          <a:off x="0" y="0"/>
+          <a:ext cx="0" cy="0"/>
+          <a:chOff x="0" y="0"/>
+          <a:chExt cx="0" cy="0"/>
+        </a:xfrm>
+      </p:grpSpPr>
+      <p:sp>
+        <p:nvSpPr>
+          <p:cNvPr id="2" name="Title 1"/>
+          <p:cNvSpPr>
+            <a:spLocks noGrp="1"/>
+          </p:cNvSpPr>
+          <p:nvPr>
+            <p:ph type="title"/>
+          </p:nvPr>
+        </p:nvSpPr>
+        <p:spPr/>
+        <p:txBody>
+          <a:bodyPr/>
+          <a:lstStyle/>
+          <a:p>
+            <a:r>
+              <a:rPr lang="en-US" b="1" dirty="0" smtClean="0">
+                <a:effectLst>
+                  <a:outerShdw blurRad="38100" dist="38100" dir="2700000" algn="tl">
+                    <a:srgbClr val="000000">
+                      <a:alpha val="43137"/>
+                    </a:srgbClr>
+                  </a:outerShdw>
+                </a:effectLst>
+                <a:latin typeface="+mj-lt"/>
+                <a:cs typeface="Arial" panose="020B0604020202020204" pitchFamily="34" charset="0"/>
+              </a:rPr>
+              <a:t>Key Exchange</a:t>
+            </a:r>
+            <a:endParaRPr lang="en-US" b="1" dirty="0">
+              <a:effectLst>
+                <a:outerShdw blurRad="38100" dist="38100" dir="2700000" algn="tl">
+                  <a:srgbClr val="000000">
+                    <a:alpha val="43137"/>
+                  </a:srgbClr>
+                </a:outerShdw>
+              </a:effectLst>
+              <a:latin typeface="+mj-lt"/>
+              <a:cs typeface="Arial" panose="020B0604020202020204" pitchFamily="34" charset="0"/>
+            </a:endParaRPr>
+          </a:p>
+        </p:txBody>
+      </p:sp>
+      <p:pic>
+        <p:nvPicPr>
+          <p:cNvPr id="1026" name="Picture 2"/>
+          <p:cNvPicPr>
+            <a:picLocks noChangeAspect="1" noChangeArrowheads="1"/>
+          </p:cNvPicPr>
+          <p:nvPr/>
+        </p:nvPicPr>
+        <p:blipFill>
+          <a:blip r:embed="rId2">
+            <a:extLst>
+              <a:ext uri="{28A0092B-C50C-407E-A947-70E740481C1C}">
+                <a14:useLocalDpi xmlns:a14="http://schemas.microsoft.com/office/drawing/2010/main" val="0"/>
+              </a:ext>
+            </a:extLst>
+          </a:blip>
+          <a:srcRect/>
+          <a:stretch>
+            <a:fillRect/>
+          </a:stretch>
+        </p:blipFill>
+        <p:spPr bwMode="auto">
+          <a:xfrm>
+            <a:off x="1295401" y="1707011"/>
+            <a:ext cx="6553194" cy="4453628"/>
+          </a:xfrm>
+          <a:prstGeom prst="rect">
+            <a:avLst/>
+          </a:prstGeom>
+          <a:noFill/>
+          <a:ln>
+            <a:noFill/>
+          </a:ln>
+          <a:extLst>
+            <a:ext uri="{909E8E84-426E-40DD-AFC4-6F175D3DCCD1}">
+              <a14:hiddenFill xmlns:a14="http://schemas.microsoft.com/office/drawing/2010/main">
+                <a:solidFill>
+                  <a:schemeClr val="accent1"/>
+                </a:solidFill>
+              </a14:hiddenFill>
+            </a:ext>
+            <a:ext uri="{91240B29-F687-4F45-9708-019B960494DF}">
+              <a14:hiddenLine xmlns:a14="http://schemas.microsoft.com/office/drawing/2010/main" w="9525">
+                <a:solidFill>
+                  <a:schemeClr val="tx1"/>
+                </a:solidFill>
+                <a:miter lim="800000"/>
+                <a:headEnd/>
+                <a:tailEnd/>
+              </a14:hiddenLine>
+            </a:ext>
+          </a:extLst>
+        </p:spPr>
+      </p:pic>
+    </p:spTree>
+    <p:extLst>
+      <p:ext uri="{BB962C8B-B14F-4D97-AF65-F5344CB8AC3E}">
+        <p14:creationId xmlns:p14="http://schemas.microsoft.com/office/powerpoint/2010/main" val="3206401038"/>
+      </p:ext>
+    </p:extLst>
+  </p:cSld>
+  <p:clrMapOvr>
+    <a:masterClrMapping/>
+  </p:clrMapOvr>
+  <p:timing>
+    <p:tnLst>
+      <p:par>
+        <p:cTn id="1" dur="indefinite" restart="never" nodeType="tmRoot"/>
+      </p:par>
+    </p:tnLst>
+  </p:timing>
+</p:sld>
+</file>
+
+<file path=ppt/slides/slide6.xml><?xml version="1.0" encoding="utf-8"?>
 <p:sld xmlns:a="http://schemas.openxmlformats.org/drawingml/2006/main" xmlns:r="http://schemas.openxmlformats.org/officeDocument/2006/relationships" xmlns:p="http://schemas.openxmlformats.org/presentationml/2006/main">
   <p:cSld>
     <p:spTree>
@@ -8559,7 +8708,7 @@
 </p:sld>
 </file>
 
-<file path=ppt/slides/slide6.xml><?xml version="1.0" encoding="utf-8"?>
+<file path=ppt/slides/slide7.xml><?xml version="1.0" encoding="utf-8"?>
 <p:sld xmlns:a="http://schemas.openxmlformats.org/drawingml/2006/main" xmlns:r="http://schemas.openxmlformats.org/officeDocument/2006/relationships" xmlns:p="http://schemas.openxmlformats.org/presentationml/2006/main">
   <p:cSld>
     <p:spTree>
@@ -11031,7 +11180,7 @@
 </p:sld>
 </file>
 
-<file path=ppt/slides/slide7.xml><?xml version="1.0" encoding="utf-8"?>
+<file path=ppt/slides/slide8.xml><?xml version="1.0" encoding="utf-8"?>
 <p:sld xmlns:a="http://schemas.openxmlformats.org/drawingml/2006/main" xmlns:r="http://schemas.openxmlformats.org/officeDocument/2006/relationships" xmlns:p="http://schemas.openxmlformats.org/presentationml/2006/main">
   <p:cSld>
     <p:spTree>
